--- a/Poster/poster.pptx
+++ b/Poster/poster.pptx
@@ -2,13 +2,13 @@
 <file path=ppt/presentation.xml><?xml version="1.0" encoding="utf-8"?>
 <p:presentation xmlns:a="http://schemas.openxmlformats.org/drawingml/2006/main" xmlns:r="http://schemas.openxmlformats.org/officeDocument/2006/relationships" xmlns:p="http://schemas.openxmlformats.org/presentationml/2006/main">
   <p:sldMasterIdLst>
-    <p:sldMasterId id="2147483648" r:id="rId5"/>
+    <p:sldMasterId id="2147483648" r:id="rId1"/>
   </p:sldMasterIdLst>
   <p:notesMasterIdLst>
-    <p:notesMasterId r:id="rId7"/>
+    <p:notesMasterId r:id="rId3"/>
   </p:notesMasterIdLst>
   <p:sldIdLst>
-    <p:sldId id="256" r:id="rId8"/>
+    <p:sldId id="256" r:id="rId2"/>
   </p:sldIdLst>
   <p:sldSz cx="28346400" cy="39319200"/>
   <p:notesSz cx="6858000" cy="9144000"/>
@@ -89,13 +89,14 @@
 </p:presentation>
 </file>
 
-<file path=ppt/commentAuthors.xml><?xml version="1.0" encoding="utf-8"?>
-<p:cmAuthorLst xmlns:a="http://schemas.openxmlformats.org/drawingml/2006/main" xmlns:r="http://schemas.openxmlformats.org/officeDocument/2006/relationships" xmlns:p="http://schemas.openxmlformats.org/presentationml/2006/main"/>
-</file>
-
 <file path=ppt/notesMasters/notesMaster1.xml><?xml version="1.0" encoding="utf-8"?>
 <p:notesMaster xmlns:a="http://schemas.openxmlformats.org/drawingml/2006/main" xmlns:r="http://schemas.openxmlformats.org/officeDocument/2006/relationships" xmlns:p="http://schemas.openxmlformats.org/presentationml/2006/main">
   <p:cSld>
+    <p:bg>
+      <p:bgRef idx="1001">
+        <a:schemeClr val="bg1"/>
+      </p:bgRef>
+    </p:bg>
     <p:spTree>
       <p:nvGrpSpPr>
         <p:cNvPr id="1" name=""/>
@@ -113,7 +114,9 @@
       <p:sp>
         <p:nvSpPr>
           <p:cNvPr id="5" name="Shape 5"/>
-          <p:cNvSpPr/>
+          <p:cNvSpPr>
+            <a:spLocks noGrp="1" noRot="1" noChangeAspect="1"/>
+          </p:cNvSpPr>
           <p:nvPr>
             <p:ph type="sldImg"/>
           </p:nvPr>
@@ -132,13 +135,16 @@
           <a:lstStyle/>
           <a:p>
             <a:pPr lvl="0"/>
+            <a:endParaRPr/>
           </a:p>
         </p:txBody>
       </p:sp>
       <p:sp>
         <p:nvSpPr>
           <p:cNvPr id="6" name="Shape 6"/>
-          <p:cNvSpPr/>
+          <p:cNvSpPr>
+            <a:spLocks noGrp="1"/>
+          </p:cNvSpPr>
           <p:nvPr>
             <p:ph type="body" sz="quarter" idx="1"/>
           </p:nvPr>
@@ -157,10 +163,16 @@
           <a:lstStyle/>
           <a:p>
             <a:pPr lvl="0"/>
+            <a:endParaRPr/>
           </a:p>
         </p:txBody>
       </p:sp>
     </p:spTree>
+    <p:extLst>
+      <p:ext uri="{BB962C8B-B14F-4D97-AF65-F5344CB8AC3E}">
+        <p14:creationId xmlns:p14="http://schemas.microsoft.com/office/powerpoint/2010/main" val="3636043121"/>
+      </p:ext>
+    </p:extLst>
   </p:cSld>
   <p:clrMap bg1="lt1" tx1="dk1" bg2="lt2" tx2="dk2" accent1="accent1" accent2="accent2" accent3="accent3" accent4="accent4" accent5="accent5" accent6="accent6" hlink="hlink" folHlink="folHlink"/>
   <p:notesStyle>
@@ -268,7 +280,7 @@
 </file>
 
 <file path=ppt/slideLayouts/slideLayout1.xml><?xml version="1.0" encoding="utf-8"?>
-<p:sldLayout xmlns:a="http://schemas.openxmlformats.org/drawingml/2006/main" xmlns:r="http://schemas.openxmlformats.org/officeDocument/2006/relationships" xmlns:p="http://schemas.openxmlformats.org/presentationml/2006/main" type="tx" showMasterSp="1" showMasterPhAnim="1">
+<p:sldLayout xmlns:a="http://schemas.openxmlformats.org/drawingml/2006/main" xmlns:r="http://schemas.openxmlformats.org/officeDocument/2006/relationships" xmlns:p="http://schemas.openxmlformats.org/presentationml/2006/main" type="tx">
   <p:cSld name="Default">
     <p:spTree>
       <p:nvGrpSpPr>
@@ -287,7 +299,9 @@
       <p:sp>
         <p:nvSpPr>
           <p:cNvPr id="4" name="Shape 4"/>
-          <p:cNvSpPr/>
+          <p:cNvSpPr>
+            <a:spLocks noGrp="1"/>
+          </p:cNvSpPr>
           <p:nvPr>
             <p:ph type="sldNum" sz="quarter" idx="2"/>
           </p:nvPr>
@@ -302,7 +316,10 @@
           <a:lstStyle/>
           <a:p>
             <a:pPr lvl="0"/>
-            <a:fld id="{86CB4B4D-7CA3-9044-876B-883B54F8677D}" type="slidenum"/>
+            <a:fld id="{86CB4B4D-7CA3-9044-876B-883B54F8677D}" type="slidenum">
+              <a:t>‹#›</a:t>
+            </a:fld>
+            <a:endParaRPr/>
           </a:p>
         </p:txBody>
       </p:sp>
@@ -311,7 +328,7 @@
   <p:clrMapOvr>
     <a:masterClrMapping/>
   </p:clrMapOvr>
-  <p:transition spd="med" advClick="1"/>
+  <p:transition spd="med"/>
 </p:sldLayout>
 </file>
 
@@ -323,6 +340,7 @@
         <a:solidFill>
           <a:srgbClr val="FFFFFF"/>
         </a:solidFill>
+        <a:effectLst/>
       </p:bgPr>
     </p:bg>
     <p:spTree>
@@ -342,7 +360,9 @@
       <p:sp>
         <p:nvSpPr>
           <p:cNvPr id="2" name="Shape 2"/>
-          <p:cNvSpPr/>
+          <p:cNvSpPr>
+            <a:spLocks noGrp="1"/>
+          </p:cNvSpPr>
           <p:nvPr>
             <p:ph type="sldNum" sz="quarter" idx="2"/>
           </p:nvPr>
@@ -374,7 +394,10 @@
           </a:lstStyle>
           <a:p>
             <a:pPr lvl="0"/>
-            <a:fld id="{86CB4B4D-7CA3-9044-876B-883B54F8677D}" type="slidenum"/>
+            <a:fld id="{86CB4B4D-7CA3-9044-876B-883B54F8677D}" type="slidenum">
+              <a:t>‹#›</a:t>
+            </a:fld>
+            <a:endParaRPr/>
           </a:p>
         </p:txBody>
       </p:sp>
@@ -382,9 +405,9 @@
   </p:cSld>
   <p:clrMap bg1="lt1" tx1="dk1" bg2="lt2" tx2="dk2" accent1="accent1" accent2="accent2" accent3="accent3" accent4="accent4" accent5="accent5" accent6="accent6" hlink="hlink" folHlink="folHlink"/>
   <p:sldLayoutIdLst>
-    <p:sldLayoutId id="2147483649" r:id="rId2"/>
+    <p:sldLayoutId id="2147483649" r:id="rId1"/>
   </p:sldLayoutIdLst>
-  <p:transition spd="med" advClick="1"/>
+  <p:transition spd="med"/>
   <p:txStyles>
     <p:titleStyle>
       <a:lvl1pPr algn="ctr" defTabSz="1736725">
@@ -694,7 +717,7 @@
 </file>
 
 <file path=ppt/slides/slide1.xml><?xml version="1.0" encoding="utf-8"?>
-<p:sld xmlns:a="http://schemas.openxmlformats.org/drawingml/2006/main" xmlns:r="http://schemas.openxmlformats.org/officeDocument/2006/relationships" xmlns:p="http://schemas.openxmlformats.org/presentationml/2006/main" showMasterSp="1" showMasterPhAnim="1">
+<p:sld xmlns:a="http://schemas.openxmlformats.org/drawingml/2006/main" xmlns:r="http://schemas.openxmlformats.org/officeDocument/2006/relationships" xmlns:p="http://schemas.openxmlformats.org/presentationml/2006/main">
   <p:cSld>
     <p:spTree>
       <p:nvGrpSpPr>
@@ -710,33 +733,6 @@
           <a:chExt cx="0" cy="0"/>
         </a:xfrm>
       </p:grpSpPr>
-      <p:pic>
-        <p:nvPicPr>
-          <p:cNvPr id="8" name="seas_shield_transparent.pdf" descr="seas_shield_transparent.eps"/>
-          <p:cNvPicPr/>
-          <p:nvPr/>
-        </p:nvPicPr>
-        <p:blipFill>
-          <a:blip r:embed="rId2">
-            <a:extLst/>
-          </a:blip>
-          <a:stretch>
-            <a:fillRect/>
-          </a:stretch>
-        </p:blipFill>
-        <p:spPr>
-          <a:xfrm>
-            <a:off x="23993475" y="1447800"/>
-            <a:ext cx="3206750" cy="3990975"/>
-          </a:xfrm>
-          <a:prstGeom prst="rect">
-            <a:avLst/>
-          </a:prstGeom>
-          <a:ln w="12700">
-            <a:miter lim="400000"/>
-          </a:ln>
-        </p:spPr>
-      </p:pic>
       <p:sp>
         <p:nvSpPr>
           <p:cNvPr id="9" name="Shape 9"/>
@@ -767,7 +763,7 @@
             <a:round/>
           </a:ln>
           <a:effectLst>
-            <a:outerShdw sx="100000" sy="100000" kx="0" ky="0" algn="b" rotWithShape="0" blurRad="38100" dist="23000" dir="5400000">
+            <a:outerShdw blurRad="38100" dist="23000" dir="5400000" rotWithShape="0">
               <a:srgbClr val="000000">
                 <a:alpha val="35000"/>
               </a:srgbClr>
@@ -775,7 +771,7 @@
           </a:effectLst>
           <a:extLst>
             <a:ext uri="{C572A759-6A51-4108-AA02-DFA0A04FC94B}">
-              <ma14:wrappingTextBoxFlag xmlns:ma14="http://schemas.microsoft.com/office/mac/drawingml/2011/main" val="1"/>
+              <ma14:wrappingTextBoxFlag xmlns:ma14="http://schemas.microsoft.com/office/mac/drawingml/2011/main" xmlns="" val="1"/>
             </a:ext>
           </a:extLst>
         </p:spPr>
@@ -805,12 +801,28 @@
               </a:defRPr>
             </a:pPr>
             <a:r>
-              <a:rPr sz="6600">
+              <a:rPr sz="6600" dirty="0">
                 <a:solidFill>
                   <a:srgbClr val="FFFFFF"/>
                 </a:solidFill>
               </a:rPr>
-              <a:t>Predicting Water Pump Failure and Optimising Maintenance Schedules in Tanzania</a:t>
+              <a:t>Predicting Water Pump Failure and </a:t>
+            </a:r>
+            <a:r>
+              <a:rPr sz="6600" dirty="0" err="1">
+                <a:solidFill>
+                  <a:srgbClr val="FFFFFF"/>
+                </a:solidFill>
+              </a:rPr>
+              <a:t>Optimising</a:t>
+            </a:r>
+            <a:r>
+              <a:rPr sz="6600" dirty="0">
+                <a:solidFill>
+                  <a:srgbClr val="FFFFFF"/>
+                </a:solidFill>
+              </a:rPr>
+              <a:t> Maintenance Schedules in Tanzania</a:t>
             </a:r>
           </a:p>
         </p:txBody>
@@ -837,7 +849,7 @@
           </a:ln>
           <a:extLst>
             <a:ext uri="{C572A759-6A51-4108-AA02-DFA0A04FC94B}">
-              <ma14:wrappingTextBoxFlag xmlns:ma14="http://schemas.microsoft.com/office/mac/drawingml/2011/main" val="1"/>
+              <ma14:wrappingTextBoxFlag xmlns:ma14="http://schemas.microsoft.com/office/mac/drawingml/2011/main" xmlns="" val="1"/>
             </a:ext>
           </a:extLst>
         </p:spPr>
@@ -847,7 +859,7 @@
           </a:bodyPr>
           <a:lstStyle>
             <a:lvl1pPr defTabSz="1738312">
-              <a:defRPr b="1" sz="4400">
+              <a:defRPr sz="4400" b="1">
                 <a:solidFill>
                   <a:srgbClr val="FFFFFF"/>
                 </a:solidFill>
@@ -860,14 +872,14 @@
           </a:lstStyle>
           <a:p>
             <a:pPr lvl="0">
-              <a:defRPr b="0" sz="1800">
+              <a:defRPr sz="1800" b="0">
                 <a:solidFill>
                   <a:srgbClr val="000000"/>
                 </a:solidFill>
               </a:defRPr>
             </a:pPr>
             <a:r>
-              <a:rPr b="1" sz="4400">
+              <a:rPr sz="4400" b="1">
                 <a:solidFill>
                   <a:srgbClr val="FFFFFF"/>
                 </a:solidFill>
@@ -896,7 +908,7 @@
           </a:ln>
           <a:extLst>
             <a:ext uri="{C572A759-6A51-4108-AA02-DFA0A04FC94B}">
-              <ma14:wrappingTextBoxFlag xmlns:ma14="http://schemas.microsoft.com/office/mac/drawingml/2011/main" val="1"/>
+              <ma14:wrappingTextBoxFlag xmlns:ma14="http://schemas.microsoft.com/office/mac/drawingml/2011/main" xmlns="" val="1"/>
             </a:ext>
           </a:extLst>
         </p:spPr>
@@ -916,12 +928,6 @@
               </a:rPr>
               <a:t>Samuel Kim</a:t>
             </a:r>
-            <a:endParaRPr sz="4400">
-              <a:latin typeface="+mn-lt"/>
-              <a:ea typeface="+mn-ea"/>
-              <a:cs typeface="+mn-cs"/>
-              <a:sym typeface="Helvetica"/>
-            </a:endParaRPr>
           </a:p>
           <a:p>
             <a:pPr lvl="0" defTabSz="1738312">
@@ -936,12 +942,6 @@
               </a:rPr>
               <a:t>samuelkim@college.harvard.edu</a:t>
             </a:r>
-            <a:endParaRPr sz="4400">
-              <a:latin typeface="+mn-lt"/>
-              <a:ea typeface="+mn-ea"/>
-              <a:cs typeface="+mn-cs"/>
-              <a:sym typeface="Helvetica"/>
-            </a:endParaRPr>
           </a:p>
           <a:p>
             <a:pPr lvl="0" defTabSz="1738312">
@@ -982,12 +982,6 @@
               </a:rPr>
               <a:t>Gareth Haslam</a:t>
             </a:r>
-            <a:endParaRPr sz="4400">
-              <a:latin typeface="+mn-lt"/>
-              <a:ea typeface="+mn-ea"/>
-              <a:cs typeface="+mn-cs"/>
-              <a:sym typeface="Helvetica"/>
-            </a:endParaRPr>
           </a:p>
           <a:p>
             <a:pPr lvl="0" defTabSz="1738312">
@@ -1002,12 +996,6 @@
               </a:rPr>
               <a:t>haslam.gareth@gmail.com</a:t>
             </a:r>
-            <a:endParaRPr sz="4400">
-              <a:latin typeface="+mn-lt"/>
-              <a:ea typeface="+mn-ea"/>
-              <a:cs typeface="+mn-cs"/>
-              <a:sym typeface="Helvetica"/>
-            </a:endParaRPr>
           </a:p>
           <a:p>
             <a:pPr lvl="0" defTabSz="1738312">
@@ -1022,44 +1010,6 @@
               </a:rPr>
               <a:t>Spring 2015</a:t>
             </a:r>
-          </a:p>
-        </p:txBody>
-      </p:sp>
-      <p:sp>
-        <p:nvSpPr>
-          <p:cNvPr id="12" name="Shape 12"/>
-          <p:cNvSpPr/>
-          <p:nvPr/>
-        </p:nvSpPr>
-        <p:spPr>
-          <a:xfrm>
-            <a:off x="10206037" y="6696075"/>
-            <a:ext cx="16937038" cy="4132263"/>
-          </a:xfrm>
-          <a:prstGeom prst="rect">
-            <a:avLst/>
-          </a:prstGeom>
-          <a:solidFill>
-            <a:srgbClr val="FFFFFF"/>
-          </a:solidFill>
-          <a:ln w="6350">
-            <a:solidFill>
-              <a:srgbClr val="A6A6A6"/>
-            </a:solidFill>
-            <a:round/>
-          </a:ln>
-        </p:spPr>
-        <p:txBody>
-          <a:bodyPr lIns="0" tIns="0" rIns="0" bIns="0" anchor="ctr"/>
-          <a:lstStyle/>
-          <a:p>
-            <a:pPr lvl="0" algn="ctr" defTabSz="1738312">
-              <a:defRPr>
-                <a:solidFill>
-                  <a:srgbClr val="FFFFFF"/>
-                </a:solidFill>
-              </a:defRPr>
-            </a:pPr>
           </a:p>
         </p:txBody>
       </p:sp>
@@ -1071,23 +1021,26 @@
         </p:nvSpPr>
         <p:spPr>
           <a:xfrm>
-            <a:off x="10748962" y="7392987"/>
-            <a:ext cx="7037388" cy="1202177"/>
+            <a:off x="10234611" y="6680285"/>
+            <a:ext cx="16908463" cy="3640221"/>
           </a:xfrm>
           <a:prstGeom prst="rect">
             <a:avLst/>
           </a:prstGeom>
           <a:ln w="12700">
+            <a:solidFill>
+              <a:schemeClr val="tx1"/>
+            </a:solidFill>
             <a:miter lim="400000"/>
           </a:ln>
           <a:extLst>
             <a:ext uri="{C572A759-6A51-4108-AA02-DFA0A04FC94B}">
-              <ma14:wrappingTextBoxFlag xmlns:ma14="http://schemas.microsoft.com/office/mac/drawingml/2011/main" val="1"/>
+              <ma14:wrappingTextBoxFlag xmlns:ma14="http://schemas.microsoft.com/office/mac/drawingml/2011/main" xmlns="" val="1"/>
             </a:ext>
           </a:extLst>
         </p:spPr>
         <p:txBody>
-          <a:bodyPr lIns="42288" tIns="42288" rIns="42288" bIns="42288">
+          <a:bodyPr wrap="square" lIns="42288" tIns="42288" rIns="42288" bIns="42288">
             <a:spAutoFit/>
           </a:bodyPr>
           <a:lstStyle>
@@ -1105,9 +1058,110 @@
               <a:defRPr sz="1800"/>
             </a:pPr>
             <a:r>
-              <a:rPr sz="3700"/>
-              <a:t>I am an abstract. I am succinct and carefully written.</a:t>
-            </a:r>
+              <a:rPr lang="en-US" sz="3300" dirty="0">
+                <a:latin typeface="Arial"/>
+                <a:ea typeface="Arial"/>
+                <a:cs typeface="Arial"/>
+                <a:sym typeface="Arial"/>
+              </a:rPr>
+              <a:t>Predicting failure of water wells is an important issues for millions of people in developing countries who rely on these wells for their clean drinking water. </a:t>
+            </a:r>
+            <a:r>
+              <a:rPr lang="en-US" sz="3300" dirty="0">
+                <a:latin typeface="Arial"/>
+                <a:ea typeface="Arial"/>
+                <a:cs typeface="Arial"/>
+                <a:sym typeface="Arial"/>
+              </a:rPr>
+              <a:t>Using the dataset collected on Tanzanian water wells, </a:t>
+            </a:r>
+            <a:r>
+              <a:rPr lang="en-US" sz="3300" dirty="0" smtClean="0">
+                <a:latin typeface="Arial"/>
+                <a:ea typeface="Arial"/>
+                <a:cs typeface="Arial"/>
+                <a:sym typeface="Arial"/>
+              </a:rPr>
+              <a:t>collected by </a:t>
+            </a:r>
+            <a:r>
+              <a:rPr lang="en-US" sz="3300" dirty="0" err="1" smtClean="0">
+                <a:latin typeface="Arial"/>
+                <a:ea typeface="Arial"/>
+                <a:cs typeface="Arial"/>
+                <a:sym typeface="Arial"/>
+              </a:rPr>
+              <a:t>Taarifa</a:t>
+            </a:r>
+            <a:r>
+              <a:rPr lang="en-US" sz="3300" dirty="0" smtClean="0">
+                <a:latin typeface="Arial"/>
+                <a:ea typeface="Arial"/>
+                <a:cs typeface="Arial"/>
+                <a:sym typeface="Arial"/>
+              </a:rPr>
+              <a:t>, </a:t>
+            </a:r>
+            <a:r>
+              <a:rPr lang="en-US" sz="3300" dirty="0">
+                <a:latin typeface="Arial"/>
+                <a:ea typeface="Arial"/>
+                <a:cs typeface="Arial"/>
+                <a:sym typeface="Arial"/>
+              </a:rPr>
+              <a:t>we aim to use </a:t>
+            </a:r>
+            <a:r>
+              <a:rPr lang="en-US" sz="3300" dirty="0" smtClean="0">
+                <a:latin typeface="Arial"/>
+                <a:ea typeface="Arial"/>
+                <a:cs typeface="Arial"/>
+                <a:sym typeface="Arial"/>
+              </a:rPr>
+              <a:t>Bayesian inference methods to </a:t>
+            </a:r>
+            <a:r>
+              <a:rPr lang="en-US" sz="3300" dirty="0">
+                <a:latin typeface="Arial"/>
+                <a:ea typeface="Arial"/>
+                <a:cs typeface="Arial"/>
+                <a:sym typeface="Arial"/>
+              </a:rPr>
+              <a:t>investigate how to better predict failure. Our second goal is to use information about the location of the wells to </a:t>
+            </a:r>
+            <a:r>
+              <a:rPr lang="en-US" sz="3300" dirty="0" smtClean="0">
+                <a:latin typeface="Arial"/>
+                <a:ea typeface="Arial"/>
+                <a:cs typeface="Arial"/>
+                <a:sym typeface="Arial"/>
+              </a:rPr>
+              <a:t>optimize </a:t>
+            </a:r>
+            <a:r>
+              <a:rPr lang="en-US" sz="3300" dirty="0">
+                <a:latin typeface="Arial"/>
+                <a:ea typeface="Arial"/>
+                <a:cs typeface="Arial"/>
+                <a:sym typeface="Arial"/>
+              </a:rPr>
+              <a:t>their maintenance schedules by finding the shortest path between non-functioning or damaged wells. We will approach this second task using </a:t>
+            </a:r>
+            <a:r>
+              <a:rPr lang="en-US" sz="3300" dirty="0" smtClean="0">
+                <a:latin typeface="Arial"/>
+                <a:ea typeface="Arial"/>
+                <a:cs typeface="Arial"/>
+                <a:sym typeface="Arial"/>
+              </a:rPr>
+              <a:t>stochastic optimization methods</a:t>
+            </a:r>
+            <a:endParaRPr sz="3300" dirty="0">
+              <a:latin typeface="Arial"/>
+              <a:ea typeface="Arial"/>
+              <a:cs typeface="Arial"/>
+              <a:sym typeface="Arial"/>
+            </a:endParaRPr>
           </a:p>
         </p:txBody>
       </p:sp>
@@ -1130,7 +1184,7 @@
           </a:ln>
           <a:extLst>
             <a:ext uri="{C572A759-6A51-4108-AA02-DFA0A04FC94B}">
-              <ma14:wrappingTextBoxFlag xmlns:ma14="http://schemas.microsoft.com/office/mac/drawingml/2011/main" val="1"/>
+              <ma14:wrappingTextBoxFlag xmlns:ma14="http://schemas.microsoft.com/office/mac/drawingml/2011/main" xmlns="" val="1"/>
             </a:ext>
           </a:extLst>
         </p:spPr>
@@ -1167,7 +1221,7 @@
         </p:nvSpPr>
         <p:spPr>
           <a:xfrm>
-            <a:off x="1154906" y="22262030"/>
+            <a:off x="10187781" y="11229420"/>
             <a:ext cx="7964488" cy="1800778"/>
           </a:xfrm>
           <a:prstGeom prst="rect">
@@ -1181,7 +1235,7 @@
           </a:ln>
           <a:extLst>
             <a:ext uri="{C572A759-6A51-4108-AA02-DFA0A04FC94B}">
-              <ma14:wrappingTextBoxFlag xmlns:ma14="http://schemas.microsoft.com/office/mac/drawingml/2011/main" val="1"/>
+              <ma14:wrappingTextBoxFlag xmlns:ma14="http://schemas.microsoft.com/office/mac/drawingml/2011/main" xmlns="" val="1"/>
             </a:ext>
           </a:extLst>
         </p:spPr>
@@ -1191,7 +1245,7 @@
           </a:bodyPr>
           <a:lstStyle>
             <a:lvl1pPr defTabSz="1738312">
-              <a:defRPr b="1" sz="4400">
+              <a:defRPr sz="4400" b="1">
                 <a:solidFill>
                   <a:srgbClr val="FFFFFF"/>
                 </a:solidFill>
@@ -1204,55 +1258,20 @@
           </a:lstStyle>
           <a:p>
             <a:pPr lvl="0">
-              <a:defRPr b="0" sz="1800">
+              <a:defRPr sz="1800" b="0">
                 <a:solidFill>
                   <a:srgbClr val="000000"/>
                 </a:solidFill>
               </a:defRPr>
             </a:pPr>
             <a:r>
-              <a:rPr b="1" sz="4400">
+              <a:rPr sz="4400" b="1" dirty="0">
                 <a:solidFill>
                   <a:srgbClr val="FFFFFF"/>
                 </a:solidFill>
               </a:rPr>
               <a:t>Approach</a:t>
             </a:r>
-          </a:p>
-        </p:txBody>
-      </p:sp>
-      <p:sp>
-        <p:nvSpPr>
-          <p:cNvPr id="16" name="Shape 16"/>
-          <p:cNvSpPr/>
-          <p:nvPr/>
-        </p:nvSpPr>
-        <p:spPr>
-          <a:xfrm>
-            <a:off x="1206500" y="8916987"/>
-            <a:ext cx="8010525" cy="11371263"/>
-          </a:xfrm>
-          <a:prstGeom prst="rect">
-            <a:avLst/>
-          </a:prstGeom>
-          <a:solidFill>
-            <a:srgbClr val="FFFFFF"/>
-          </a:solidFill>
-          <a:ln w="12700">
-            <a:miter lim="400000"/>
-          </a:ln>
-        </p:spPr>
-        <p:txBody>
-          <a:bodyPr lIns="0" tIns="0" rIns="0" bIns="0" anchor="ctr"/>
-          <a:lstStyle/>
-          <a:p>
-            <a:pPr lvl="0" algn="ctr" defTabSz="1738312">
-              <a:defRPr>
-                <a:solidFill>
-                  <a:srgbClr val="FFFFFF"/>
-                </a:solidFill>
-              </a:defRPr>
-            </a:pPr>
           </a:p>
         </p:txBody>
       </p:sp>
@@ -1264,7 +1283,7 @@
         </p:nvSpPr>
         <p:spPr>
           <a:xfrm>
-            <a:off x="10629900" y="29067125"/>
+            <a:off x="10629900" y="35666934"/>
             <a:ext cx="7085013" cy="1518666"/>
           </a:xfrm>
           <a:prstGeom prst="rect">
@@ -1275,7 +1294,7 @@
           </a:ln>
           <a:extLst>
             <a:ext uri="{C572A759-6A51-4108-AA02-DFA0A04FC94B}">
-              <ma14:wrappingTextBoxFlag xmlns:ma14="http://schemas.microsoft.com/office/mac/drawingml/2011/main" val="1"/>
+              <ma14:wrappingTextBoxFlag xmlns:ma14="http://schemas.microsoft.com/office/mac/drawingml/2011/main" xmlns="" val="1"/>
             </a:ext>
           </a:extLst>
         </p:spPr>
@@ -1289,7 +1308,7 @@
               <a:defRPr sz="1800"/>
             </a:pPr>
             <a:r>
-              <a:rPr b="1" sz="3300">
+              <a:rPr sz="3300" b="1">
                 <a:latin typeface="Arial"/>
                 <a:ea typeface="Arial"/>
                 <a:cs typeface="Arial"/>
@@ -1307,7 +1326,7 @@
               <a:t>Sampler values for model coefficients. </a:t>
             </a:r>
             <a:r>
-              <a:rPr b="1" sz="3300">
+              <a:rPr sz="3300" b="1">
                 <a:latin typeface="Arial"/>
                 <a:ea typeface="Arial"/>
                 <a:cs typeface="Arial"/>
@@ -1325,7 +1344,7 @@
               <a:t> Geweke test for convergence.</a:t>
             </a:r>
             <a:r>
-              <a:rPr b="1" sz="3300">
+              <a:rPr sz="3300" b="1">
                 <a:latin typeface="Arial"/>
                 <a:ea typeface="Arial"/>
                 <a:cs typeface="Arial"/>
@@ -1344,7 +1363,7 @@
         </p:nvSpPr>
         <p:spPr>
           <a:xfrm>
-            <a:off x="10164762" y="21841342"/>
+            <a:off x="10164762" y="26307551"/>
             <a:ext cx="8010526" cy="1800778"/>
           </a:xfrm>
           <a:prstGeom prst="rect">
@@ -1358,7 +1377,7 @@
           </a:ln>
           <a:extLst>
             <a:ext uri="{C572A759-6A51-4108-AA02-DFA0A04FC94B}">
-              <ma14:wrappingTextBoxFlag xmlns:ma14="http://schemas.microsoft.com/office/mac/drawingml/2011/main" val="1"/>
+              <ma14:wrappingTextBoxFlag xmlns:ma14="http://schemas.microsoft.com/office/mac/drawingml/2011/main" xmlns="" val="1"/>
             </a:ext>
           </a:extLst>
         </p:spPr>
@@ -1368,7 +1387,7 @@
           </a:bodyPr>
           <a:lstStyle>
             <a:lvl1pPr defTabSz="1738312">
-              <a:defRPr b="1" sz="4400">
+              <a:defRPr sz="4400" b="1">
                 <a:solidFill>
                   <a:srgbClr val="FFFFFF"/>
                 </a:solidFill>
@@ -1381,14 +1400,14 @@
           </a:lstStyle>
           <a:p>
             <a:pPr lvl="0">
-              <a:defRPr b="0" sz="1800">
+              <a:defRPr sz="1800" b="0">
                 <a:solidFill>
                   <a:srgbClr val="000000"/>
                 </a:solidFill>
               </a:defRPr>
             </a:pPr>
             <a:r>
-              <a:rPr b="1" sz="4400">
+              <a:rPr sz="4400" b="1">
                 <a:solidFill>
                   <a:srgbClr val="FFFFFF"/>
                 </a:solidFill>
@@ -1420,7 +1439,7 @@
           </a:ln>
           <a:extLst>
             <a:ext uri="{C572A759-6A51-4108-AA02-DFA0A04FC94B}">
-              <ma14:wrappingTextBoxFlag xmlns:ma14="http://schemas.microsoft.com/office/mac/drawingml/2011/main" val="1"/>
+              <ma14:wrappingTextBoxFlag xmlns:ma14="http://schemas.microsoft.com/office/mac/drawingml/2011/main" xmlns="" val="1"/>
             </a:ext>
           </a:extLst>
         </p:spPr>
@@ -1430,7 +1449,7 @@
           </a:bodyPr>
           <a:lstStyle>
             <a:lvl1pPr defTabSz="1738312">
-              <a:defRPr b="1" sz="4400">
+              <a:defRPr sz="4400" b="1">
                 <a:solidFill>
                   <a:srgbClr val="FFFFFF"/>
                 </a:solidFill>
@@ -1443,55 +1462,20 @@
           </a:lstStyle>
           <a:p>
             <a:pPr lvl="0">
-              <a:defRPr b="0" sz="1800">
+              <a:defRPr sz="1800" b="0">
                 <a:solidFill>
                   <a:srgbClr val="000000"/>
                 </a:solidFill>
               </a:defRPr>
             </a:pPr>
             <a:r>
-              <a:rPr b="1" sz="4400">
+              <a:rPr sz="4400" b="1" dirty="0">
                 <a:solidFill>
                   <a:srgbClr val="FFFFFF"/>
                 </a:solidFill>
               </a:rPr>
               <a:t>Conclusions</a:t>
             </a:r>
-          </a:p>
-        </p:txBody>
-      </p:sp>
-      <p:sp>
-        <p:nvSpPr>
-          <p:cNvPr id="20" name="Shape 20"/>
-          <p:cNvSpPr/>
-          <p:nvPr/>
-        </p:nvSpPr>
-        <p:spPr>
-          <a:xfrm>
-            <a:off x="19129375" y="18943637"/>
-            <a:ext cx="8013700" cy="9223376"/>
-          </a:xfrm>
-          <a:prstGeom prst="rect">
-            <a:avLst/>
-          </a:prstGeom>
-          <a:solidFill>
-            <a:srgbClr val="FFFFFF"/>
-          </a:solidFill>
-          <a:ln w="12700">
-            <a:miter lim="400000"/>
-          </a:ln>
-        </p:spPr>
-        <p:txBody>
-          <a:bodyPr lIns="0" tIns="0" rIns="0" bIns="0" anchor="ctr"/>
-          <a:lstStyle/>
-          <a:p>
-            <a:pPr lvl="0" algn="ctr" defTabSz="1738312">
-              <a:defRPr>
-                <a:solidFill>
-                  <a:srgbClr val="FFFFFF"/>
-                </a:solidFill>
-              </a:defRPr>
-            </a:pPr>
           </a:p>
         </p:txBody>
       </p:sp>
@@ -1517,7 +1501,7 @@
           </a:ln>
           <a:extLst>
             <a:ext uri="{C572A759-6A51-4108-AA02-DFA0A04FC94B}">
-              <ma14:wrappingTextBoxFlag xmlns:ma14="http://schemas.microsoft.com/office/mac/drawingml/2011/main" val="1"/>
+              <ma14:wrappingTextBoxFlag xmlns:ma14="http://schemas.microsoft.com/office/mac/drawingml/2011/main" xmlns="" val="1"/>
             </a:ext>
           </a:extLst>
         </p:spPr>
@@ -1527,7 +1511,7 @@
           </a:bodyPr>
           <a:lstStyle>
             <a:lvl1pPr defTabSz="1738312">
-              <a:defRPr b="1" sz="4400">
+              <a:defRPr sz="4400" b="1">
                 <a:solidFill>
                   <a:srgbClr val="FFFFFF"/>
                 </a:solidFill>
@@ -1540,55 +1524,20 @@
           </a:lstStyle>
           <a:p>
             <a:pPr lvl="0">
-              <a:defRPr b="0" sz="1800">
+              <a:defRPr sz="1800" b="0">
                 <a:solidFill>
                   <a:srgbClr val="000000"/>
                 </a:solidFill>
               </a:defRPr>
             </a:pPr>
             <a:r>
-              <a:rPr b="1" sz="4400">
+              <a:rPr sz="4400" b="1">
                 <a:solidFill>
                   <a:srgbClr val="FFFFFF"/>
                 </a:solidFill>
               </a:rPr>
               <a:t>Citations and Links</a:t>
             </a:r>
-          </a:p>
-        </p:txBody>
-      </p:sp>
-      <p:sp>
-        <p:nvSpPr>
-          <p:cNvPr id="22" name="Shape 22"/>
-          <p:cNvSpPr/>
-          <p:nvPr/>
-        </p:nvSpPr>
-        <p:spPr>
-          <a:xfrm>
-            <a:off x="19129375" y="30954662"/>
-            <a:ext cx="8013700" cy="6961188"/>
-          </a:xfrm>
-          <a:prstGeom prst="rect">
-            <a:avLst/>
-          </a:prstGeom>
-          <a:solidFill>
-            <a:srgbClr val="FFFFFF"/>
-          </a:solidFill>
-          <a:ln w="12700">
-            <a:miter lim="400000"/>
-          </a:ln>
-        </p:spPr>
-        <p:txBody>
-          <a:bodyPr lIns="0" tIns="0" rIns="0" bIns="0" anchor="ctr"/>
-          <a:lstStyle/>
-          <a:p>
-            <a:pPr lvl="0" algn="ctr" defTabSz="1738312">
-              <a:defRPr>
-                <a:solidFill>
-                  <a:srgbClr val="FFFFFF"/>
-                </a:solidFill>
-              </a:defRPr>
-            </a:pPr>
           </a:p>
         </p:txBody>
       </p:sp>
@@ -1600,7 +1549,7 @@
         </p:nvSpPr>
         <p:spPr>
           <a:xfrm>
-            <a:off x="19515137" y="19154775"/>
+            <a:off x="19329400" y="18516600"/>
             <a:ext cx="7086601" cy="592577"/>
           </a:xfrm>
           <a:prstGeom prst="rect">
@@ -1611,7 +1560,7 @@
           </a:ln>
           <a:extLst>
             <a:ext uri="{C572A759-6A51-4108-AA02-DFA0A04FC94B}">
-              <ma14:wrappingTextBoxFlag xmlns:ma14="http://schemas.microsoft.com/office/mac/drawingml/2011/main" val="1"/>
+              <ma14:wrappingTextBoxFlag xmlns:ma14="http://schemas.microsoft.com/office/mac/drawingml/2011/main" xmlns="" val="1"/>
             </a:ext>
           </a:extLst>
         </p:spPr>
@@ -1659,7 +1608,7 @@
           </a:ln>
           <a:extLst>
             <a:ext uri="{C572A759-6A51-4108-AA02-DFA0A04FC94B}">
-              <ma14:wrappingTextBoxFlag xmlns:ma14="http://schemas.microsoft.com/office/mac/drawingml/2011/main" val="1"/>
+              <ma14:wrappingTextBoxFlag xmlns:ma14="http://schemas.microsoft.com/office/mac/drawingml/2011/main" xmlns="" val="1"/>
             </a:ext>
           </a:extLst>
         </p:spPr>
@@ -1669,7 +1618,7 @@
           </a:bodyPr>
           <a:lstStyle/>
           <a:p>
-            <a:pPr lvl="0" marL="457200" indent="-457200" defTabSz="1738312">
+            <a:pPr marL="457200" lvl="0" indent="-457200" defTabSz="1738312">
               <a:spcBef>
                 <a:spcPts val="500"/>
               </a:spcBef>
@@ -1685,7 +1634,7 @@
               <a:t>[1] UN Water. 2013. World Water Day Day 2013 - Facts and Figures. </a:t>
             </a:r>
             <a:r>
-              <a:rPr i="1" sz="2600">
+              <a:rPr sz="2600" i="1">
                 <a:latin typeface="Times"/>
                 <a:ea typeface="Times"/>
                 <a:cs typeface="Times"/>
@@ -1705,7 +1654,7 @@
             <a:endParaRPr sz="6900"/>
           </a:p>
           <a:p>
-            <a:pPr lvl="0" marL="457200" indent="-457200" defTabSz="1738312">
+            <a:pPr marL="457200" lvl="0" indent="-457200" defTabSz="1738312">
               <a:spcBef>
                 <a:spcPts val="500"/>
               </a:spcBef>
@@ -1721,7 +1670,7 @@
               <a:t>[2] Morisset J., 2012. Tanzania: Water is life, but access remains a problem. </a:t>
             </a:r>
             <a:r>
-              <a:rPr i="1" sz="2600">
+              <a:rPr sz="2600" i="1">
                 <a:latin typeface="Times"/>
                 <a:ea typeface="Times"/>
                 <a:cs typeface="Times"/>
@@ -1736,70 +1685,7 @@
                 <a:cs typeface="Times"/>
                 <a:sym typeface="Times"/>
               </a:rPr>
-              <a:t>10/09/12</a:t>
-            </a:r>
-            <a:r>
-              <a:rPr sz="2600">
-                <a:latin typeface="Times"/>
-                <a:ea typeface="Times"/>
-                <a:cs typeface="Times"/>
-                <a:sym typeface="Times"/>
-              </a:rPr>
-              <a:t>. Accessed 29/4/2015.</a:t>
-            </a:r>
-            <a:endParaRPr sz="2600">
-              <a:latin typeface="Times"/>
-              <a:ea typeface="Times"/>
-              <a:cs typeface="Times"/>
-              <a:sym typeface="Times"/>
-            </a:endParaRPr>
-          </a:p>
-        </p:txBody>
-      </p:sp>
-      <p:sp>
-        <p:nvSpPr>
-          <p:cNvPr id="25" name="Shape 25"/>
-          <p:cNvSpPr/>
-          <p:nvPr/>
-        </p:nvSpPr>
-        <p:spPr>
-          <a:xfrm>
-            <a:off x="10471150" y="24333200"/>
-            <a:ext cx="7085013" cy="592577"/>
-          </a:xfrm>
-          <a:prstGeom prst="rect">
-            <a:avLst/>
-          </a:prstGeom>
-          <a:ln w="12700">
-            <a:miter lim="400000"/>
-          </a:ln>
-          <a:extLst>
-            <a:ext uri="{C572A759-6A51-4108-AA02-DFA0A04FC94B}">
-              <ma14:wrappingTextBoxFlag xmlns:ma14="http://schemas.microsoft.com/office/mac/drawingml/2011/main" val="1"/>
-            </a:ext>
-          </a:extLst>
-        </p:spPr>
-        <p:txBody>
-          <a:bodyPr lIns="42288" tIns="42288" rIns="42288" bIns="42288">
-            <a:spAutoFit/>
-          </a:bodyPr>
-          <a:lstStyle>
-            <a:lvl1pPr defTabSz="1738312">
-              <a:defRPr sz="3300">
-                <a:latin typeface="Times"/>
-                <a:ea typeface="Times"/>
-                <a:cs typeface="Times"/>
-                <a:sym typeface="Times"/>
-              </a:defRPr>
-            </a:lvl1pPr>
-          </a:lstStyle>
-          <a:p>
-            <a:pPr lvl="0">
-              <a:defRPr sz="1800"/>
-            </a:pPr>
-            <a:r>
-              <a:rPr sz="3300"/>
-              <a:t>blah blah blah</a:t>
+              <a:t>10/09/12. Accessed 29/4/2015.</a:t>
             </a:r>
           </a:p>
         </p:txBody>
@@ -1813,7 +1699,7 @@
         <p:spPr>
           <a:xfrm>
             <a:off x="1154906" y="14405315"/>
-            <a:ext cx="7964488" cy="7309866"/>
+            <a:ext cx="7964488" cy="7702872"/>
           </a:xfrm>
           <a:prstGeom prst="rect">
             <a:avLst/>
@@ -1823,7 +1709,7 @@
           </a:ln>
           <a:extLst>
             <a:ext uri="{C572A759-6A51-4108-AA02-DFA0A04FC94B}">
-              <ma14:wrappingTextBoxFlag xmlns:ma14="http://schemas.microsoft.com/office/mac/drawingml/2011/main" val="1"/>
+              <ma14:wrappingTextBoxFlag xmlns:ma14="http://schemas.microsoft.com/office/mac/drawingml/2011/main" xmlns="" val="1"/>
             </a:ext>
           </a:extLst>
         </p:spPr>
@@ -1846,56 +1732,24 @@
               <a:defRPr sz="1800"/>
             </a:pPr>
             <a:r>
-              <a:rPr sz="3300"/>
-              <a:t>Access to clean water is a fundamental need for people all over the world. Around 11% of the world’s population currently lack such access due to either lack of natural resources or lack of infrastructure [1]. In Tanzania, despite the availability of water, only 33.5% have access to a piped source [2]. Many others depend on pumps for their supply. When these pumps fail, that can create serious problems for the people who depend on them. We aim to use Bayesian Methods and Simulated Annealing to predict which pumps are likely to be need in repair and optimise the route the engineering crew can take.</a:t>
-            </a:r>
-          </a:p>
-        </p:txBody>
-      </p:sp>
-      <p:sp>
-        <p:nvSpPr>
-          <p:cNvPr id="27" name="Shape 27"/>
-          <p:cNvSpPr/>
-          <p:nvPr/>
-        </p:nvSpPr>
-        <p:spPr>
-          <a:xfrm>
-            <a:off x="11120437" y="35850512"/>
-            <a:ext cx="7304088" cy="541777"/>
-          </a:xfrm>
-          <a:prstGeom prst="rect">
-            <a:avLst/>
-          </a:prstGeom>
-          <a:ln w="12700">
-            <a:miter lim="400000"/>
-          </a:ln>
-          <a:extLst>
-            <a:ext uri="{C572A759-6A51-4108-AA02-DFA0A04FC94B}">
-              <ma14:wrappingTextBoxFlag xmlns:ma14="http://schemas.microsoft.com/office/mac/drawingml/2011/main" val="1"/>
-            </a:ext>
-          </a:extLst>
-        </p:spPr>
-        <p:txBody>
-          <a:bodyPr lIns="42288" tIns="42288" rIns="42288" bIns="42288">
-            <a:spAutoFit/>
-          </a:bodyPr>
-          <a:lstStyle>
-            <a:lvl1pPr defTabSz="1738312">
-              <a:defRPr sz="3000">
-                <a:latin typeface="Courier"/>
-                <a:ea typeface="Courier"/>
-                <a:cs typeface="Courier"/>
-                <a:sym typeface="Courier"/>
-              </a:defRPr>
-            </a:lvl1pPr>
-          </a:lstStyle>
-          <a:p>
-            <a:pPr lvl="0">
-              <a:defRPr sz="1800"/>
-            </a:pPr>
-            <a:r>
-              <a:rPr sz="3000"/>
-              <a:t>here is some of my code.</a:t>
+              <a:rPr sz="3300" dirty="0"/>
+              <a:t>Access to clean water is a fundamental need for people all over the world. Around 11% of the world’s population currently lack such access due to either lack of natural resources or lack of infrastructure [1]. In Tanzania, despite the availability of water, only 33.5% have access to a piped source [2]. Many others depend on pumps for their supply. When these pumps fail, that can create serious problems for the people who depend on them. We aim to use Bayesian Methods and Simulated Annealing to predict which pumps are likely to be need in repair and </a:t>
+            </a:r>
+            <a:r>
+              <a:rPr sz="3300" dirty="0" smtClean="0"/>
+              <a:t>optimi</a:t>
+            </a:r>
+            <a:r>
+              <a:rPr lang="en-US" sz="3300" dirty="0" smtClean="0"/>
+              <a:t>z</a:t>
+            </a:r>
+            <a:r>
+              <a:rPr sz="3300" dirty="0" smtClean="0"/>
+              <a:t>e </a:t>
+            </a:r>
+            <a:r>
+              <a:rPr sz="3300" dirty="0"/>
+              <a:t>the route the engineering crew can take.</a:t>
             </a:r>
           </a:p>
         </p:txBody>
@@ -1908,7 +1762,7 @@
         </p:nvSpPr>
         <p:spPr>
           <a:xfrm>
-            <a:off x="10209212" y="11261449"/>
+            <a:off x="1000918" y="22347972"/>
             <a:ext cx="7966076" cy="1800777"/>
           </a:xfrm>
           <a:prstGeom prst="rect">
@@ -1922,7 +1776,7 @@
           </a:ln>
           <a:extLst>
             <a:ext uri="{C572A759-6A51-4108-AA02-DFA0A04FC94B}">
-              <ma14:wrappingTextBoxFlag xmlns:ma14="http://schemas.microsoft.com/office/mac/drawingml/2011/main" val="1"/>
+              <ma14:wrappingTextBoxFlag xmlns:ma14="http://schemas.microsoft.com/office/mac/drawingml/2011/main" xmlns="" val="1"/>
             </a:ext>
           </a:extLst>
         </p:spPr>
@@ -1932,7 +1786,7 @@
           </a:bodyPr>
           <a:lstStyle>
             <a:lvl1pPr defTabSz="1738312">
-              <a:defRPr b="1" sz="4400">
+              <a:defRPr sz="4400" b="1">
                 <a:solidFill>
                   <a:srgbClr val="FFFFFF"/>
                 </a:solidFill>
@@ -1945,55 +1799,20 @@
           </a:lstStyle>
           <a:p>
             <a:pPr lvl="0">
-              <a:defRPr b="0" sz="1800">
+              <a:defRPr sz="1800" b="0">
                 <a:solidFill>
                   <a:srgbClr val="000000"/>
                 </a:solidFill>
               </a:defRPr>
             </a:pPr>
             <a:r>
-              <a:rPr b="1" sz="4400">
+              <a:rPr sz="4400" b="1">
                 <a:solidFill>
                   <a:srgbClr val="FFFFFF"/>
                 </a:solidFill>
               </a:rPr>
               <a:t>Data</a:t>
             </a:r>
-          </a:p>
-        </p:txBody>
-      </p:sp>
-      <p:sp>
-        <p:nvSpPr>
-          <p:cNvPr id="29" name="Shape 29"/>
-          <p:cNvSpPr/>
-          <p:nvPr/>
-        </p:nvSpPr>
-        <p:spPr>
-          <a:xfrm>
-            <a:off x="10209212" y="13390562"/>
-            <a:ext cx="7970838" cy="8562976"/>
-          </a:xfrm>
-          <a:prstGeom prst="rect">
-            <a:avLst/>
-          </a:prstGeom>
-          <a:solidFill>
-            <a:srgbClr val="FFFFFF"/>
-          </a:solidFill>
-          <a:ln w="12700">
-            <a:miter lim="400000"/>
-          </a:ln>
-        </p:spPr>
-        <p:txBody>
-          <a:bodyPr lIns="0" tIns="0" rIns="0" bIns="0" anchor="ctr"/>
-          <a:lstStyle/>
-          <a:p>
-            <a:pPr lvl="0" algn="ctr" defTabSz="1738312">
-              <a:defRPr>
-                <a:solidFill>
-                  <a:srgbClr val="FFFFFF"/>
-                </a:solidFill>
-              </a:defRPr>
-            </a:pPr>
           </a:p>
         </p:txBody>
       </p:sp>
@@ -2005,8 +1824,8 @@
         </p:nvSpPr>
         <p:spPr>
           <a:xfrm>
-            <a:off x="10266362" y="13408025"/>
-            <a:ext cx="7913688" cy="5379466"/>
+            <a:off x="1058068" y="24494549"/>
+            <a:ext cx="7913688" cy="9226366"/>
           </a:xfrm>
           <a:prstGeom prst="rect">
             <a:avLst/>
@@ -2016,7 +1835,7 @@
           </a:ln>
           <a:extLst>
             <a:ext uri="{C572A759-6A51-4108-AA02-DFA0A04FC94B}">
-              <ma14:wrappingTextBoxFlag xmlns:ma14="http://schemas.microsoft.com/office/mac/drawingml/2011/main" val="1"/>
+              <ma14:wrappingTextBoxFlag xmlns:ma14="http://schemas.microsoft.com/office/mac/drawingml/2011/main" xmlns="" val="1"/>
             </a:ext>
           </a:extLst>
         </p:spPr>
@@ -2030,41 +1849,299 @@
               <a:defRPr sz="1800"/>
             </a:pPr>
             <a:r>
-              <a:rPr sz="3300">
+              <a:rPr sz="3300" dirty="0">
                 <a:latin typeface="Arial"/>
                 <a:ea typeface="Arial"/>
                 <a:cs typeface="Arial"/>
                 <a:sym typeface="Arial"/>
               </a:rPr>
-              <a:t>Data for this project was provided as part of a challenge set by </a:t>
-            </a:r>
-            <a:r>
-              <a:rPr sz="3300" u="sng">
-                <a:solidFill>
-                  <a:srgbClr val="0000FF"/>
-                </a:solidFill>
-                <a:uFill>
-                  <a:solidFill>
-                    <a:srgbClr val="0000FF"/>
-                  </a:solidFill>
-                </a:uFill>
-                <a:latin typeface="Arial"/>
-                <a:ea typeface="Arial"/>
-                <a:cs typeface="Arial"/>
-                <a:sym typeface="Arial"/>
-                <a:hlinkClick r:id="rId3" invalidUrl="" action="" tgtFrame="" tooltip="" history="1" highlightClick="0" endSnd="0"/>
-              </a:rPr>
-              <a:t>DrivenData.org</a:t>
-            </a:r>
-            <a:r>
-              <a:rPr sz="3300">
+              <a:t>Data </a:t>
+            </a:r>
+            <a:r>
+              <a:rPr lang="en-US" sz="3300" dirty="0" smtClean="0">
                 <a:latin typeface="Arial"/>
                 <a:ea typeface="Arial"/>
                 <a:cs typeface="Arial"/>
                 <a:sym typeface="Arial"/>
               </a:rPr>
-              <a:t> - a platform developed by former Harvard SEAS students. The data was collected from Taarifa, an open source platform for reporting infrastructure issues and the Tanzanian Ministry of Water. The dataset contains information on various parameters such as pump construction year, installer, water type, location and other relevant details.</a:t>
-            </a:r>
+              <a:t>is provided by</a:t>
+            </a:r>
+            <a:r>
+              <a:rPr sz="3300" dirty="0" smtClean="0">
+                <a:latin typeface="Arial"/>
+                <a:ea typeface="Arial"/>
+                <a:cs typeface="Arial"/>
+                <a:sym typeface="Arial"/>
+              </a:rPr>
+              <a:t> </a:t>
+            </a:r>
+            <a:r>
+              <a:rPr sz="3300" dirty="0">
+                <a:latin typeface="Arial"/>
+                <a:ea typeface="Arial"/>
+                <a:cs typeface="Arial"/>
+                <a:sym typeface="Arial"/>
+              </a:rPr>
+              <a:t>DrivenData.org</a:t>
+            </a:r>
+            <a:r>
+              <a:rPr lang="en-US" sz="3300" dirty="0">
+                <a:latin typeface="Arial"/>
+                <a:ea typeface="Arial"/>
+                <a:cs typeface="Arial"/>
+                <a:sym typeface="Arial"/>
+              </a:rPr>
+              <a:t>,</a:t>
+            </a:r>
+            <a:r>
+              <a:rPr lang="en-US" sz="3300" dirty="0" smtClean="0">
+                <a:latin typeface="Arial"/>
+                <a:ea typeface="Arial"/>
+                <a:cs typeface="Arial"/>
+                <a:sym typeface="Arial"/>
+              </a:rPr>
+              <a:t> a platform to equip nonprofits with the power of data analysis</a:t>
+            </a:r>
+            <a:r>
+              <a:rPr sz="3300" dirty="0" smtClean="0">
+                <a:latin typeface="Arial"/>
+                <a:ea typeface="Arial"/>
+                <a:cs typeface="Arial"/>
+                <a:sym typeface="Arial"/>
+              </a:rPr>
+              <a:t>. </a:t>
+            </a:r>
+            <a:r>
+              <a:rPr sz="3300" dirty="0">
+                <a:latin typeface="Arial"/>
+                <a:ea typeface="Arial"/>
+                <a:cs typeface="Arial"/>
+                <a:sym typeface="Arial"/>
+              </a:rPr>
+              <a:t>The data was collected </a:t>
+            </a:r>
+            <a:r>
+              <a:rPr lang="en-US" sz="3300" dirty="0" smtClean="0">
+                <a:latin typeface="Arial"/>
+                <a:ea typeface="Arial"/>
+                <a:cs typeface="Arial"/>
+                <a:sym typeface="Arial"/>
+              </a:rPr>
+              <a:t>by </a:t>
+            </a:r>
+            <a:r>
+              <a:rPr sz="3300" dirty="0" err="1" smtClean="0">
+                <a:latin typeface="Arial"/>
+                <a:ea typeface="Arial"/>
+                <a:cs typeface="Arial"/>
+                <a:sym typeface="Arial"/>
+              </a:rPr>
+              <a:t>Taarifa</a:t>
+            </a:r>
+            <a:r>
+              <a:rPr sz="3300" dirty="0">
+                <a:latin typeface="Arial"/>
+                <a:ea typeface="Arial"/>
+                <a:cs typeface="Arial"/>
+                <a:sym typeface="Arial"/>
+              </a:rPr>
+              <a:t>, an open source platform for reporting infrastructure </a:t>
+            </a:r>
+            <a:r>
+              <a:rPr sz="3300" dirty="0" smtClean="0">
+                <a:latin typeface="Arial"/>
+                <a:ea typeface="Arial"/>
+                <a:cs typeface="Arial"/>
+                <a:sym typeface="Arial"/>
+              </a:rPr>
+              <a:t>issues</a:t>
+            </a:r>
+            <a:r>
+              <a:rPr lang="en-US" sz="3300" dirty="0" smtClean="0">
+                <a:latin typeface="Arial"/>
+                <a:ea typeface="Arial"/>
+                <a:cs typeface="Arial"/>
+                <a:sym typeface="Arial"/>
+              </a:rPr>
+              <a:t>,</a:t>
+            </a:r>
+            <a:r>
+              <a:rPr sz="3300" dirty="0" smtClean="0">
+                <a:latin typeface="Arial"/>
+                <a:ea typeface="Arial"/>
+                <a:cs typeface="Arial"/>
+                <a:sym typeface="Arial"/>
+              </a:rPr>
+              <a:t> </a:t>
+            </a:r>
+            <a:r>
+              <a:rPr sz="3300" dirty="0">
+                <a:latin typeface="Arial"/>
+                <a:ea typeface="Arial"/>
+                <a:cs typeface="Arial"/>
+                <a:sym typeface="Arial"/>
+              </a:rPr>
+              <a:t>and the Tanzanian Ministry of Water. The dataset contains </a:t>
+            </a:r>
+            <a:r>
+              <a:rPr sz="3300" dirty="0" smtClean="0">
+                <a:latin typeface="Arial"/>
+                <a:ea typeface="Arial"/>
+                <a:cs typeface="Arial"/>
+                <a:sym typeface="Arial"/>
+              </a:rPr>
+              <a:t>information</a:t>
+            </a:r>
+            <a:r>
+              <a:rPr lang="en-US" sz="3300" dirty="0" smtClean="0">
+                <a:latin typeface="Arial"/>
+                <a:ea typeface="Arial"/>
+                <a:cs typeface="Arial"/>
+                <a:sym typeface="Arial"/>
+              </a:rPr>
+              <a:t> on 59,400 wells with</a:t>
+            </a:r>
+            <a:r>
+              <a:rPr sz="3300" dirty="0" smtClean="0">
+                <a:latin typeface="Arial"/>
+                <a:ea typeface="Arial"/>
+                <a:cs typeface="Arial"/>
+                <a:sym typeface="Arial"/>
+              </a:rPr>
+              <a:t> </a:t>
+            </a:r>
+            <a:r>
+              <a:rPr lang="en-US" sz="3300" dirty="0" smtClean="0">
+                <a:latin typeface="Arial"/>
+                <a:ea typeface="Arial"/>
+                <a:cs typeface="Arial"/>
+                <a:sym typeface="Arial"/>
+              </a:rPr>
+              <a:t>39</a:t>
+            </a:r>
+            <a:r>
+              <a:rPr sz="3300" dirty="0" smtClean="0">
+                <a:latin typeface="Arial"/>
+                <a:ea typeface="Arial"/>
+                <a:cs typeface="Arial"/>
+                <a:sym typeface="Arial"/>
+              </a:rPr>
+              <a:t> </a:t>
+            </a:r>
+            <a:r>
+              <a:rPr sz="3300" dirty="0">
+                <a:latin typeface="Arial"/>
+                <a:ea typeface="Arial"/>
+                <a:cs typeface="Arial"/>
+                <a:sym typeface="Arial"/>
+              </a:rPr>
+              <a:t>parameters such as pump construction year, installer, </a:t>
+            </a:r>
+            <a:r>
+              <a:rPr lang="en-US" sz="3300" dirty="0" smtClean="0">
+                <a:latin typeface="Arial"/>
+                <a:ea typeface="Arial"/>
+                <a:cs typeface="Arial"/>
+                <a:sym typeface="Arial"/>
+              </a:rPr>
+              <a:t>type of pump, </a:t>
+            </a:r>
+            <a:r>
+              <a:rPr sz="3300" dirty="0" smtClean="0">
+                <a:latin typeface="Arial"/>
+                <a:ea typeface="Arial"/>
+                <a:cs typeface="Arial"/>
+                <a:sym typeface="Arial"/>
+              </a:rPr>
+              <a:t>water </a:t>
+            </a:r>
+            <a:r>
+              <a:rPr lang="en-US" sz="3300" dirty="0" smtClean="0">
+                <a:latin typeface="Arial"/>
+                <a:ea typeface="Arial"/>
+                <a:cs typeface="Arial"/>
+                <a:sym typeface="Arial"/>
+              </a:rPr>
+              <a:t>quality</a:t>
+            </a:r>
+            <a:r>
+              <a:rPr sz="3300" dirty="0" smtClean="0">
+                <a:latin typeface="Arial"/>
+                <a:ea typeface="Arial"/>
+                <a:cs typeface="Arial"/>
+                <a:sym typeface="Arial"/>
+              </a:rPr>
+              <a:t>, location</a:t>
+            </a:r>
+            <a:r>
+              <a:rPr lang="en-US" sz="3300" dirty="0" smtClean="0">
+                <a:latin typeface="Arial"/>
+                <a:ea typeface="Arial"/>
+                <a:cs typeface="Arial"/>
+                <a:sym typeface="Arial"/>
+              </a:rPr>
+              <a:t>, population around the well, cost of water, quantity a</a:t>
+            </a:r>
+            <a:r>
+              <a:rPr sz="3300" dirty="0" smtClean="0">
+                <a:latin typeface="Arial"/>
+                <a:ea typeface="Arial"/>
+                <a:cs typeface="Arial"/>
+                <a:sym typeface="Arial"/>
+              </a:rPr>
+              <a:t>nd </a:t>
+            </a:r>
+            <a:r>
+              <a:rPr sz="3300" dirty="0">
+                <a:latin typeface="Arial"/>
+                <a:ea typeface="Arial"/>
+                <a:cs typeface="Arial"/>
+                <a:sym typeface="Arial"/>
+              </a:rPr>
+              <a:t>other </a:t>
+            </a:r>
+            <a:r>
+              <a:rPr sz="3300" dirty="0" smtClean="0">
+                <a:latin typeface="Arial"/>
+                <a:ea typeface="Arial"/>
+                <a:cs typeface="Arial"/>
+                <a:sym typeface="Arial"/>
+              </a:rPr>
+              <a:t>details.</a:t>
+            </a:r>
+            <a:r>
+              <a:rPr lang="en-US" sz="3300" dirty="0" smtClean="0">
+                <a:latin typeface="Arial"/>
+                <a:ea typeface="Arial"/>
+                <a:cs typeface="Arial"/>
+                <a:sym typeface="Arial"/>
+              </a:rPr>
+              <a:t> These include a mix of categorical and numerical data, and there are also many missing values. The training set of data also includes labels indicating each well’s current status</a:t>
+            </a:r>
+            <a:r>
+              <a:rPr lang="en-US" sz="3300" dirty="0">
+                <a:latin typeface="Arial"/>
+                <a:ea typeface="Arial"/>
+                <a:cs typeface="Arial"/>
+                <a:sym typeface="Arial"/>
+              </a:rPr>
+              <a:t>: functional, non-functional, or functional needs </a:t>
+            </a:r>
+            <a:r>
+              <a:rPr lang="en-US" sz="3300" dirty="0" smtClean="0">
+                <a:latin typeface="Arial"/>
+                <a:ea typeface="Arial"/>
+                <a:cs typeface="Arial"/>
+                <a:sym typeface="Arial"/>
+              </a:rPr>
+              <a:t>repair.</a:t>
+            </a:r>
+            <a:endParaRPr sz="3300" dirty="0">
+              <a:latin typeface="Arial"/>
+              <a:ea typeface="Arial"/>
+              <a:cs typeface="Arial"/>
+              <a:sym typeface="Arial"/>
+            </a:endParaRPr>
           </a:p>
         </p:txBody>
       </p:sp>
@@ -2075,7 +2152,7 @@
           <p:nvPr/>
         </p:nvPicPr>
         <p:blipFill>
-          <a:blip r:embed="rId4">
+          <a:blip r:embed="rId2">
             <a:extLst/>
           </a:blip>
           <a:stretch>
@@ -2114,7 +2191,7 @@
           </a:ln>
           <a:extLst>
             <a:ext uri="{C572A759-6A51-4108-AA02-DFA0A04FC94B}">
-              <ma14:wrappingTextBoxFlag xmlns:ma14="http://schemas.microsoft.com/office/mac/drawingml/2011/main" val="1"/>
+              <ma14:wrappingTextBoxFlag xmlns:ma14="http://schemas.microsoft.com/office/mac/drawingml/2011/main" xmlns="" val="1"/>
             </a:ext>
           </a:extLst>
         </p:spPr>
@@ -2140,7 +2217,6 @@
               <a:rPr sz="4100"/>
               <a:t>School of Engineering and Applied Sciences • Institute for Applied Computational Science</a:t>
             </a:r>
-            <a:endParaRPr sz="4100"/>
           </a:p>
         </p:txBody>
       </p:sp>
@@ -2151,7 +2227,7 @@
           <p:nvPr/>
         </p:nvPicPr>
         <p:blipFill>
-          <a:blip r:embed="rId5">
+          <a:blip r:embed="rId3">
             <a:extLst/>
           </a:blip>
           <a:stretch>
@@ -2191,7 +2267,7 @@
           </a:ln>
           <a:extLst>
             <a:ext uri="{C572A759-6A51-4108-AA02-DFA0A04FC94B}">
-              <ma14:wrappingTextBoxFlag xmlns:ma14="http://schemas.microsoft.com/office/mac/drawingml/2011/main" val="1"/>
+              <ma14:wrappingTextBoxFlag xmlns:ma14="http://schemas.microsoft.com/office/mac/drawingml/2011/main" xmlns="" val="1"/>
             </a:ext>
           </a:extLst>
         </p:spPr>
@@ -2205,7 +2281,7 @@
               <a:defRPr sz="1800"/>
             </a:pPr>
             <a:r>
-              <a:rPr b="1" sz="3300">
+              <a:rPr sz="3300" b="1">
                 <a:latin typeface="Arial"/>
                 <a:ea typeface="Arial"/>
                 <a:cs typeface="Arial"/>
@@ -2225,68 +2301,207 @@
           </a:p>
         </p:txBody>
       </p:sp>
-      <p:sp>
-        <p:nvSpPr>
-          <p:cNvPr id="35" name="Shape 35"/>
-          <p:cNvSpPr/>
-          <p:nvPr/>
-        </p:nvSpPr>
-        <p:spPr>
-          <a:xfrm>
-            <a:off x="1395412" y="24333200"/>
-            <a:ext cx="7450138" cy="7792466"/>
-          </a:xfrm>
-          <a:prstGeom prst="rect">
-            <a:avLst/>
-          </a:prstGeom>
-          <a:ln w="12700">
-            <a:miter lim="400000"/>
-          </a:ln>
-          <a:extLst>
-            <a:ext uri="{C572A759-6A51-4108-AA02-DFA0A04FC94B}">
-              <ma14:wrappingTextBoxFlag xmlns:ma14="http://schemas.microsoft.com/office/mac/drawingml/2011/main" val="1"/>
-            </a:ext>
-          </a:extLst>
-        </p:spPr>
-        <p:txBody>
-          <a:bodyPr lIns="42288" tIns="42288" rIns="42288" bIns="42288">
-            <a:spAutoFit/>
-          </a:bodyPr>
-          <a:lstStyle>
-            <a:lvl1pPr defTabSz="1738312">
-              <a:defRPr sz="3300">
-                <a:latin typeface="Arial"/>
-                <a:ea typeface="Arial"/>
-                <a:cs typeface="Arial"/>
-                <a:sym typeface="Arial"/>
-              </a:defRPr>
-            </a:lvl1pPr>
-          </a:lstStyle>
-          <a:p>
-            <a:pPr lvl="0">
-              <a:defRPr sz="1800"/>
-            </a:pPr>
-            <a:r>
-              <a:rPr sz="3300"/>
-              <a:t>Each water pump has a label indicating its current functional status: functional, non-functional, or functional needs repair. We use a variation of logistic regression known as ordered logistic regression (ologit) that assigns each data point with one of these labels. We then select a number of parameters which we have a prior belief to have a strong influence on functionality, choose priors on their distributions and construct a Metropolis-Hastings Sampler to select the optimum value for each parameter. New predictions of functionality can then be made from this model.</a:t>
-            </a:r>
-          </a:p>
-        </p:txBody>
-      </p:sp>
+      <mc:AlternateContent xmlns:mc="http://schemas.openxmlformats.org/markup-compatibility/2006">
+        <mc:Choice xmlns:a14="http://schemas.microsoft.com/office/drawing/2010/main" Requires="a14">
+          <p:sp>
+            <p:nvSpPr>
+              <p:cNvPr id="35" name="Shape 35"/>
+              <p:cNvSpPr/>
+              <p:nvPr/>
+            </p:nvSpPr>
+            <p:spPr>
+              <a:xfrm>
+                <a:off x="10471150" y="13607559"/>
+                <a:ext cx="7450138" cy="7702872"/>
+              </a:xfrm>
+              <a:prstGeom prst="rect">
+                <a:avLst/>
+              </a:prstGeom>
+              <a:ln w="12700">
+                <a:miter lim="400000"/>
+              </a:ln>
+              <a:extLst>
+                <a:ext uri="{C572A759-6A51-4108-AA02-DFA0A04FC94B}">
+                  <ma14:wrappingTextBoxFlag xmlns:ma14="http://schemas.microsoft.com/office/mac/drawingml/2011/main" xmlns="" val="1"/>
+                </a:ext>
+              </a:extLst>
+            </p:spPr>
+            <p:txBody>
+              <a:bodyPr lIns="42288" tIns="42288" rIns="42288" bIns="42288">
+                <a:spAutoFit/>
+              </a:bodyPr>
+              <a:lstStyle>
+                <a:lvl1pPr defTabSz="1738312">
+                  <a:defRPr sz="3300">
+                    <a:latin typeface="Arial"/>
+                    <a:ea typeface="Arial"/>
+                    <a:cs typeface="Arial"/>
+                    <a:sym typeface="Arial"/>
+                  </a:defRPr>
+                </a:lvl1pPr>
+              </a:lstStyle>
+              <a:p>
+                <a:pPr lvl="0">
+                  <a:defRPr sz="1800"/>
+                </a:pPr>
+                <a:r>
+                  <a:rPr lang="en-US" sz="3300" dirty="0" smtClean="0"/>
+                  <a:t>To make the categorical labels compatible with Bayesian methods, we assign a range for each label (</a:t>
+                </a:r>
+                <a14:m>
+                  <m:oMath xmlns:m="http://schemas.openxmlformats.org/officeDocument/2006/math">
+                    <m:r>
+                      <a:rPr lang="en-US" sz="3300" b="0" i="1" smtClean="0">
+                        <a:latin typeface="Cambria Math"/>
+                      </a:rPr>
+                      <m:t>0.67&lt;</m:t>
+                    </m:r>
+                    <m:sSub>
+                      <m:sSubPr>
+                        <m:ctrlPr>
+                          <a:rPr lang="en-US" sz="3300" b="0" i="1" smtClean="0">
+                            <a:latin typeface="Cambria Math"/>
+                          </a:rPr>
+                        </m:ctrlPr>
+                      </m:sSubPr>
+                      <m:e>
+                        <m:r>
+                          <a:rPr lang="en-US" sz="3300" b="0" i="1" smtClean="0">
+                            <a:latin typeface="Cambria Math"/>
+                          </a:rPr>
+                          <m:t>𝑦</m:t>
+                        </m:r>
+                      </m:e>
+                      <m:sub>
+                        <m:r>
+                          <a:rPr lang="en-US" sz="3300" b="0" i="1" smtClean="0">
+                            <a:latin typeface="Cambria Math"/>
+                          </a:rPr>
+                          <m:t>𝑖</m:t>
+                        </m:r>
+                      </m:sub>
+                    </m:sSub>
+                    <m:r>
+                      <a:rPr lang="en-US" sz="3300" b="0" i="1" smtClean="0">
+                        <a:latin typeface="Cambria Math"/>
+                      </a:rPr>
+                      <m:t>&lt;1</m:t>
+                    </m:r>
+                  </m:oMath>
+                </a14:m>
+                <a:r>
+                  <a:rPr lang="en-US" sz="3300" dirty="0" smtClean="0"/>
+                  <a:t> implies functional), and model </a:t>
+                </a:r>
+                <a14:m>
+                  <m:oMath xmlns:m="http://schemas.openxmlformats.org/officeDocument/2006/math">
+                    <m:sSub>
+                      <m:sSubPr>
+                        <m:ctrlPr>
+                          <a:rPr lang="en-US" sz="3300" i="1" smtClean="0">
+                            <a:latin typeface="Cambria Math"/>
+                          </a:rPr>
+                        </m:ctrlPr>
+                      </m:sSubPr>
+                      <m:e>
+                        <m:r>
+                          <a:rPr lang="en-US" sz="3300" b="0" i="1" smtClean="0">
+                            <a:latin typeface="Cambria Math"/>
+                          </a:rPr>
+                          <m:t>𝑦</m:t>
+                        </m:r>
+                      </m:e>
+                      <m:sub>
+                        <m:r>
+                          <a:rPr lang="en-US" sz="3300" b="0" i="1" smtClean="0">
+                            <a:latin typeface="Cambria Math"/>
+                          </a:rPr>
+                          <m:t>𝑖</m:t>
+                        </m:r>
+                      </m:sub>
+                    </m:sSub>
+                  </m:oMath>
+                </a14:m>
+                <a:r>
+                  <a:rPr lang="en-US" sz="3300" dirty="0" smtClean="0"/>
+                  <a:t> using a logistic function, where the parameter is controlled by the features and weights. We </a:t>
+                </a:r>
+                <a:r>
+                  <a:rPr lang="en-US" sz="3300" dirty="0"/>
+                  <a:t>then select a number of parameters which we have a prior belief to have a strong influence on functionality, choose priors on their distributions and construct a Metropolis-Hastings Sampler to select the optimum value for each parameter. New predictions of functionality can then be made from this model.</a:t>
+                </a:r>
+                <a:endParaRPr sz="3300" dirty="0"/>
+              </a:p>
+            </p:txBody>
+          </p:sp>
+        </mc:Choice>
+        <mc:Fallback>
+          <p:sp>
+            <p:nvSpPr>
+              <p:cNvPr id="35" name="Shape 35"/>
+              <p:cNvSpPr>
+                <a:spLocks noRot="1" noChangeAspect="1" noMove="1" noResize="1" noEditPoints="1" noAdjustHandles="1" noChangeArrowheads="1" noChangeShapeType="1" noTextEdit="1"/>
+              </p:cNvSpPr>
+              <p:nvPr/>
+            </p:nvSpPr>
+            <p:spPr>
+              <a:xfrm>
+                <a:off x="10471150" y="13607559"/>
+                <a:ext cx="7450138" cy="7702872"/>
+              </a:xfrm>
+              <a:prstGeom prst="rect">
+                <a:avLst/>
+              </a:prstGeom>
+              <a:blipFill rotWithShape="1">
+                <a:blip r:embed="rId4"/>
+                <a:stretch>
+                  <a:fillRect l="-2864" t="-1028" r="-3273" b="-1820"/>
+                </a:stretch>
+              </a:blipFill>
+              <a:ln w="12700">
+                <a:miter lim="400000"/>
+              </a:ln>
+              <a:extLst>
+                <a:ext uri="{C572A759-6A51-4108-AA02-DFA0A04FC94B}">
+                  <ma14:wrappingTextBoxFlag xmlns:ma14="http://schemas.microsoft.com/office/mac/drawingml/2011/main" xmlns="" val="1"/>
+                </a:ext>
+              </a:extLst>
+            </p:spPr>
+            <p:txBody>
+              <a:bodyPr/>
+              <a:lstStyle/>
+              <a:p>
+                <a:r>
+                  <a:rPr lang="en-US">
+                    <a:noFill/>
+                  </a:rPr>
+                  <a:t> </a:t>
+                </a:r>
+              </a:p>
+            </p:txBody>
+          </p:sp>
+        </mc:Fallback>
+      </mc:AlternateContent>
       <p:graphicFrame>
         <p:nvGraphicFramePr>
           <p:cNvPr id="36" name="Table 36"/>
           <p:cNvGraphicFramePr/>
-          <p:nvPr/>
+          <p:nvPr>
+            <p:extLst>
+              <p:ext uri="{D42A27DB-BD31-4B8C-83A1-F6EECF244321}">
+                <p14:modId xmlns:p14="http://schemas.microsoft.com/office/powerpoint/2010/main" val="150734478"/>
+              </p:ext>
+            </p:extLst>
+          </p:nvPr>
         </p:nvGraphicFramePr>
         <p:xfrm>
-          <a:off x="9923065" y="18966952"/>
-          <a:ext cx="8551070" cy="2823768"/>
+          <a:off x="838200" y="33985200"/>
+          <a:ext cx="8536649" cy="2876320"/>
         </p:xfrm>
-        <a:graphic xmlns:a="http://schemas.openxmlformats.org/drawingml/2006/main">
+        <a:graphic>
           <a:graphicData uri="http://schemas.openxmlformats.org/drawingml/2006/table">
             <a:tbl>
-              <a:tblPr firstCol="0" firstRow="0" lastCol="0" lastRow="0" bandCol="0" bandRow="1" rtl="0">
+              <a:tblPr bandRow="1">
                 <a:tableStyleId>{4C3C2611-4C71-4FC5-86AE-919BDF0F9419}</a:tableStyleId>
               </a:tblPr>
               <a:tblGrid>
@@ -2311,9 +2526,30 @@
                         </a:spcBef>
                         <a:defRPr sz="9700"/>
                       </a:pPr>
+                      <a:r>
+                        <a:rPr lang="en-US" sz="1400" b="1" i="0" dirty="0" smtClean="0">
+                          <a:solidFill>
+                            <a:srgbClr val="000000"/>
+                          </a:solidFill>
+                          <a:latin typeface="Calibri"/>
+                          <a:ea typeface="Calibri"/>
+                          <a:cs typeface="Calibri"/>
+                          <a:sym typeface="Calibri"/>
+                        </a:rPr>
+                        <a:t>id</a:t>
+                      </a:r>
+                      <a:endParaRPr sz="1400" b="1" i="0" dirty="0">
+                        <a:solidFill>
+                          <a:srgbClr val="000000"/>
+                        </a:solidFill>
+                        <a:latin typeface="Calibri"/>
+                        <a:ea typeface="Calibri"/>
+                        <a:cs typeface="Calibri"/>
+                        <a:sym typeface="Calibri"/>
+                      </a:endParaRPr>
                     </a:p>
                   </a:txBody>
-                  <a:tcPr marL="50800" marR="50800" marT="50800" marB="50800" anchor="ctr" anchorCtr="0" horzOverflow="overflow">
+                  <a:tcPr marL="50800" marR="50800" marT="50800" marB="50800" anchor="ctr" horzOverflow="overflow">
                     <a:lnL w="12700">
                       <a:solidFill>
                         <a:srgbClr val="000000"/>
@@ -2346,15 +2582,16 @@
                     <a:lstStyle/>
                     <a:p>
                       <a:pPr lvl="0" defTabSz="1736725">
-                        <a:defRPr b="0" i="0" sz="1800"/>
+                        <a:defRPr sz="1800" b="0" i="0"/>
                       </a:pPr>
                       <a:r>
-                        <a:rPr b="1" sz="1400"/>
+                        <a:rPr sz="1400" b="1" dirty="0" err="1"/>
                         <a:t>date_recorded</a:t>
                       </a:r>
+                      <a:endParaRPr sz="1400" b="1" dirty="0"/>
                     </a:p>
                   </a:txBody>
-                  <a:tcPr marL="50800" marR="50800" marT="50800" marB="50800" anchor="ctr" anchorCtr="0" horzOverflow="overflow">
+                  <a:tcPr marL="50800" marR="50800" marT="50800" marB="50800" anchor="ctr" horzOverflow="overflow">
                     <a:lnL w="12700">
                       <a:solidFill>
                         <a:srgbClr val="000000"/>
@@ -2387,15 +2624,15 @@
                     <a:lstStyle/>
                     <a:p>
                       <a:pPr lvl="0" defTabSz="1736725">
-                        <a:defRPr b="0" i="0" sz="1800"/>
+                        <a:defRPr sz="1800" b="0" i="0"/>
                       </a:pPr>
                       <a:r>
-                        <a:rPr b="1" sz="1400"/>
+                        <a:rPr sz="1400" b="1"/>
                         <a:t>funder</a:t>
                       </a:r>
                     </a:p>
                   </a:txBody>
-                  <a:tcPr marL="50800" marR="50800" marT="50800" marB="50800" anchor="ctr" anchorCtr="0" horzOverflow="overflow">
+                  <a:tcPr marL="50800" marR="50800" marT="50800" marB="50800" anchor="ctr" horzOverflow="overflow">
                     <a:lnL w="12700">
                       <a:solidFill>
                         <a:srgbClr val="000000"/>
@@ -2428,15 +2665,15 @@
                     <a:lstStyle/>
                     <a:p>
                       <a:pPr lvl="0" defTabSz="1736725">
-                        <a:defRPr b="0" i="0" sz="1800"/>
+                        <a:defRPr sz="1800" b="0" i="0"/>
                       </a:pPr>
                       <a:r>
-                        <a:rPr b="1" sz="1400"/>
+                        <a:rPr sz="1400" b="1"/>
                         <a:t>gps_height</a:t>
                       </a:r>
                     </a:p>
                   </a:txBody>
-                  <a:tcPr marL="50800" marR="50800" marT="50800" marB="50800" anchor="ctr" anchorCtr="0" horzOverflow="overflow">
+                  <a:tcPr marL="50800" marR="50800" marT="50800" marB="50800" anchor="ctr" horzOverflow="overflow">
                     <a:lnL w="12700">
                       <a:solidFill>
                         <a:srgbClr val="000000"/>
@@ -2469,15 +2706,15 @@
                     <a:lstStyle/>
                     <a:p>
                       <a:pPr lvl="0" defTabSz="1736725">
-                        <a:defRPr b="0" i="0" sz="1800"/>
+                        <a:defRPr sz="1800" b="0" i="0"/>
                       </a:pPr>
                       <a:r>
-                        <a:rPr b="1" sz="1400"/>
+                        <a:rPr sz="1400" b="1"/>
                         <a:t>installer</a:t>
                       </a:r>
                     </a:p>
                   </a:txBody>
-                  <a:tcPr marL="50800" marR="50800" marT="50800" marB="50800" anchor="ctr" anchorCtr="0" horzOverflow="overflow">
+                  <a:tcPr marL="50800" marR="50800" marT="50800" marB="50800" anchor="ctr" horzOverflow="overflow">
                     <a:lnL w="12700">
                       <a:solidFill>
                         <a:srgbClr val="000000"/>
@@ -2510,15 +2747,15 @@
                     <a:lstStyle/>
                     <a:p>
                       <a:pPr lvl="0" defTabSz="1736725">
-                        <a:defRPr b="0" i="0" sz="1800"/>
+                        <a:defRPr sz="1800" b="0" i="0"/>
                       </a:pPr>
                       <a:r>
-                        <a:rPr b="1" sz="1400"/>
+                        <a:rPr sz="1400" b="1"/>
                         <a:t>longitude</a:t>
                       </a:r>
                     </a:p>
                   </a:txBody>
-                  <a:tcPr marL="50800" marR="50800" marT="50800" marB="50800" anchor="ctr" anchorCtr="0" horzOverflow="overflow">
+                  <a:tcPr marL="50800" marR="50800" marT="50800" marB="50800" anchor="ctr" horzOverflow="overflow">
                     <a:lnL w="12700">
                       <a:solidFill>
                         <a:srgbClr val="000000"/>
@@ -2551,15 +2788,15 @@
                     <a:lstStyle/>
                     <a:p>
                       <a:pPr lvl="0" defTabSz="1736725">
-                        <a:defRPr b="0" i="0" sz="1800"/>
+                        <a:defRPr sz="1800" b="0" i="0"/>
                       </a:pPr>
                       <a:r>
-                        <a:rPr b="1" sz="1400"/>
+                        <a:rPr sz="1400" b="1"/>
                         <a:t>latitude</a:t>
                       </a:r>
                     </a:p>
                   </a:txBody>
-                  <a:tcPr marL="50800" marR="50800" marT="50800" marB="50800" anchor="ctr" anchorCtr="0" horzOverflow="overflow">
+                  <a:tcPr marL="50800" marR="50800" marT="50800" marB="50800" anchor="ctr" horzOverflow="overflow">
                     <a:lnL w="12700">
                       <a:solidFill>
                         <a:srgbClr val="000000"/>
@@ -2592,15 +2829,15 @@
                     <a:lstStyle/>
                     <a:p>
                       <a:pPr lvl="0" defTabSz="1736725">
-                        <a:defRPr b="0" i="0" sz="1800"/>
+                        <a:defRPr sz="1800" b="0" i="0"/>
                       </a:pPr>
                       <a:r>
-                        <a:rPr b="1" sz="1400"/>
+                        <a:rPr sz="1400" b="1"/>
                         <a:t>basin</a:t>
                       </a:r>
                     </a:p>
                   </a:txBody>
-                  <a:tcPr marL="50800" marR="50800" marT="50800" marB="50800" anchor="ctr" anchorCtr="0" horzOverflow="overflow">
+                  <a:tcPr marL="50800" marR="50800" marT="50800" marB="50800" anchor="ctr" horzOverflow="overflow">
                     <a:lnL w="12700">
                       <a:solidFill>
                         <a:srgbClr val="000000"/>
@@ -2635,32 +2872,38 @@
                     <a:lstStyle/>
                     <a:p>
                       <a:pPr lvl="0" algn="l" defTabSz="1736725">
-                        <a:defRPr b="0" i="0" sz="1800"/>
+                        <a:defRPr sz="1800" b="0" i="0"/>
                       </a:pPr>
                       <a:r>
-                        <a:rPr b="1" sz="1400"/>
-                        <a:t>id</a:t>
+                        <a:rPr sz="1400" b="1" dirty="0"/>
+                        <a:t>69572</a:t>
                       </a:r>
                     </a:p>
                   </a:txBody>
-                  <a:tcPr marL="50800" marR="50800" marT="50800" marB="50800" anchor="ctr" anchorCtr="0" horzOverflow="overflow">
+                  <a:tcPr marL="50800" marR="50800" marT="50800" marB="50800" anchor="ctr" horzOverflow="overflow">
                     <a:lnL w="12700">
                       <a:solidFill>
                         <a:srgbClr val="000000"/>
                       </a:solidFill>
                       <a:miter lim="400000"/>
                     </a:lnL>
-                    <a:lnR w="12700">
-                      <a:solidFill>
-                        <a:srgbClr val="000000"/>
-                      </a:solidFill>
-                      <a:miter lim="400000"/>
+                    <a:lnR w="12700" cap="flat" cmpd="sng" algn="ctr">
+                      <a:solidFill>
+                        <a:srgbClr val="000000"/>
+                      </a:solidFill>
+                      <a:prstDash val="solid"/>
+                      <a:miter lim="400000"/>
+                      <a:headEnd type="none" w="med" len="med"/>
+                      <a:tailEnd type="none" w="med" len="med"/>
                     </a:lnR>
-                    <a:lnT w="12700">
-                      <a:solidFill>
-                        <a:srgbClr val="000000"/>
-                      </a:solidFill>
-                      <a:miter lim="400000"/>
+                    <a:lnT w="12700" cap="flat" cmpd="sng" algn="ctr">
+                      <a:solidFill>
+                        <a:srgbClr val="000000"/>
+                      </a:solidFill>
+                      <a:prstDash val="solid"/>
+                      <a:miter lim="400000"/>
+                      <a:headEnd type="none" w="med" len="med"/>
+                      <a:tailEnd type="none" w="med" len="med"/>
                     </a:lnT>
                     <a:lnB w="12700">
                       <a:solidFill>
@@ -2676,31 +2919,41 @@
                     <a:lstStyle/>
                     <a:p>
                       <a:pPr lvl="0" algn="l" defTabSz="1736725">
-                        <a:spcBef>
-                          <a:spcPts val="2300"/>
-                        </a:spcBef>
-                        <a:defRPr sz="9700"/>
+                        <a:defRPr sz="1800" b="0" i="0"/>
                       </a:pPr>
+                      <a:r>
+                        <a:rPr sz="1400"/>
+                        <a:t>2011-03-14</a:t>
+                      </a:r>
                     </a:p>
                   </a:txBody>
-                  <a:tcPr marL="50800" marR="50800" marT="50800" marB="50800" anchor="ctr" anchorCtr="0" horzOverflow="overflow">
-                    <a:lnL w="12700">
-                      <a:solidFill>
-                        <a:srgbClr val="000000"/>
-                      </a:solidFill>
-                      <a:miter lim="400000"/>
+                  <a:tcPr marL="50800" marR="50800" marT="50800" marB="50800" anchor="ctr" horzOverflow="overflow">
+                    <a:lnL w="12700" cap="flat" cmpd="sng" algn="ctr">
+                      <a:solidFill>
+                        <a:srgbClr val="000000"/>
+                      </a:solidFill>
+                      <a:prstDash val="solid"/>
+                      <a:miter lim="400000"/>
+                      <a:headEnd type="none" w="med" len="med"/>
+                      <a:tailEnd type="none" w="med" len="med"/>
                     </a:lnL>
-                    <a:lnR w="12700">
-                      <a:solidFill>
-                        <a:srgbClr val="000000"/>
-                      </a:solidFill>
-                      <a:miter lim="400000"/>
+                    <a:lnR w="12700" cap="flat" cmpd="sng" algn="ctr">
+                      <a:solidFill>
+                        <a:srgbClr val="000000"/>
+                      </a:solidFill>
+                      <a:prstDash val="solid"/>
+                      <a:miter lim="400000"/>
+                      <a:headEnd type="none" w="med" len="med"/>
+                      <a:tailEnd type="none" w="med" len="med"/>
                     </a:lnR>
-                    <a:lnT w="12700">
-                      <a:solidFill>
-                        <a:srgbClr val="000000"/>
-                      </a:solidFill>
-                      <a:miter lim="400000"/>
+                    <a:lnT w="12700" cap="flat" cmpd="sng" algn="ctr">
+                      <a:solidFill>
+                        <a:srgbClr val="000000"/>
+                      </a:solidFill>
+                      <a:prstDash val="solid"/>
+                      <a:miter lim="400000"/>
+                      <a:headEnd type="none" w="med" len="med"/>
+                      <a:tailEnd type="none" w="med" len="med"/>
                     </a:lnT>
                     <a:lnB w="12700">
                       <a:solidFill>
@@ -2716,31 +2969,41 @@
                     <a:lstStyle/>
                     <a:p>
                       <a:pPr lvl="0" algn="l" defTabSz="1736725">
-                        <a:spcBef>
-                          <a:spcPts val="2300"/>
-                        </a:spcBef>
-                        <a:defRPr sz="9700"/>
+                        <a:defRPr sz="1800" b="0" i="0"/>
                       </a:pPr>
+                      <a:r>
+                        <a:rPr sz="1400"/>
+                        <a:t>Roman</a:t>
+                      </a:r>
                     </a:p>
                   </a:txBody>
-                  <a:tcPr marL="50800" marR="50800" marT="50800" marB="50800" anchor="ctr" anchorCtr="0" horzOverflow="overflow">
-                    <a:lnL w="12700">
-                      <a:solidFill>
-                        <a:srgbClr val="000000"/>
-                      </a:solidFill>
-                      <a:miter lim="400000"/>
+                  <a:tcPr marL="50800" marR="50800" marT="50800" marB="50800" anchor="ctr" horzOverflow="overflow">
+                    <a:lnL w="12700" cap="flat" cmpd="sng" algn="ctr">
+                      <a:solidFill>
+                        <a:srgbClr val="000000"/>
+                      </a:solidFill>
+                      <a:prstDash val="solid"/>
+                      <a:miter lim="400000"/>
+                      <a:headEnd type="none" w="med" len="med"/>
+                      <a:tailEnd type="none" w="med" len="med"/>
                     </a:lnL>
-                    <a:lnR w="12700">
-                      <a:solidFill>
-                        <a:srgbClr val="000000"/>
-                      </a:solidFill>
-                      <a:miter lim="400000"/>
+                    <a:lnR w="12700" cap="flat" cmpd="sng" algn="ctr">
+                      <a:solidFill>
+                        <a:srgbClr val="000000"/>
+                      </a:solidFill>
+                      <a:prstDash val="solid"/>
+                      <a:miter lim="400000"/>
+                      <a:headEnd type="none" w="med" len="med"/>
+                      <a:tailEnd type="none" w="med" len="med"/>
                     </a:lnR>
-                    <a:lnT w="12700">
-                      <a:solidFill>
-                        <a:srgbClr val="000000"/>
-                      </a:solidFill>
-                      <a:miter lim="400000"/>
+                    <a:lnT w="12700" cap="flat" cmpd="sng" algn="ctr">
+                      <a:solidFill>
+                        <a:srgbClr val="000000"/>
+                      </a:solidFill>
+                      <a:prstDash val="solid"/>
+                      <a:miter lim="400000"/>
+                      <a:headEnd type="none" w="med" len="med"/>
+                      <a:tailEnd type="none" w="med" len="med"/>
                     </a:lnT>
                     <a:lnB w="12700">
                       <a:solidFill>
@@ -2756,31 +3019,41 @@
                     <a:lstStyle/>
                     <a:p>
                       <a:pPr lvl="0" algn="l" defTabSz="1736725">
-                        <a:spcBef>
-                          <a:spcPts val="2300"/>
-                        </a:spcBef>
-                        <a:defRPr sz="9700"/>
+                        <a:defRPr sz="1800" b="0" i="0"/>
                       </a:pPr>
+                      <a:r>
+                        <a:rPr sz="1400"/>
+                        <a:t>1390</a:t>
+                      </a:r>
                     </a:p>
                   </a:txBody>
-                  <a:tcPr marL="50800" marR="50800" marT="50800" marB="50800" anchor="ctr" anchorCtr="0" horzOverflow="overflow">
-                    <a:lnL w="12700">
-                      <a:solidFill>
-                        <a:srgbClr val="000000"/>
-                      </a:solidFill>
-                      <a:miter lim="400000"/>
+                  <a:tcPr marL="50800" marR="50800" marT="50800" marB="50800" anchor="ctr" horzOverflow="overflow">
+                    <a:lnL w="12700" cap="flat" cmpd="sng" algn="ctr">
+                      <a:solidFill>
+                        <a:srgbClr val="000000"/>
+                      </a:solidFill>
+                      <a:prstDash val="solid"/>
+                      <a:miter lim="400000"/>
+                      <a:headEnd type="none" w="med" len="med"/>
+                      <a:tailEnd type="none" w="med" len="med"/>
                     </a:lnL>
-                    <a:lnR w="12700">
-                      <a:solidFill>
-                        <a:srgbClr val="000000"/>
-                      </a:solidFill>
-                      <a:miter lim="400000"/>
+                    <a:lnR w="12700" cap="flat" cmpd="sng" algn="ctr">
+                      <a:solidFill>
+                        <a:srgbClr val="000000"/>
+                      </a:solidFill>
+                      <a:prstDash val="solid"/>
+                      <a:miter lim="400000"/>
+                      <a:headEnd type="none" w="med" len="med"/>
+                      <a:tailEnd type="none" w="med" len="med"/>
                     </a:lnR>
-                    <a:lnT w="12700">
-                      <a:solidFill>
-                        <a:srgbClr val="000000"/>
-                      </a:solidFill>
-                      <a:miter lim="400000"/>
+                    <a:lnT w="12700" cap="flat" cmpd="sng" algn="ctr">
+                      <a:solidFill>
+                        <a:srgbClr val="000000"/>
+                      </a:solidFill>
+                      <a:prstDash val="solid"/>
+                      <a:miter lim="400000"/>
+                      <a:headEnd type="none" w="med" len="med"/>
+                      <a:tailEnd type="none" w="med" len="med"/>
                     </a:lnT>
                     <a:lnB w="12700">
                       <a:solidFill>
@@ -2796,31 +3069,41 @@
                     <a:lstStyle/>
                     <a:p>
                       <a:pPr lvl="0" algn="l" defTabSz="1736725">
-                        <a:spcBef>
-                          <a:spcPts val="2300"/>
-                        </a:spcBef>
-                        <a:defRPr sz="9700"/>
+                        <a:defRPr sz="1800" b="0" i="0"/>
                       </a:pPr>
+                      <a:r>
+                        <a:rPr sz="1400"/>
+                        <a:t>Roman</a:t>
+                      </a:r>
                     </a:p>
                   </a:txBody>
-                  <a:tcPr marL="50800" marR="50800" marT="50800" marB="50800" anchor="ctr" anchorCtr="0" horzOverflow="overflow">
-                    <a:lnL w="12700">
-                      <a:solidFill>
-                        <a:srgbClr val="000000"/>
-                      </a:solidFill>
-                      <a:miter lim="400000"/>
+                  <a:tcPr marL="50800" marR="50800" marT="50800" marB="50800" anchor="ctr" horzOverflow="overflow">
+                    <a:lnL w="12700" cap="flat" cmpd="sng" algn="ctr">
+                      <a:solidFill>
+                        <a:srgbClr val="000000"/>
+                      </a:solidFill>
+                      <a:prstDash val="solid"/>
+                      <a:miter lim="400000"/>
+                      <a:headEnd type="none" w="med" len="med"/>
+                      <a:tailEnd type="none" w="med" len="med"/>
                     </a:lnL>
-                    <a:lnR w="12700">
-                      <a:solidFill>
-                        <a:srgbClr val="000000"/>
-                      </a:solidFill>
-                      <a:miter lim="400000"/>
+                    <a:lnR w="12700" cap="flat" cmpd="sng" algn="ctr">
+                      <a:solidFill>
+                        <a:srgbClr val="000000"/>
+                      </a:solidFill>
+                      <a:prstDash val="solid"/>
+                      <a:miter lim="400000"/>
+                      <a:headEnd type="none" w="med" len="med"/>
+                      <a:tailEnd type="none" w="med" len="med"/>
                     </a:lnR>
-                    <a:lnT w="12700">
-                      <a:solidFill>
-                        <a:srgbClr val="000000"/>
-                      </a:solidFill>
-                      <a:miter lim="400000"/>
+                    <a:lnT w="12700" cap="flat" cmpd="sng" algn="ctr">
+                      <a:solidFill>
+                        <a:srgbClr val="000000"/>
+                      </a:solidFill>
+                      <a:prstDash val="solid"/>
+                      <a:miter lim="400000"/>
+                      <a:headEnd type="none" w="med" len="med"/>
+                      <a:tailEnd type="none" w="med" len="med"/>
                     </a:lnT>
                     <a:lnB w="12700">
                       <a:solidFill>
@@ -2836,31 +3119,41 @@
                     <a:lstStyle/>
                     <a:p>
                       <a:pPr lvl="0" algn="l" defTabSz="1736725">
-                        <a:spcBef>
-                          <a:spcPts val="2300"/>
-                        </a:spcBef>
-                        <a:defRPr sz="9700"/>
+                        <a:defRPr sz="1800" b="0" i="0"/>
                       </a:pPr>
+                      <a:r>
+                        <a:rPr sz="1400"/>
+                        <a:t>34.938093</a:t>
+                      </a:r>
                     </a:p>
                   </a:txBody>
-                  <a:tcPr marL="50800" marR="50800" marT="50800" marB="50800" anchor="ctr" anchorCtr="0" horzOverflow="overflow">
-                    <a:lnL w="12700">
-                      <a:solidFill>
-                        <a:srgbClr val="000000"/>
-                      </a:solidFill>
-                      <a:miter lim="400000"/>
+                  <a:tcPr marL="50800" marR="50800" marT="50800" marB="50800" anchor="ctr" horzOverflow="overflow">
+                    <a:lnL w="12700" cap="flat" cmpd="sng" algn="ctr">
+                      <a:solidFill>
+                        <a:srgbClr val="000000"/>
+                      </a:solidFill>
+                      <a:prstDash val="solid"/>
+                      <a:miter lim="400000"/>
+                      <a:headEnd type="none" w="med" len="med"/>
+                      <a:tailEnd type="none" w="med" len="med"/>
                     </a:lnL>
-                    <a:lnR w="12700">
-                      <a:solidFill>
-                        <a:srgbClr val="000000"/>
-                      </a:solidFill>
-                      <a:miter lim="400000"/>
+                    <a:lnR w="12700" cap="flat" cmpd="sng" algn="ctr">
+                      <a:solidFill>
+                        <a:srgbClr val="000000"/>
+                      </a:solidFill>
+                      <a:prstDash val="solid"/>
+                      <a:miter lim="400000"/>
+                      <a:headEnd type="none" w="med" len="med"/>
+                      <a:tailEnd type="none" w="med" len="med"/>
                     </a:lnR>
-                    <a:lnT w="12700">
-                      <a:solidFill>
-                        <a:srgbClr val="000000"/>
-                      </a:solidFill>
-                      <a:miter lim="400000"/>
+                    <a:lnT w="12700" cap="flat" cmpd="sng" algn="ctr">
+                      <a:solidFill>
+                        <a:srgbClr val="000000"/>
+                      </a:solidFill>
+                      <a:prstDash val="solid"/>
+                      <a:miter lim="400000"/>
+                      <a:headEnd type="none" w="med" len="med"/>
+                      <a:tailEnd type="none" w="med" len="med"/>
                     </a:lnT>
                     <a:lnB w="12700">
                       <a:solidFill>
@@ -2876,31 +3169,41 @@
                     <a:lstStyle/>
                     <a:p>
                       <a:pPr lvl="0" algn="l" defTabSz="1736725">
-                        <a:spcBef>
-                          <a:spcPts val="2300"/>
-                        </a:spcBef>
-                        <a:defRPr sz="9700"/>
+                        <a:defRPr sz="1800" b="0" i="0"/>
                       </a:pPr>
+                      <a:r>
+                        <a:rPr sz="1400"/>
+                        <a:t>-9.856322</a:t>
+                      </a:r>
                     </a:p>
                   </a:txBody>
-                  <a:tcPr marL="50800" marR="50800" marT="50800" marB="50800" anchor="ctr" anchorCtr="0" horzOverflow="overflow">
-                    <a:lnL w="12700">
-                      <a:solidFill>
-                        <a:srgbClr val="000000"/>
-                      </a:solidFill>
-                      <a:miter lim="400000"/>
+                  <a:tcPr marL="50800" marR="50800" marT="50800" marB="50800" anchor="ctr" horzOverflow="overflow">
+                    <a:lnL w="12700" cap="flat" cmpd="sng" algn="ctr">
+                      <a:solidFill>
+                        <a:srgbClr val="000000"/>
+                      </a:solidFill>
+                      <a:prstDash val="solid"/>
+                      <a:miter lim="400000"/>
+                      <a:headEnd type="none" w="med" len="med"/>
+                      <a:tailEnd type="none" w="med" len="med"/>
                     </a:lnL>
-                    <a:lnR w="12700">
-                      <a:solidFill>
-                        <a:srgbClr val="000000"/>
-                      </a:solidFill>
-                      <a:miter lim="400000"/>
+                    <a:lnR w="12700" cap="flat" cmpd="sng" algn="ctr">
+                      <a:solidFill>
+                        <a:srgbClr val="000000"/>
+                      </a:solidFill>
+                      <a:prstDash val="solid"/>
+                      <a:miter lim="400000"/>
+                      <a:headEnd type="none" w="med" len="med"/>
+                      <a:tailEnd type="none" w="med" len="med"/>
                     </a:lnR>
-                    <a:lnT w="12700">
-                      <a:solidFill>
-                        <a:srgbClr val="000000"/>
-                      </a:solidFill>
-                      <a:miter lim="400000"/>
+                    <a:lnT w="12700" cap="flat" cmpd="sng" algn="ctr">
+                      <a:solidFill>
+                        <a:srgbClr val="000000"/>
+                      </a:solidFill>
+                      <a:prstDash val="solid"/>
+                      <a:miter lim="400000"/>
+                      <a:headEnd type="none" w="med" len="med"/>
+                      <a:tailEnd type="none" w="med" len="med"/>
                     </a:lnT>
                     <a:lnB w="12700">
                       <a:solidFill>
@@ -2916,19 +3219,23 @@
                     <a:lstStyle/>
                     <a:p>
                       <a:pPr lvl="0" algn="l" defTabSz="1736725">
-                        <a:spcBef>
-                          <a:spcPts val="2300"/>
-                        </a:spcBef>
-                        <a:defRPr sz="9700"/>
+                        <a:defRPr sz="1800" b="0" i="0"/>
                       </a:pPr>
+                      <a:r>
+                        <a:rPr sz="1400"/>
+                        <a:t>Lake Nyasa</a:t>
+                      </a:r>
                     </a:p>
                   </a:txBody>
-                  <a:tcPr marL="50800" marR="50800" marT="50800" marB="50800" anchor="ctr" anchorCtr="0" horzOverflow="overflow">
-                    <a:lnL w="12700">
-                      <a:solidFill>
-                        <a:srgbClr val="000000"/>
-                      </a:solidFill>
-                      <a:miter lim="400000"/>
+                  <a:tcPr marL="50800" marR="50800" marT="50800" marB="50800" anchor="ctr" horzOverflow="overflow">
+                    <a:lnL w="12700" cap="flat" cmpd="sng" algn="ctr">
+                      <a:solidFill>
+                        <a:srgbClr val="000000"/>
+                      </a:solidFill>
+                      <a:prstDash val="solid"/>
+                      <a:miter lim="400000"/>
+                      <a:headEnd type="none" w="med" len="med"/>
+                      <a:tailEnd type="none" w="med" len="med"/>
                     </a:lnL>
                     <a:lnR w="12700">
                       <a:solidFill>
@@ -2936,11 +3243,14 @@
                       </a:solidFill>
                       <a:miter lim="400000"/>
                     </a:lnR>
-                    <a:lnT w="12700">
-                      <a:solidFill>
-                        <a:srgbClr val="000000"/>
-                      </a:solidFill>
-                      <a:miter lim="400000"/>
+                    <a:lnT w="12700" cap="flat" cmpd="sng" algn="ctr">
+                      <a:solidFill>
+                        <a:srgbClr val="000000"/>
+                      </a:solidFill>
+                      <a:prstDash val="solid"/>
+                      <a:miter lim="400000"/>
+                      <a:headEnd type="none" w="med" len="med"/>
+                      <a:tailEnd type="none" w="med" len="med"/>
                     </a:lnT>
                     <a:lnB w="12700">
                       <a:solidFill>
@@ -2958,15 +3268,15 @@
                     <a:lstStyle/>
                     <a:p>
                       <a:pPr lvl="0" algn="l" defTabSz="1736725">
-                        <a:defRPr b="0" i="0" sz="1800"/>
+                        <a:defRPr sz="1800" b="0" i="0"/>
                       </a:pPr>
                       <a:r>
-                        <a:rPr b="1" sz="1400"/>
-                        <a:t>69572</a:t>
+                        <a:rPr sz="1400" b="1"/>
+                        <a:t>8776</a:t>
                       </a:r>
                     </a:p>
                   </a:txBody>
-                  <a:tcPr marL="50800" marR="50800" marT="50800" marB="50800" anchor="ctr" anchorCtr="0" horzOverflow="overflow">
+                  <a:tcPr marL="50800" marR="50800" marT="50800" marB="50800" anchor="ctr" horzOverflow="overflow">
                     <a:lnL w="12700">
                       <a:solidFill>
                         <a:srgbClr val="000000"/>
@@ -2999,15 +3309,15 @@
                     <a:lstStyle/>
                     <a:p>
                       <a:pPr lvl="0" algn="l" defTabSz="1736725">
-                        <a:defRPr b="0" i="0" sz="1800"/>
+                        <a:defRPr sz="1800" b="0" i="0"/>
                       </a:pPr>
                       <a:r>
                         <a:rPr sz="1400"/>
-                        <a:t>2011-03-14</a:t>
+                        <a:t>2013-03-06</a:t>
                       </a:r>
                     </a:p>
                   </a:txBody>
-                  <a:tcPr marL="50800" marR="50800" marT="50800" marB="50800" anchor="ctr" anchorCtr="0" horzOverflow="overflow">
+                  <a:tcPr marL="50800" marR="50800" marT="50800" marB="50800" anchor="ctr" horzOverflow="overflow">
                     <a:lnL w="12700">
                       <a:solidFill>
                         <a:srgbClr val="000000"/>
@@ -3040,15 +3350,15 @@
                     <a:lstStyle/>
                     <a:p>
                       <a:pPr lvl="0" algn="l" defTabSz="1736725">
-                        <a:defRPr b="0" i="0" sz="1800"/>
+                        <a:defRPr sz="1800" b="0" i="0"/>
                       </a:pPr>
                       <a:r>
                         <a:rPr sz="1400"/>
-                        <a:t>Roman</a:t>
+                        <a:t>Grumeti</a:t>
                       </a:r>
                     </a:p>
                   </a:txBody>
-                  <a:tcPr marL="50800" marR="50800" marT="50800" marB="50800" anchor="ctr" anchorCtr="0" horzOverflow="overflow">
+                  <a:tcPr marL="50800" marR="50800" marT="50800" marB="50800" anchor="ctr" horzOverflow="overflow">
                     <a:lnL w="12700">
                       <a:solidFill>
                         <a:srgbClr val="000000"/>
@@ -3081,15 +3391,15 @@
                     <a:lstStyle/>
                     <a:p>
                       <a:pPr lvl="0" algn="l" defTabSz="1736725">
-                        <a:defRPr b="0" i="0" sz="1800"/>
+                        <a:defRPr sz="1800" b="0" i="0"/>
                       </a:pPr>
                       <a:r>
                         <a:rPr sz="1400"/>
-                        <a:t>1390</a:t>
+                        <a:t>1399</a:t>
                       </a:r>
                     </a:p>
                   </a:txBody>
-                  <a:tcPr marL="50800" marR="50800" marT="50800" marB="50800" anchor="ctr" anchorCtr="0" horzOverflow="overflow">
+                  <a:tcPr marL="50800" marR="50800" marT="50800" marB="50800" anchor="ctr" horzOverflow="overflow">
                     <a:lnL w="12700">
                       <a:solidFill>
                         <a:srgbClr val="000000"/>
@@ -3122,15 +3432,15 @@
                     <a:lstStyle/>
                     <a:p>
                       <a:pPr lvl="0" algn="l" defTabSz="1736725">
-                        <a:defRPr b="0" i="0" sz="1800"/>
+                        <a:defRPr sz="1800" b="0" i="0"/>
                       </a:pPr>
                       <a:r>
                         <a:rPr sz="1400"/>
-                        <a:t>Roman</a:t>
+                        <a:t>GRUMETI</a:t>
                       </a:r>
                     </a:p>
                   </a:txBody>
-                  <a:tcPr marL="50800" marR="50800" marT="50800" marB="50800" anchor="ctr" anchorCtr="0" horzOverflow="overflow">
+                  <a:tcPr marL="50800" marR="50800" marT="50800" marB="50800" anchor="ctr" horzOverflow="overflow">
                     <a:lnL w="12700">
                       <a:solidFill>
                         <a:srgbClr val="000000"/>
@@ -3163,15 +3473,15 @@
                     <a:lstStyle/>
                     <a:p>
                       <a:pPr lvl="0" algn="l" defTabSz="1736725">
-                        <a:defRPr b="0" i="0" sz="1800"/>
+                        <a:defRPr sz="1800" b="0" i="0"/>
                       </a:pPr>
                       <a:r>
                         <a:rPr sz="1400"/>
-                        <a:t>34.938093</a:t>
+                        <a:t>34.698766</a:t>
                       </a:r>
                     </a:p>
                   </a:txBody>
-                  <a:tcPr marL="50800" marR="50800" marT="50800" marB="50800" anchor="ctr" anchorCtr="0" horzOverflow="overflow">
+                  <a:tcPr marL="50800" marR="50800" marT="50800" marB="50800" anchor="ctr" horzOverflow="overflow">
                     <a:lnL w="12700">
                       <a:solidFill>
                         <a:srgbClr val="000000"/>
@@ -3204,15 +3514,15 @@
                     <a:lstStyle/>
                     <a:p>
                       <a:pPr lvl="0" algn="l" defTabSz="1736725">
-                        <a:defRPr b="0" i="0" sz="1800"/>
+                        <a:defRPr sz="1800" b="0" i="0"/>
                       </a:pPr>
                       <a:r>
                         <a:rPr sz="1400"/>
-                        <a:t>-9.856322</a:t>
+                        <a:t>-2.147466</a:t>
                       </a:r>
                     </a:p>
                   </a:txBody>
-                  <a:tcPr marL="50800" marR="50800" marT="50800" marB="50800" anchor="ctr" anchorCtr="0" horzOverflow="overflow">
+                  <a:tcPr marL="50800" marR="50800" marT="50800" marB="50800" anchor="ctr" horzOverflow="overflow">
                     <a:lnL w="12700">
                       <a:solidFill>
                         <a:srgbClr val="000000"/>
@@ -3245,15 +3555,15 @@
                     <a:lstStyle/>
                     <a:p>
                       <a:pPr lvl="0" algn="l" defTabSz="1736725">
-                        <a:defRPr b="0" i="0" sz="1800"/>
+                        <a:defRPr sz="1800" b="0" i="0"/>
                       </a:pPr>
                       <a:r>
                         <a:rPr sz="1400"/>
-                        <a:t>Lake Nyasa</a:t>
+                        <a:t>Lake Victoria</a:t>
                       </a:r>
                     </a:p>
                   </a:txBody>
-                  <a:tcPr marL="50800" marR="50800" marT="50800" marB="50800" anchor="ctr" anchorCtr="0" horzOverflow="overflow">
+                  <a:tcPr marL="50800" marR="50800" marT="50800" marB="50800" anchor="ctr" horzOverflow="overflow">
                     <a:lnL w="12700">
                       <a:solidFill>
                         <a:srgbClr val="000000"/>
@@ -3288,15 +3598,15 @@
                     <a:lstStyle/>
                     <a:p>
                       <a:pPr lvl="0" algn="l" defTabSz="1736725">
-                        <a:defRPr b="0" i="0" sz="1800"/>
+                        <a:defRPr sz="1800" b="0" i="0"/>
                       </a:pPr>
                       <a:r>
-                        <a:rPr b="1" sz="1400"/>
-                        <a:t>8776</a:t>
+                        <a:rPr sz="1400" b="1"/>
+                        <a:t>34310</a:t>
                       </a:r>
                     </a:p>
                   </a:txBody>
-                  <a:tcPr marL="50800" marR="50800" marT="50800" marB="50800" anchor="ctr" anchorCtr="0" horzOverflow="overflow">
+                  <a:tcPr marL="50800" marR="50800" marT="50800" marB="50800" anchor="ctr" horzOverflow="overflow">
                     <a:lnL w="12700">
                       <a:solidFill>
                         <a:srgbClr val="000000"/>
@@ -3329,15 +3639,15 @@
                     <a:lstStyle/>
                     <a:p>
                       <a:pPr lvl="0" algn="l" defTabSz="1736725">
-                        <a:defRPr b="0" i="0" sz="1800"/>
+                        <a:defRPr sz="1800" b="0" i="0"/>
                       </a:pPr>
                       <a:r>
                         <a:rPr sz="1400"/>
-                        <a:t>2013-03-06</a:t>
+                        <a:t>2013-02-25</a:t>
                       </a:r>
                     </a:p>
                   </a:txBody>
-                  <a:tcPr marL="50800" marR="50800" marT="50800" marB="50800" anchor="ctr" anchorCtr="0" horzOverflow="overflow">
+                  <a:tcPr marL="50800" marR="50800" marT="50800" marB="50800" anchor="ctr" horzOverflow="overflow">
                     <a:lnL w="12700">
                       <a:solidFill>
                         <a:srgbClr val="000000"/>
@@ -3370,15 +3680,15 @@
                     <a:lstStyle/>
                     <a:p>
                       <a:pPr lvl="0" algn="l" defTabSz="1736725">
-                        <a:defRPr b="0" i="0" sz="1800"/>
+                        <a:defRPr sz="1800" b="0" i="0"/>
                       </a:pPr>
                       <a:r>
                         <a:rPr sz="1400"/>
-                        <a:t>Grumeti</a:t>
+                        <a:t>Lottery Club</a:t>
                       </a:r>
                     </a:p>
                   </a:txBody>
-                  <a:tcPr marL="50800" marR="50800" marT="50800" marB="50800" anchor="ctr" anchorCtr="0" horzOverflow="overflow">
+                  <a:tcPr marL="50800" marR="50800" marT="50800" marB="50800" anchor="ctr" horzOverflow="overflow">
                     <a:lnL w="12700">
                       <a:solidFill>
                         <a:srgbClr val="000000"/>
@@ -3411,15 +3721,15 @@
                     <a:lstStyle/>
                     <a:p>
                       <a:pPr lvl="0" algn="l" defTabSz="1736725">
-                        <a:defRPr b="0" i="0" sz="1800"/>
+                        <a:defRPr sz="1800" b="0" i="0"/>
                       </a:pPr>
                       <a:r>
                         <a:rPr sz="1400"/>
-                        <a:t>1399</a:t>
+                        <a:t>686</a:t>
                       </a:r>
                     </a:p>
                   </a:txBody>
-                  <a:tcPr marL="50800" marR="50800" marT="50800" marB="50800" anchor="ctr" anchorCtr="0" horzOverflow="overflow">
+                  <a:tcPr marL="50800" marR="50800" marT="50800" marB="50800" anchor="ctr" horzOverflow="overflow">
                     <a:lnL w="12700">
                       <a:solidFill>
                         <a:srgbClr val="000000"/>
@@ -3452,15 +3762,15 @@
                     <a:lstStyle/>
                     <a:p>
                       <a:pPr lvl="0" algn="l" defTabSz="1736725">
-                        <a:defRPr b="0" i="0" sz="1800"/>
+                        <a:defRPr sz="1800" b="0" i="0"/>
                       </a:pPr>
                       <a:r>
                         <a:rPr sz="1400"/>
-                        <a:t>GRUMETI</a:t>
+                        <a:t>World vision</a:t>
                       </a:r>
                     </a:p>
                   </a:txBody>
-                  <a:tcPr marL="50800" marR="50800" marT="50800" marB="50800" anchor="ctr" anchorCtr="0" horzOverflow="overflow">
+                  <a:tcPr marL="50800" marR="50800" marT="50800" marB="50800" anchor="ctr" horzOverflow="overflow">
                     <a:lnL w="12700">
                       <a:solidFill>
                         <a:srgbClr val="000000"/>
@@ -3493,15 +3803,15 @@
                     <a:lstStyle/>
                     <a:p>
                       <a:pPr lvl="0" algn="l" defTabSz="1736725">
-                        <a:defRPr b="0" i="0" sz="1800"/>
+                        <a:defRPr sz="1800" b="0" i="0"/>
                       </a:pPr>
                       <a:r>
                         <a:rPr sz="1400"/>
-                        <a:t>34.698766</a:t>
+                        <a:t>37.460664</a:t>
                       </a:r>
                     </a:p>
                   </a:txBody>
-                  <a:tcPr marL="50800" marR="50800" marT="50800" marB="50800" anchor="ctr" anchorCtr="0" horzOverflow="overflow">
+                  <a:tcPr marL="50800" marR="50800" marT="50800" marB="50800" anchor="ctr" horzOverflow="overflow">
                     <a:lnL w="12700">
                       <a:solidFill>
                         <a:srgbClr val="000000"/>
@@ -3534,15 +3844,15 @@
                     <a:lstStyle/>
                     <a:p>
                       <a:pPr lvl="0" algn="l" defTabSz="1736725">
-                        <a:defRPr b="0" i="0" sz="1800"/>
+                        <a:defRPr sz="1800" b="0" i="0"/>
                       </a:pPr>
                       <a:r>
                         <a:rPr sz="1400"/>
-                        <a:t>-2.147466</a:t>
+                        <a:t>-3.821329</a:t>
                       </a:r>
                     </a:p>
                   </a:txBody>
-                  <a:tcPr marL="50800" marR="50800" marT="50800" marB="50800" anchor="ctr" anchorCtr="0" horzOverflow="overflow">
+                  <a:tcPr marL="50800" marR="50800" marT="50800" marB="50800" anchor="ctr" horzOverflow="overflow">
                     <a:lnL w="12700">
                       <a:solidFill>
                         <a:srgbClr val="000000"/>
@@ -3575,15 +3885,15 @@
                     <a:lstStyle/>
                     <a:p>
                       <a:pPr lvl="0" algn="l" defTabSz="1736725">
-                        <a:defRPr b="0" i="0" sz="1800"/>
+                        <a:defRPr sz="1800" b="0" i="0"/>
                       </a:pPr>
                       <a:r>
                         <a:rPr sz="1400"/>
-                        <a:t>Lake Victoria</a:t>
+                        <a:t>Pangani</a:t>
                       </a:r>
                     </a:p>
                   </a:txBody>
-                  <a:tcPr marL="50800" marR="50800" marT="50800" marB="50800" anchor="ctr" anchorCtr="0" horzOverflow="overflow">
+                  <a:tcPr marL="50800" marR="50800" marT="50800" marB="50800" anchor="ctr" horzOverflow="overflow">
                     <a:lnL w="12700">
                       <a:solidFill>
                         <a:srgbClr val="000000"/>
@@ -3618,15 +3928,15 @@
                     <a:lstStyle/>
                     <a:p>
                       <a:pPr lvl="0" algn="l" defTabSz="1736725">
-                        <a:defRPr b="0" i="0" sz="1800"/>
+                        <a:defRPr sz="1800" b="0" i="0"/>
                       </a:pPr>
                       <a:r>
-                        <a:rPr b="1" sz="1400"/>
-                        <a:t>34310</a:t>
+                        <a:rPr sz="1400" b="1"/>
+                        <a:t>67743</a:t>
                       </a:r>
                     </a:p>
                   </a:txBody>
-                  <a:tcPr marL="50800" marR="50800" marT="50800" marB="50800" anchor="ctr" anchorCtr="0" horzOverflow="overflow">
+                  <a:tcPr marL="50800" marR="50800" marT="50800" marB="50800" anchor="ctr" horzOverflow="overflow">
                     <a:lnL w="12700">
                       <a:solidFill>
                         <a:srgbClr val="000000"/>
@@ -3659,15 +3969,15 @@
                     <a:lstStyle/>
                     <a:p>
                       <a:pPr lvl="0" algn="l" defTabSz="1736725">
-                        <a:defRPr b="0" i="0" sz="1800"/>
+                        <a:defRPr sz="1800" b="0" i="0"/>
                       </a:pPr>
                       <a:r>
                         <a:rPr sz="1400"/>
-                        <a:t>2013-02-25</a:t>
+                        <a:t>2013-01-28</a:t>
                       </a:r>
                     </a:p>
                   </a:txBody>
-                  <a:tcPr marL="50800" marR="50800" marT="50800" marB="50800" anchor="ctr" anchorCtr="0" horzOverflow="overflow">
+                  <a:tcPr marL="50800" marR="50800" marT="50800" marB="50800" anchor="ctr" horzOverflow="overflow">
                     <a:lnL w="12700">
                       <a:solidFill>
                         <a:srgbClr val="000000"/>
@@ -3700,15 +4010,15 @@
                     <a:lstStyle/>
                     <a:p>
                       <a:pPr lvl="0" algn="l" defTabSz="1736725">
-                        <a:defRPr b="0" i="0" sz="1800"/>
+                        <a:defRPr sz="1800" b="0" i="0"/>
                       </a:pPr>
                       <a:r>
                         <a:rPr sz="1400"/>
-                        <a:t>Lottery Club</a:t>
+                        <a:t>Unicef</a:t>
                       </a:r>
                     </a:p>
                   </a:txBody>
-                  <a:tcPr marL="50800" marR="50800" marT="50800" marB="50800" anchor="ctr" anchorCtr="0" horzOverflow="overflow">
+                  <a:tcPr marL="50800" marR="50800" marT="50800" marB="50800" anchor="ctr" horzOverflow="overflow">
                     <a:lnL w="12700">
                       <a:solidFill>
                         <a:srgbClr val="000000"/>
@@ -3741,15 +4051,15 @@
                     <a:lstStyle/>
                     <a:p>
                       <a:pPr lvl="0" algn="l" defTabSz="1736725">
-                        <a:defRPr b="0" i="0" sz="1800"/>
+                        <a:defRPr sz="1800" b="0" i="0"/>
                       </a:pPr>
                       <a:r>
                         <a:rPr sz="1400"/>
-                        <a:t>686</a:t>
+                        <a:t>263</a:t>
                       </a:r>
                     </a:p>
                   </a:txBody>
-                  <a:tcPr marL="50800" marR="50800" marT="50800" marB="50800" anchor="ctr" anchorCtr="0" horzOverflow="overflow">
+                  <a:tcPr marL="50800" marR="50800" marT="50800" marB="50800" anchor="ctr" horzOverflow="overflow">
                     <a:lnL w="12700">
                       <a:solidFill>
                         <a:srgbClr val="000000"/>
@@ -3782,15 +4092,15 @@
                     <a:lstStyle/>
                     <a:p>
                       <a:pPr lvl="0" algn="l" defTabSz="1736725">
-                        <a:defRPr b="0" i="0" sz="1800"/>
+                        <a:defRPr sz="1800" b="0" i="0"/>
                       </a:pPr>
                       <a:r>
                         <a:rPr sz="1400"/>
-                        <a:t>World vision</a:t>
+                        <a:t>UNICEF</a:t>
                       </a:r>
                     </a:p>
                   </a:txBody>
-                  <a:tcPr marL="50800" marR="50800" marT="50800" marB="50800" anchor="ctr" anchorCtr="0" horzOverflow="overflow">
+                  <a:tcPr marL="50800" marR="50800" marT="50800" marB="50800" anchor="ctr" horzOverflow="overflow">
                     <a:lnL w="12700">
                       <a:solidFill>
                         <a:srgbClr val="000000"/>
@@ -3823,15 +4133,15 @@
                     <a:lstStyle/>
                     <a:p>
                       <a:pPr lvl="0" algn="l" defTabSz="1736725">
-                        <a:defRPr b="0" i="0" sz="1800"/>
+                        <a:defRPr sz="1800" b="0" i="0"/>
                       </a:pPr>
                       <a:r>
                         <a:rPr sz="1400"/>
-                        <a:t>37.460664</a:t>
+                        <a:t>38.486161</a:t>
                       </a:r>
                     </a:p>
                   </a:txBody>
-                  <a:tcPr marL="50800" marR="50800" marT="50800" marB="50800" anchor="ctr" anchorCtr="0" horzOverflow="overflow">
+                  <a:tcPr marL="50800" marR="50800" marT="50800" marB="50800" anchor="ctr" horzOverflow="overflow">
                     <a:lnL w="12700">
                       <a:solidFill>
                         <a:srgbClr val="000000"/>
@@ -3864,15 +4174,15 @@
                     <a:lstStyle/>
                     <a:p>
                       <a:pPr lvl="0" algn="l" defTabSz="1736725">
-                        <a:defRPr b="0" i="0" sz="1800"/>
+                        <a:defRPr sz="1800" b="0" i="0"/>
                       </a:pPr>
                       <a:r>
                         <a:rPr sz="1400"/>
-                        <a:t>-3.821329</a:t>
+                        <a:t>-11.155298</a:t>
                       </a:r>
                     </a:p>
                   </a:txBody>
-                  <a:tcPr marL="50800" marR="50800" marT="50800" marB="50800" anchor="ctr" anchorCtr="0" horzOverflow="overflow">
+                  <a:tcPr marL="50800" marR="50800" marT="50800" marB="50800" anchor="ctr" horzOverflow="overflow">
                     <a:lnL w="12700">
                       <a:solidFill>
                         <a:srgbClr val="000000"/>
@@ -3905,15 +4215,15 @@
                     <a:lstStyle/>
                     <a:p>
                       <a:pPr lvl="0" algn="l" defTabSz="1736725">
-                        <a:defRPr b="0" i="0" sz="1800"/>
+                        <a:defRPr sz="1800" b="0" i="0"/>
                       </a:pPr>
                       <a:r>
                         <a:rPr sz="1400"/>
-                        <a:t>Pangani</a:t>
+                        <a:t>Ruvuma / Southern Coast</a:t>
                       </a:r>
                     </a:p>
                   </a:txBody>
-                  <a:tcPr marL="50800" marR="50800" marT="50800" marB="50800" anchor="ctr" anchorCtr="0" horzOverflow="overflow">
+                  <a:tcPr marL="50800" marR="50800" marT="50800" marB="50800" anchor="ctr" horzOverflow="overflow">
                     <a:lnL w="12700">
                       <a:solidFill>
                         <a:srgbClr val="000000"/>
@@ -3948,15 +4258,15 @@
                     <a:lstStyle/>
                     <a:p>
                       <a:pPr lvl="0" algn="l" defTabSz="1736725">
-                        <a:defRPr b="0" i="0" sz="1800"/>
+                        <a:defRPr sz="1800" b="0" i="0"/>
                       </a:pPr>
                       <a:r>
-                        <a:rPr b="1" sz="1400"/>
-                        <a:t>67743</a:t>
+                        <a:rPr sz="1400" b="1"/>
+                        <a:t>19728</a:t>
                       </a:r>
                     </a:p>
                   </a:txBody>
-                  <a:tcPr marL="50800" marR="50800" marT="50800" marB="50800" anchor="ctr" anchorCtr="0" horzOverflow="overflow">
+                  <a:tcPr marL="50800" marR="50800" marT="50800" marB="50800" anchor="ctr" horzOverflow="overflow">
                     <a:lnL w="12700">
                       <a:solidFill>
                         <a:srgbClr val="000000"/>
@@ -3989,15 +4299,15 @@
                     <a:lstStyle/>
                     <a:p>
                       <a:pPr lvl="0" algn="l" defTabSz="1736725">
-                        <a:defRPr b="0" i="0" sz="1800"/>
+                        <a:defRPr sz="1800" b="0" i="0"/>
                       </a:pPr>
                       <a:r>
                         <a:rPr sz="1400"/>
-                        <a:t>2013-01-28</a:t>
+                        <a:t>2011-07-13</a:t>
                       </a:r>
                     </a:p>
                   </a:txBody>
-                  <a:tcPr marL="50800" marR="50800" marT="50800" marB="50800" anchor="ctr" anchorCtr="0" horzOverflow="overflow">
+                  <a:tcPr marL="50800" marR="50800" marT="50800" marB="50800" anchor="ctr" horzOverflow="overflow">
                     <a:lnL w="12700">
                       <a:solidFill>
                         <a:srgbClr val="000000"/>
@@ -4030,15 +4340,15 @@
                     <a:lstStyle/>
                     <a:p>
                       <a:pPr lvl="0" algn="l" defTabSz="1736725">
-                        <a:defRPr b="0" i="0" sz="1800"/>
+                        <a:defRPr sz="1800" b="0" i="0"/>
                       </a:pPr>
                       <a:r>
                         <a:rPr sz="1400"/>
-                        <a:t>Unicef</a:t>
+                        <a:t>Action In A</a:t>
                       </a:r>
                     </a:p>
                   </a:txBody>
-                  <a:tcPr marL="50800" marR="50800" marT="50800" marB="50800" anchor="ctr" anchorCtr="0" horzOverflow="overflow">
+                  <a:tcPr marL="50800" marR="50800" marT="50800" marB="50800" anchor="ctr" horzOverflow="overflow">
                     <a:lnL w="12700">
                       <a:solidFill>
                         <a:srgbClr val="000000"/>
@@ -4071,15 +4381,15 @@
                     <a:lstStyle/>
                     <a:p>
                       <a:pPr lvl="0" algn="l" defTabSz="1736725">
-                        <a:defRPr b="0" i="0" sz="1800"/>
+                        <a:defRPr sz="1800" b="0" i="0"/>
                       </a:pPr>
                       <a:r>
                         <a:rPr sz="1400"/>
-                        <a:t>263</a:t>
+                        <a:t>0</a:t>
                       </a:r>
                     </a:p>
                   </a:txBody>
-                  <a:tcPr marL="50800" marR="50800" marT="50800" marB="50800" anchor="ctr" anchorCtr="0" horzOverflow="overflow">
+                  <a:tcPr marL="50800" marR="50800" marT="50800" marB="50800" anchor="ctr" horzOverflow="overflow">
                     <a:lnL w="12700">
                       <a:solidFill>
                         <a:srgbClr val="000000"/>
@@ -4112,15 +4422,15 @@
                     <a:lstStyle/>
                     <a:p>
                       <a:pPr lvl="0" algn="l" defTabSz="1736725">
-                        <a:defRPr b="0" i="0" sz="1800"/>
+                        <a:defRPr sz="1800" b="0" i="0"/>
                       </a:pPr>
                       <a:r>
                         <a:rPr sz="1400"/>
-                        <a:t>UNICEF</a:t>
+                        <a:t>Artisan</a:t>
                       </a:r>
                     </a:p>
                   </a:txBody>
-                  <a:tcPr marL="50800" marR="50800" marT="50800" marB="50800" anchor="ctr" anchorCtr="0" horzOverflow="overflow">
+                  <a:tcPr marL="50800" marR="50800" marT="50800" marB="50800" anchor="ctr" horzOverflow="overflow">
                     <a:lnL w="12700">
                       <a:solidFill>
                         <a:srgbClr val="000000"/>
@@ -4153,15 +4463,15 @@
                     <a:lstStyle/>
                     <a:p>
                       <a:pPr lvl="0" algn="l" defTabSz="1736725">
-                        <a:defRPr b="0" i="0" sz="1800"/>
+                        <a:defRPr sz="1800" b="0" i="0"/>
                       </a:pPr>
                       <a:r>
                         <a:rPr sz="1400"/>
-                        <a:t>38.486161</a:t>
+                        <a:t>31.130847</a:t>
                       </a:r>
                     </a:p>
                   </a:txBody>
-                  <a:tcPr marL="50800" marR="50800" marT="50800" marB="50800" anchor="ctr" anchorCtr="0" horzOverflow="overflow">
+                  <a:tcPr marL="50800" marR="50800" marT="50800" marB="50800" anchor="ctr" horzOverflow="overflow">
                     <a:lnL w="12700">
                       <a:solidFill>
                         <a:srgbClr val="000000"/>
@@ -4194,15 +4504,15 @@
                     <a:lstStyle/>
                     <a:p>
                       <a:pPr lvl="0" algn="l" defTabSz="1736725">
-                        <a:defRPr b="0" i="0" sz="1800"/>
+                        <a:defRPr sz="1800" b="0" i="0"/>
                       </a:pPr>
                       <a:r>
                         <a:rPr sz="1400"/>
-                        <a:t>-11.155298</a:t>
+                        <a:t>-1.825359</a:t>
                       </a:r>
                     </a:p>
                   </a:txBody>
-                  <a:tcPr marL="50800" marR="50800" marT="50800" marB="50800" anchor="ctr" anchorCtr="0" horzOverflow="overflow">
+                  <a:tcPr marL="50800" marR="50800" marT="50800" marB="50800" anchor="ctr" horzOverflow="overflow">
                     <a:lnL w="12700">
                       <a:solidFill>
                         <a:srgbClr val="000000"/>
@@ -4235,345 +4545,15 @@
                     <a:lstStyle/>
                     <a:p>
                       <a:pPr lvl="0" algn="l" defTabSz="1736725">
-                        <a:defRPr b="0" i="0" sz="1800"/>
+                        <a:defRPr sz="1800" b="0" i="0"/>
                       </a:pPr>
                       <a:r>
-                        <a:rPr sz="1400"/>
-                        <a:t>Ruvuma / Southern Coast</a:t>
-                      </a:r>
-                    </a:p>
-                  </a:txBody>
-                  <a:tcPr marL="50800" marR="50800" marT="50800" marB="50800" anchor="ctr" anchorCtr="0" horzOverflow="overflow">
-                    <a:lnL w="12700">
-                      <a:solidFill>
-                        <a:srgbClr val="000000"/>
-                      </a:solidFill>
-                      <a:miter lim="400000"/>
-                    </a:lnL>
-                    <a:lnR w="12700">
-                      <a:solidFill>
-                        <a:srgbClr val="000000"/>
-                      </a:solidFill>
-                      <a:miter lim="400000"/>
-                    </a:lnR>
-                    <a:lnT w="12700">
-                      <a:solidFill>
-                        <a:srgbClr val="000000"/>
-                      </a:solidFill>
-                      <a:miter lim="400000"/>
-                    </a:lnT>
-                    <a:lnB w="12700">
-                      <a:solidFill>
-                        <a:srgbClr val="000000"/>
-                      </a:solidFill>
-                      <a:miter lim="400000"/>
-                    </a:lnB>
-                  </a:tcPr>
-                </a:tc>
-              </a:tr>
-              <a:tr h="401580">
-                <a:tc>
-                  <a:txBody>
-                    <a:bodyPr/>
-                    <a:lstStyle/>
-                    <a:p>
-                      <a:pPr lvl="0" algn="l" defTabSz="1736725">
-                        <a:defRPr b="0" i="0" sz="1800"/>
-                      </a:pPr>
-                      <a:r>
-                        <a:rPr b="1" sz="1400"/>
-                        <a:t>19728</a:t>
-                      </a:r>
-                    </a:p>
-                  </a:txBody>
-                  <a:tcPr marL="50800" marR="50800" marT="50800" marB="50800" anchor="ctr" anchorCtr="0" horzOverflow="overflow">
-                    <a:lnL w="12700">
-                      <a:solidFill>
-                        <a:srgbClr val="000000"/>
-                      </a:solidFill>
-                      <a:miter lim="400000"/>
-                    </a:lnL>
-                    <a:lnR w="12700">
-                      <a:solidFill>
-                        <a:srgbClr val="000000"/>
-                      </a:solidFill>
-                      <a:miter lim="400000"/>
-                    </a:lnR>
-                    <a:lnT w="12700">
-                      <a:solidFill>
-                        <a:srgbClr val="000000"/>
-                      </a:solidFill>
-                      <a:miter lim="400000"/>
-                    </a:lnT>
-                    <a:lnB w="12700">
-                      <a:solidFill>
-                        <a:srgbClr val="000000"/>
-                      </a:solidFill>
-                      <a:miter lim="400000"/>
-                    </a:lnB>
-                  </a:tcPr>
-                </a:tc>
-                <a:tc>
-                  <a:txBody>
-                    <a:bodyPr/>
-                    <a:lstStyle/>
-                    <a:p>
-                      <a:pPr lvl="0" algn="l" defTabSz="1736725">
-                        <a:defRPr b="0" i="0" sz="1800"/>
-                      </a:pPr>
-                      <a:r>
-                        <a:rPr sz="1400"/>
-                        <a:t>2011-07-13</a:t>
-                      </a:r>
-                    </a:p>
-                  </a:txBody>
-                  <a:tcPr marL="50800" marR="50800" marT="50800" marB="50800" anchor="ctr" anchorCtr="0" horzOverflow="overflow">
-                    <a:lnL w="12700">
-                      <a:solidFill>
-                        <a:srgbClr val="000000"/>
-                      </a:solidFill>
-                      <a:miter lim="400000"/>
-                    </a:lnL>
-                    <a:lnR w="12700">
-                      <a:solidFill>
-                        <a:srgbClr val="000000"/>
-                      </a:solidFill>
-                      <a:miter lim="400000"/>
-                    </a:lnR>
-                    <a:lnT w="12700">
-                      <a:solidFill>
-                        <a:srgbClr val="000000"/>
-                      </a:solidFill>
-                      <a:miter lim="400000"/>
-                    </a:lnT>
-                    <a:lnB w="12700">
-                      <a:solidFill>
-                        <a:srgbClr val="000000"/>
-                      </a:solidFill>
-                      <a:miter lim="400000"/>
-                    </a:lnB>
-                  </a:tcPr>
-                </a:tc>
-                <a:tc>
-                  <a:txBody>
-                    <a:bodyPr/>
-                    <a:lstStyle/>
-                    <a:p>
-                      <a:pPr lvl="0" algn="l" defTabSz="1736725">
-                        <a:defRPr b="0" i="0" sz="1800"/>
-                      </a:pPr>
-                      <a:r>
-                        <a:rPr sz="1400"/>
-                        <a:t>Action In A</a:t>
-                      </a:r>
-                    </a:p>
-                  </a:txBody>
-                  <a:tcPr marL="50800" marR="50800" marT="50800" marB="50800" anchor="ctr" anchorCtr="0" horzOverflow="overflow">
-                    <a:lnL w="12700">
-                      <a:solidFill>
-                        <a:srgbClr val="000000"/>
-                      </a:solidFill>
-                      <a:miter lim="400000"/>
-                    </a:lnL>
-                    <a:lnR w="12700">
-                      <a:solidFill>
-                        <a:srgbClr val="000000"/>
-                      </a:solidFill>
-                      <a:miter lim="400000"/>
-                    </a:lnR>
-                    <a:lnT w="12700">
-                      <a:solidFill>
-                        <a:srgbClr val="000000"/>
-                      </a:solidFill>
-                      <a:miter lim="400000"/>
-                    </a:lnT>
-                    <a:lnB w="12700">
-                      <a:solidFill>
-                        <a:srgbClr val="000000"/>
-                      </a:solidFill>
-                      <a:miter lim="400000"/>
-                    </a:lnB>
-                  </a:tcPr>
-                </a:tc>
-                <a:tc>
-                  <a:txBody>
-                    <a:bodyPr/>
-                    <a:lstStyle/>
-                    <a:p>
-                      <a:pPr lvl="0" algn="l" defTabSz="1736725">
-                        <a:defRPr b="0" i="0" sz="1800"/>
-                      </a:pPr>
-                      <a:r>
-                        <a:rPr sz="1400"/>
-                        <a:t>0</a:t>
-                      </a:r>
-                    </a:p>
-                  </a:txBody>
-                  <a:tcPr marL="50800" marR="50800" marT="50800" marB="50800" anchor="ctr" anchorCtr="0" horzOverflow="overflow">
-                    <a:lnL w="12700">
-                      <a:solidFill>
-                        <a:srgbClr val="000000"/>
-                      </a:solidFill>
-                      <a:miter lim="400000"/>
-                    </a:lnL>
-                    <a:lnR w="12700">
-                      <a:solidFill>
-                        <a:srgbClr val="000000"/>
-                      </a:solidFill>
-                      <a:miter lim="400000"/>
-                    </a:lnR>
-                    <a:lnT w="12700">
-                      <a:solidFill>
-                        <a:srgbClr val="000000"/>
-                      </a:solidFill>
-                      <a:miter lim="400000"/>
-                    </a:lnT>
-                    <a:lnB w="12700">
-                      <a:solidFill>
-                        <a:srgbClr val="000000"/>
-                      </a:solidFill>
-                      <a:miter lim="400000"/>
-                    </a:lnB>
-                  </a:tcPr>
-                </a:tc>
-                <a:tc>
-                  <a:txBody>
-                    <a:bodyPr/>
-                    <a:lstStyle/>
-                    <a:p>
-                      <a:pPr lvl="0" algn="l" defTabSz="1736725">
-                        <a:defRPr b="0" i="0" sz="1800"/>
-                      </a:pPr>
-                      <a:r>
-                        <a:rPr sz="1400"/>
-                        <a:t>Artisan</a:t>
-                      </a:r>
-                    </a:p>
-                  </a:txBody>
-                  <a:tcPr marL="50800" marR="50800" marT="50800" marB="50800" anchor="ctr" anchorCtr="0" horzOverflow="overflow">
-                    <a:lnL w="12700">
-                      <a:solidFill>
-                        <a:srgbClr val="000000"/>
-                      </a:solidFill>
-                      <a:miter lim="400000"/>
-                    </a:lnL>
-                    <a:lnR w="12700">
-                      <a:solidFill>
-                        <a:srgbClr val="000000"/>
-                      </a:solidFill>
-                      <a:miter lim="400000"/>
-                    </a:lnR>
-                    <a:lnT w="12700">
-                      <a:solidFill>
-                        <a:srgbClr val="000000"/>
-                      </a:solidFill>
-                      <a:miter lim="400000"/>
-                    </a:lnT>
-                    <a:lnB w="12700">
-                      <a:solidFill>
-                        <a:srgbClr val="000000"/>
-                      </a:solidFill>
-                      <a:miter lim="400000"/>
-                    </a:lnB>
-                  </a:tcPr>
-                </a:tc>
-                <a:tc>
-                  <a:txBody>
-                    <a:bodyPr/>
-                    <a:lstStyle/>
-                    <a:p>
-                      <a:pPr lvl="0" algn="l" defTabSz="1736725">
-                        <a:defRPr b="0" i="0" sz="1800"/>
-                      </a:pPr>
-                      <a:r>
-                        <a:rPr sz="1400"/>
-                        <a:t>31.130847</a:t>
-                      </a:r>
-                    </a:p>
-                  </a:txBody>
-                  <a:tcPr marL="50800" marR="50800" marT="50800" marB="50800" anchor="ctr" anchorCtr="0" horzOverflow="overflow">
-                    <a:lnL w="12700">
-                      <a:solidFill>
-                        <a:srgbClr val="000000"/>
-                      </a:solidFill>
-                      <a:miter lim="400000"/>
-                    </a:lnL>
-                    <a:lnR w="12700">
-                      <a:solidFill>
-                        <a:srgbClr val="000000"/>
-                      </a:solidFill>
-                      <a:miter lim="400000"/>
-                    </a:lnR>
-                    <a:lnT w="12700">
-                      <a:solidFill>
-                        <a:srgbClr val="000000"/>
-                      </a:solidFill>
-                      <a:miter lim="400000"/>
-                    </a:lnT>
-                    <a:lnB w="12700">
-                      <a:solidFill>
-                        <a:srgbClr val="000000"/>
-                      </a:solidFill>
-                      <a:miter lim="400000"/>
-                    </a:lnB>
-                  </a:tcPr>
-                </a:tc>
-                <a:tc>
-                  <a:txBody>
-                    <a:bodyPr/>
-                    <a:lstStyle/>
-                    <a:p>
-                      <a:pPr lvl="0" algn="l" defTabSz="1736725">
-                        <a:defRPr b="0" i="0" sz="1800"/>
-                      </a:pPr>
-                      <a:r>
-                        <a:rPr sz="1400"/>
-                        <a:t>-1.825359</a:t>
-                      </a:r>
-                    </a:p>
-                  </a:txBody>
-                  <a:tcPr marL="50800" marR="50800" marT="50800" marB="50800" anchor="ctr" anchorCtr="0" horzOverflow="overflow">
-                    <a:lnL w="12700">
-                      <a:solidFill>
-                        <a:srgbClr val="000000"/>
-                      </a:solidFill>
-                      <a:miter lim="400000"/>
-                    </a:lnL>
-                    <a:lnR w="12700">
-                      <a:solidFill>
-                        <a:srgbClr val="000000"/>
-                      </a:solidFill>
-                      <a:miter lim="400000"/>
-                    </a:lnR>
-                    <a:lnT w="12700">
-                      <a:solidFill>
-                        <a:srgbClr val="000000"/>
-                      </a:solidFill>
-                      <a:miter lim="400000"/>
-                    </a:lnT>
-                    <a:lnB w="12700">
-                      <a:solidFill>
-                        <a:srgbClr val="000000"/>
-                      </a:solidFill>
-                      <a:miter lim="400000"/>
-                    </a:lnB>
-                  </a:tcPr>
-                </a:tc>
-                <a:tc>
-                  <a:txBody>
-                    <a:bodyPr/>
-                    <a:lstStyle/>
-                    <a:p>
-                      <a:pPr lvl="0" algn="l" defTabSz="1736725">
-                        <a:defRPr b="0" i="0" sz="1800"/>
-                      </a:pPr>
-                      <a:r>
-                        <a:rPr sz="1400"/>
+                        <a:rPr sz="1400" dirty="0"/>
                         <a:t>Lake Victoria</a:t>
                       </a:r>
                     </a:p>
                   </a:txBody>
-                  <a:tcPr marL="50800" marR="50800" marT="50800" marB="50800" anchor="ctr" anchorCtr="0" horzOverflow="overflow">
+                  <a:tcPr marL="50800" marR="50800" marT="50800" marB="50800" anchor="ctr" horzOverflow="overflow">
                     <a:lnL w="12700">
                       <a:solidFill>
                         <a:srgbClr val="000000"/>
@@ -4612,17 +4592,17 @@
           <p:nvPr/>
         </p:nvPicPr>
         <p:blipFill>
-          <a:blip r:embed="rId6">
+          <a:blip r:embed="rId5">
             <a:extLst/>
           </a:blip>
-          <a:srcRect l="0" t="0" r="0" b="3816"/>
+          <a:srcRect b="3816"/>
           <a:stretch>
             <a:fillRect/>
           </a:stretch>
         </p:blipFill>
         <p:spPr>
           <a:xfrm>
-            <a:off x="1504850" y="32134472"/>
+            <a:off x="10678516" y="21465777"/>
             <a:ext cx="7175501" cy="1600201"/>
           </a:xfrm>
           <a:prstGeom prst="rect">
@@ -4640,7 +4620,7 @@
           <p:nvPr/>
         </p:nvPicPr>
         <p:blipFill>
-          <a:blip r:embed="rId7">
+          <a:blip r:embed="rId6">
             <a:extLst/>
           </a:blip>
           <a:stretch>
@@ -4649,7 +4629,7 @@
         </p:blipFill>
         <p:spPr>
           <a:xfrm>
-            <a:off x="999033" y="34301906"/>
+            <a:off x="10172699" y="23633211"/>
             <a:ext cx="8343901" cy="647701"/>
           </a:xfrm>
           <a:prstGeom prst="rect">
@@ -4667,7 +4647,7 @@
           <p:nvPr/>
         </p:nvPicPr>
         <p:blipFill>
-          <a:blip r:embed="rId8">
+          <a:blip r:embed="rId7">
             <a:extLst/>
           </a:blip>
           <a:stretch>
@@ -4676,7 +4656,7 @@
         </p:blipFill>
         <p:spPr>
           <a:xfrm>
-            <a:off x="1687314" y="35687694"/>
+            <a:off x="10860980" y="25018999"/>
             <a:ext cx="6629401" cy="736601"/>
           </a:xfrm>
           <a:prstGeom prst="rect">
@@ -4694,17 +4674,17 @@
           <p:nvPr/>
         </p:nvPicPr>
         <p:blipFill>
-          <a:blip r:embed="rId9">
+          <a:blip r:embed="rId8">
             <a:extLst/>
           </a:blip>
-          <a:srcRect l="0" t="781" r="0" b="0"/>
+          <a:srcRect t="781"/>
           <a:stretch>
             <a:fillRect/>
           </a:stretch>
         </p:blipFill>
         <p:spPr>
           <a:xfrm>
-            <a:off x="9299872" y="25466873"/>
+            <a:off x="9299872" y="32011715"/>
             <a:ext cx="4953001" cy="3225801"/>
           </a:xfrm>
           <a:prstGeom prst="rect">
@@ -4722,7 +4702,7 @@
           <p:nvPr/>
         </p:nvPicPr>
         <p:blipFill>
-          <a:blip r:embed="rId10">
+          <a:blip r:embed="rId9">
             <a:extLst/>
           </a:blip>
           <a:stretch>
@@ -4731,7 +4711,7 @@
         </p:blipFill>
         <p:spPr>
           <a:xfrm>
-            <a:off x="14034095" y="25411906"/>
+            <a:off x="14034095" y="32011715"/>
             <a:ext cx="4864101" cy="3251201"/>
           </a:xfrm>
           <a:prstGeom prst="rect">
@@ -4750,7 +4730,7 @@
         </p:nvSpPr>
         <p:spPr>
           <a:xfrm>
-            <a:off x="11478369" y="28584525"/>
+            <a:off x="11478369" y="35184334"/>
             <a:ext cx="778769" cy="553466"/>
           </a:xfrm>
           <a:prstGeom prst="rect">
@@ -4761,7 +4741,7 @@
           </a:ln>
           <a:extLst>
             <a:ext uri="{C572A759-6A51-4108-AA02-DFA0A04FC94B}">
-              <ma14:wrappingTextBoxFlag xmlns:ma14="http://schemas.microsoft.com/office/mac/drawingml/2011/main" val="1"/>
+              <ma14:wrappingTextBoxFlag xmlns:ma14="http://schemas.microsoft.com/office/mac/drawingml/2011/main" xmlns="" val="1"/>
             </a:ext>
           </a:extLst>
         </p:spPr>
@@ -4771,7 +4751,7 @@
           </a:bodyPr>
           <a:lstStyle>
             <a:lvl1pPr defTabSz="1738312">
-              <a:defRPr b="1" sz="3300">
+              <a:defRPr sz="3300" b="1">
                 <a:latin typeface="Arial"/>
                 <a:ea typeface="Arial"/>
                 <a:cs typeface="Arial"/>
@@ -4781,10 +4761,10 @@
           </a:lstStyle>
           <a:p>
             <a:pPr lvl="0">
-              <a:defRPr b="0" sz="1800"/>
+              <a:defRPr sz="1800" b="0"/>
             </a:pPr>
             <a:r>
-              <a:rPr b="1" sz="3300"/>
+              <a:rPr sz="3300" b="1"/>
               <a:t>(a)</a:t>
             </a:r>
           </a:p>
@@ -4798,7 +4778,7 @@
         </p:nvSpPr>
         <p:spPr>
           <a:xfrm>
-            <a:off x="16177369" y="28584525"/>
+            <a:off x="16177369" y="35184334"/>
             <a:ext cx="778769" cy="553466"/>
           </a:xfrm>
           <a:prstGeom prst="rect">
@@ -4809,7 +4789,7 @@
           </a:ln>
           <a:extLst>
             <a:ext uri="{C572A759-6A51-4108-AA02-DFA0A04FC94B}">
-              <ma14:wrappingTextBoxFlag xmlns:ma14="http://schemas.microsoft.com/office/mac/drawingml/2011/main" val="1"/>
+              <ma14:wrappingTextBoxFlag xmlns:ma14="http://schemas.microsoft.com/office/mac/drawingml/2011/main" xmlns="" val="1"/>
             </a:ext>
           </a:extLst>
         </p:spPr>
@@ -4819,7 +4799,7 @@
           </a:bodyPr>
           <a:lstStyle>
             <a:lvl1pPr defTabSz="1738312">
-              <a:defRPr b="1" sz="3300">
+              <a:defRPr sz="3300" b="1">
                 <a:latin typeface="Arial"/>
                 <a:ea typeface="Arial"/>
                 <a:cs typeface="Arial"/>
@@ -4829,12 +4809,155 @@
           </a:lstStyle>
           <a:p>
             <a:pPr lvl="0">
-              <a:defRPr b="0" sz="1800"/>
+              <a:defRPr sz="1800" b="0"/>
             </a:pPr>
             <a:r>
-              <a:rPr b="1" sz="3300"/>
+              <a:rPr sz="3300" b="1"/>
               <a:t>(b)</a:t>
             </a:r>
+          </a:p>
+        </p:txBody>
+      </p:sp>
+      <p:grpSp>
+        <p:nvGrpSpPr>
+          <p:cNvPr id="44" name="Group 43"/>
+          <p:cNvGrpSpPr>
+            <a:grpSpLocks noChangeAspect="1"/>
+          </p:cNvGrpSpPr>
+          <p:nvPr/>
+        </p:nvGrpSpPr>
+        <p:grpSpPr>
+          <a:xfrm>
+            <a:off x="23327521" y="628076"/>
+            <a:ext cx="3815553" cy="4389437"/>
+            <a:chOff x="4204810" y="274320"/>
+            <a:chExt cx="3123810" cy="3593651"/>
+          </a:xfrm>
+        </p:grpSpPr>
+        <p:sp>
+          <p:nvSpPr>
+            <p:cNvPr id="45" name="Rectangle 44"/>
+            <p:cNvSpPr/>
+            <p:nvPr/>
+          </p:nvSpPr>
+          <p:spPr>
+            <a:xfrm>
+              <a:off x="4248150" y="358140"/>
+              <a:ext cx="3038517" cy="990600"/>
+            </a:xfrm>
+            <a:prstGeom prst="rect">
+              <a:avLst/>
+            </a:prstGeom>
+            <a:solidFill>
+              <a:schemeClr val="bg1"/>
+            </a:solidFill>
+            <a:ln>
+              <a:noFill/>
+            </a:ln>
+          </p:spPr>
+          <p:style>
+            <a:lnRef idx="2">
+              <a:schemeClr val="accent1">
+                <a:shade val="50000"/>
+              </a:schemeClr>
+            </a:lnRef>
+            <a:fillRef idx="1">
+              <a:schemeClr val="accent1"/>
+            </a:fillRef>
+            <a:effectRef idx="0">
+              <a:schemeClr val="accent1"/>
+            </a:effectRef>
+            <a:fontRef idx="minor">
+              <a:schemeClr val="lt1"/>
+            </a:fontRef>
+          </p:style>
+          <p:txBody>
+            <a:bodyPr rtlCol="0" anchor="ctr"/>
+            <a:lstStyle/>
+            <a:p>
+              <a:pPr algn="ctr"/>
+              <a:endParaRPr lang="en-US"/>
+            </a:p>
+          </p:txBody>
+        </p:sp>
+        <p:pic>
+          <p:nvPicPr>
+            <p:cNvPr id="46" name="Picture 45"/>
+            <p:cNvPicPr>
+              <a:picLocks noChangeAspect="1"/>
+            </p:cNvPicPr>
+            <p:nvPr/>
+          </p:nvPicPr>
+          <p:blipFill>
+            <a:blip r:embed="rId10">
+              <a:extLst>
+                <a:ext uri="{28A0092B-C50C-407E-A947-70E740481C1C}">
+                  <a14:useLocalDpi xmlns:a14="http://schemas.microsoft.com/office/drawing/2010/main" val="0"/>
+                </a:ext>
+              </a:extLst>
+            </a:blip>
+            <a:stretch>
+              <a:fillRect/>
+            </a:stretch>
+          </p:blipFill>
+          <p:spPr>
+            <a:xfrm>
+              <a:off x="4204810" y="274320"/>
+              <a:ext cx="3123810" cy="3593651"/>
+            </a:xfrm>
+            <a:prstGeom prst="rect">
+              <a:avLst/>
+            </a:prstGeom>
+          </p:spPr>
+        </p:pic>
+      </p:grpSp>
+      <p:sp>
+        <p:nvSpPr>
+          <p:cNvPr id="47" name="Shape 30"/>
+          <p:cNvSpPr/>
+          <p:nvPr/>
+        </p:nvSpPr>
+        <p:spPr>
+          <a:xfrm>
+            <a:off x="10439400" y="28270200"/>
+            <a:ext cx="7913688" cy="3640221"/>
+          </a:xfrm>
+          <a:prstGeom prst="rect">
+            <a:avLst/>
+          </a:prstGeom>
+          <a:ln w="12700">
+            <a:miter lim="400000"/>
+          </a:ln>
+          <a:extLst>
+            <a:ext uri="{C572A759-6A51-4108-AA02-DFA0A04FC94B}">
+              <ma14:wrappingTextBoxFlag xmlns:ma14="http://schemas.microsoft.com/office/mac/drawingml/2011/main" xmlns="" val="1"/>
+            </a:ext>
+          </a:extLst>
+        </p:spPr>
+        <p:txBody>
+          <a:bodyPr lIns="42288" tIns="42288" rIns="42288" bIns="42288">
+            <a:spAutoFit/>
+          </a:bodyPr>
+          <a:lstStyle/>
+          <a:p>
+            <a:pPr lvl="0" defTabSz="1738312">
+              <a:defRPr sz="1800"/>
+            </a:pPr>
+            <a:r>
+              <a:rPr lang="en-US" sz="3300" dirty="0" smtClean="0">
+                <a:latin typeface="Arial"/>
+                <a:ea typeface="Arial"/>
+                <a:cs typeface="Arial"/>
+                <a:sym typeface="Arial"/>
+              </a:rPr>
+              <a:t>So far, results are limited. Accuracy of predictions using cross-validation are only slightly higher than randomly guessing. This implies that our model is not accurate, and that the features we chose are very weakly correlated, if at all, to the functionality of the well.</a:t>
+            </a:r>
+            <a:endParaRPr sz="3300" dirty="0">
+              <a:latin typeface="Arial"/>
+              <a:ea typeface="Arial"/>
+              <a:cs typeface="Arial"/>
+              <a:sym typeface="Arial"/>
+            </a:endParaRPr>
           </a:p>
         </p:txBody>
       </p:sp>
@@ -4843,12 +4966,12 @@
   <p:clrMapOvr>
     <a:masterClrMapping/>
   </p:clrMapOvr>
-  <p:transition spd="med" advClick="1"/>
+  <p:transition spd="med"/>
 </p:sld>
 </file>
 
 <file path=ppt/theme/theme1.xml><?xml version="1.0" encoding="utf-8"?>
-<a:theme xmlns:a="http://schemas.openxmlformats.org/drawingml/2006/main" xmlns:r="http://schemas.openxmlformats.org/officeDocument/2006/relationships" name="Default">
+<a:theme xmlns:a="http://schemas.openxmlformats.org/drawingml/2006/main" name="Default">
   <a:themeElements>
     <a:clrScheme name="Default">
       <a:dk1>
@@ -4980,7 +5103,7 @@
         </a:effectStyle>
         <a:effectStyle>
           <a:effectLst>
-            <a:outerShdw sx="100000" sy="100000" kx="0" ky="0" algn="b" rotWithShape="0" blurRad="38100" dist="20000" dir="5400000">
+            <a:outerShdw blurRad="38100" dist="20000" dir="5400000" rotWithShape="0">
               <a:srgbClr val="000000">
                 <a:alpha val="38000"/>
               </a:srgbClr>
@@ -5055,7 +5178,7 @@
         </a:ln>
         <a:effectLst/>
       </a:spPr>
-      <a:bodyPr rot="0" spcFirstLastPara="1" vertOverflow="overflow" horzOverflow="overflow" vert="horz" wrap="square" lIns="45719" tIns="45719" rIns="45719" bIns="45719" numCol="1" spcCol="38100" rtlCol="0" anchor="t" upright="0">
+      <a:bodyPr rot="0" spcFirstLastPara="1" vertOverflow="overflow" horzOverflow="overflow" vert="horz" wrap="square" lIns="45719" tIns="45719" rIns="45719" bIns="45719" numCol="1" spcCol="38100" rtlCol="0" anchor="t">
         <a:spAutoFit/>
       </a:bodyPr>
       <a:lstStyle>
@@ -5074,7 +5197,7 @@
           <a:buFontTx/>
           <a:buNone/>
           <a:tabLst/>
-          <a:defRPr b="0" baseline="0" cap="none" i="0" spc="0" strike="noStrike" sz="6900" u="none" kumimoji="0" normalizeH="0">
+          <a:defRPr kumimoji="0" sz="6900" b="0" i="0" u="none" strike="noStrike" cap="none" spc="0" normalizeH="0" baseline="0">
             <a:ln>
               <a:noFill/>
             </a:ln>
@@ -5104,7 +5227,7 @@
           <a:buFontTx/>
           <a:buNone/>
           <a:tabLst/>
-          <a:defRPr b="0" baseline="0" cap="none" i="0" spc="0" strike="noStrike" sz="1800" u="none" kumimoji="0" normalizeH="0">
+          <a:defRPr kumimoji="0" sz="1800" b="0" i="0" u="none" strike="noStrike" cap="none" spc="0" normalizeH="0" baseline="0">
             <a:ln>
               <a:noFill/>
             </a:ln>
@@ -5130,7 +5253,7 @@
           <a:buFontTx/>
           <a:buNone/>
           <a:tabLst/>
-          <a:defRPr b="0" baseline="0" cap="none" i="0" spc="0" strike="noStrike" sz="1800" u="none" kumimoji="0" normalizeH="0">
+          <a:defRPr kumimoji="0" sz="1800" b="0" i="0" u="none" strike="noStrike" cap="none" spc="0" normalizeH="0" baseline="0">
             <a:ln>
               <a:noFill/>
             </a:ln>
@@ -5156,7 +5279,7 @@
           <a:buFontTx/>
           <a:buNone/>
           <a:tabLst/>
-          <a:defRPr b="0" baseline="0" cap="none" i="0" spc="0" strike="noStrike" sz="1800" u="none" kumimoji="0" normalizeH="0">
+          <a:defRPr kumimoji="0" sz="1800" b="0" i="0" u="none" strike="noStrike" cap="none" spc="0" normalizeH="0" baseline="0">
             <a:ln>
               <a:noFill/>
             </a:ln>
@@ -5182,7 +5305,7 @@
           <a:buFontTx/>
           <a:buNone/>
           <a:tabLst/>
-          <a:defRPr b="0" baseline="0" cap="none" i="0" spc="0" strike="noStrike" sz="1800" u="none" kumimoji="0" normalizeH="0">
+          <a:defRPr kumimoji="0" sz="1800" b="0" i="0" u="none" strike="noStrike" cap="none" spc="0" normalizeH="0" baseline="0">
             <a:ln>
               <a:noFill/>
             </a:ln>
@@ -5208,7 +5331,7 @@
           <a:buFontTx/>
           <a:buNone/>
           <a:tabLst/>
-          <a:defRPr b="0" baseline="0" cap="none" i="0" spc="0" strike="noStrike" sz="1800" u="none" kumimoji="0" normalizeH="0">
+          <a:defRPr kumimoji="0" sz="1800" b="0" i="0" u="none" strike="noStrike" cap="none" spc="0" normalizeH="0" baseline="0">
             <a:ln>
               <a:noFill/>
             </a:ln>
@@ -5234,7 +5357,7 @@
           <a:buFontTx/>
           <a:buNone/>
           <a:tabLst/>
-          <a:defRPr b="0" baseline="0" cap="none" i="0" spc="0" strike="noStrike" sz="1800" u="none" kumimoji="0" normalizeH="0">
+          <a:defRPr kumimoji="0" sz="1800" b="0" i="0" u="none" strike="noStrike" cap="none" spc="0" normalizeH="0" baseline="0">
             <a:ln>
               <a:noFill/>
             </a:ln>
@@ -5260,7 +5383,7 @@
           <a:buFontTx/>
           <a:buNone/>
           <a:tabLst/>
-          <a:defRPr b="0" baseline="0" cap="none" i="0" spc="0" strike="noStrike" sz="1800" u="none" kumimoji="0" normalizeH="0">
+          <a:defRPr kumimoji="0" sz="1800" b="0" i="0" u="none" strike="noStrike" cap="none" spc="0" normalizeH="0" baseline="0">
             <a:ln>
               <a:noFill/>
             </a:ln>
@@ -5286,7 +5409,7 @@
           <a:buFontTx/>
           <a:buNone/>
           <a:tabLst/>
-          <a:defRPr b="0" baseline="0" cap="none" i="0" spc="0" strike="noStrike" sz="1800" u="none" kumimoji="0" normalizeH="0">
+          <a:defRPr kumimoji="0" sz="1800" b="0" i="0" u="none" strike="noStrike" cap="none" spc="0" normalizeH="0" baseline="0">
             <a:ln>
               <a:noFill/>
             </a:ln>
@@ -5312,7 +5435,7 @@
           <a:buFontTx/>
           <a:buNone/>
           <a:tabLst/>
-          <a:defRPr b="0" baseline="0" cap="none" i="0" spc="0" strike="noStrike" sz="1800" u="none" kumimoji="0" normalizeH="0">
+          <a:defRPr kumimoji="0" sz="1800" b="0" i="0" u="none" strike="noStrike" cap="none" spc="0" normalizeH="0" baseline="0">
             <a:ln>
               <a:noFill/>
             </a:ln>
@@ -5325,9 +5448,15 @@
         </a:lvl9pPr>
       </a:lstStyle>
       <a:style>
-        <a:lnRef idx="0"/>
-        <a:fillRef idx="0"/>
-        <a:effectRef idx="0"/>
+        <a:lnRef idx="0">
+          <a:scrgbClr r="0" g="0" b="0"/>
+        </a:lnRef>
+        <a:fillRef idx="0">
+          <a:scrgbClr r="0" g="0" b="0"/>
+        </a:fillRef>
+        <a:effectRef idx="0">
+          <a:scrgbClr r="0" g="0" b="0"/>
+        </a:effectRef>
         <a:fontRef idx="none"/>
       </a:style>
     </a:spDef>
@@ -5342,14 +5471,14 @@
           <a:bevel/>
         </a:ln>
         <a:effectLst>
-          <a:outerShdw sx="100000" sy="100000" kx="0" ky="0" algn="b" rotWithShape="0" blurRad="38100" dist="20000" dir="5400000">
+          <a:outerShdw blurRad="38100" dist="20000" dir="5400000" rotWithShape="0">
             <a:srgbClr val="000000">
               <a:alpha val="38000"/>
             </a:srgbClr>
           </a:outerShdw>
         </a:effectLst>
       </a:spPr>
-      <a:bodyPr rot="0" spcFirstLastPara="1" vertOverflow="overflow" horzOverflow="overflow" vert="horz" wrap="square" lIns="91439" tIns="45719" rIns="91439" bIns="45719" numCol="1" spcCol="38100" rtlCol="0" anchor="t" upright="0">
+      <a:bodyPr rot="0" spcFirstLastPara="1" vertOverflow="overflow" horzOverflow="overflow" vert="horz" wrap="square" lIns="91439" tIns="45719" rIns="91439" bIns="45719" numCol="1" spcCol="38100" rtlCol="0" anchor="t">
         <a:noAutofit/>
       </a:bodyPr>
       <a:lstStyle>
@@ -5368,7 +5497,7 @@
           <a:buFontTx/>
           <a:buNone/>
           <a:tabLst/>
-          <a:defRPr b="0" baseline="0" cap="none" i="0" spc="0" strike="noStrike" sz="1800" u="none" kumimoji="0" normalizeH="0">
+          <a:defRPr kumimoji="0" sz="1800" b="0" i="0" u="none" strike="noStrike" cap="none" spc="0" normalizeH="0" baseline="0">
             <a:ln>
               <a:noFill/>
             </a:ln>
@@ -5394,7 +5523,7 @@
           <a:buFontTx/>
           <a:buNone/>
           <a:tabLst/>
-          <a:defRPr b="0" baseline="0" cap="none" i="0" spc="0" strike="noStrike" sz="1800" u="none" kumimoji="0" normalizeH="0">
+          <a:defRPr kumimoji="0" sz="1800" b="0" i="0" u="none" strike="noStrike" cap="none" spc="0" normalizeH="0" baseline="0">
             <a:ln>
               <a:noFill/>
             </a:ln>
@@ -5420,7 +5549,7 @@
           <a:buFontTx/>
           <a:buNone/>
           <a:tabLst/>
-          <a:defRPr b="0" baseline="0" cap="none" i="0" spc="0" strike="noStrike" sz="1800" u="none" kumimoji="0" normalizeH="0">
+          <a:defRPr kumimoji="0" sz="1800" b="0" i="0" u="none" strike="noStrike" cap="none" spc="0" normalizeH="0" baseline="0">
             <a:ln>
               <a:noFill/>
             </a:ln>
@@ -5446,7 +5575,7 @@
           <a:buFontTx/>
           <a:buNone/>
           <a:tabLst/>
-          <a:defRPr b="0" baseline="0" cap="none" i="0" spc="0" strike="noStrike" sz="1800" u="none" kumimoji="0" normalizeH="0">
+          <a:defRPr kumimoji="0" sz="1800" b="0" i="0" u="none" strike="noStrike" cap="none" spc="0" normalizeH="0" baseline="0">
             <a:ln>
               <a:noFill/>
             </a:ln>
@@ -5472,7 +5601,7 @@
           <a:buFontTx/>
           <a:buNone/>
           <a:tabLst/>
-          <a:defRPr b="0" baseline="0" cap="none" i="0" spc="0" strike="noStrike" sz="1800" u="none" kumimoji="0" normalizeH="0">
+          <a:defRPr kumimoji="0" sz="1800" b="0" i="0" u="none" strike="noStrike" cap="none" spc="0" normalizeH="0" baseline="0">
             <a:ln>
               <a:noFill/>
             </a:ln>
@@ -5498,7 +5627,7 @@
           <a:buFontTx/>
           <a:buNone/>
           <a:tabLst/>
-          <a:defRPr b="0" baseline="0" cap="none" i="0" spc="0" strike="noStrike" sz="1800" u="none" kumimoji="0" normalizeH="0">
+          <a:defRPr kumimoji="0" sz="1800" b="0" i="0" u="none" strike="noStrike" cap="none" spc="0" normalizeH="0" baseline="0">
             <a:ln>
               <a:noFill/>
             </a:ln>
@@ -5524,7 +5653,7 @@
           <a:buFontTx/>
           <a:buNone/>
           <a:tabLst/>
-          <a:defRPr b="0" baseline="0" cap="none" i="0" spc="0" strike="noStrike" sz="1800" u="none" kumimoji="0" normalizeH="0">
+          <a:defRPr kumimoji="0" sz="1800" b="0" i="0" u="none" strike="noStrike" cap="none" spc="0" normalizeH="0" baseline="0">
             <a:ln>
               <a:noFill/>
             </a:ln>
@@ -5550,7 +5679,7 @@
           <a:buFontTx/>
           <a:buNone/>
           <a:tabLst/>
-          <a:defRPr b="0" baseline="0" cap="none" i="0" spc="0" strike="noStrike" sz="1800" u="none" kumimoji="0" normalizeH="0">
+          <a:defRPr kumimoji="0" sz="1800" b="0" i="0" u="none" strike="noStrike" cap="none" spc="0" normalizeH="0" baseline="0">
             <a:ln>
               <a:noFill/>
             </a:ln>
@@ -5576,7 +5705,7 @@
           <a:buFontTx/>
           <a:buNone/>
           <a:tabLst/>
-          <a:defRPr b="0" baseline="0" cap="none" i="0" spc="0" strike="noStrike" sz="1800" u="none" kumimoji="0" normalizeH="0">
+          <a:defRPr kumimoji="0" sz="1800" b="0" i="0" u="none" strike="noStrike" cap="none" spc="0" normalizeH="0" baseline="0">
             <a:ln>
               <a:noFill/>
             </a:ln>
@@ -5602,7 +5731,7 @@
           <a:buFontTx/>
           <a:buNone/>
           <a:tabLst/>
-          <a:defRPr b="0" baseline="0" cap="none" i="0" spc="0" strike="noStrike" sz="1800" u="none" kumimoji="0" normalizeH="0">
+          <a:defRPr kumimoji="0" sz="1800" b="0" i="0" u="none" strike="noStrike" cap="none" spc="0" normalizeH="0" baseline="0">
             <a:ln>
               <a:noFill/>
             </a:ln>
@@ -5615,9 +5744,15 @@
         </a:lvl9pPr>
       </a:lstStyle>
       <a:style>
-        <a:lnRef idx="0"/>
-        <a:fillRef idx="0"/>
-        <a:effectRef idx="0"/>
+        <a:lnRef idx="0">
+          <a:scrgbClr r="0" g="0" b="0"/>
+        </a:lnRef>
+        <a:fillRef idx="0">
+          <a:scrgbClr r="0" g="0" b="0"/>
+        </a:fillRef>
+        <a:effectRef idx="0">
+          <a:scrgbClr r="0" g="0" b="0"/>
+        </a:effectRef>
         <a:fontRef idx="none"/>
       </a:style>
     </a:lnDef>
@@ -5630,7 +5765,7 @@
         </a:ln>
         <a:effectLst/>
       </a:spPr>
-      <a:bodyPr rot="0" spcFirstLastPara="1" vertOverflow="overflow" horzOverflow="overflow" vert="horz" wrap="square" lIns="45719" tIns="45719" rIns="45719" bIns="45719" numCol="1" spcCol="38100" rtlCol="0" anchor="t" upright="0">
+      <a:bodyPr rot="0" spcFirstLastPara="1" vertOverflow="overflow" horzOverflow="overflow" vert="horz" wrap="square" lIns="45719" tIns="45719" rIns="45719" bIns="45719" numCol="1" spcCol="38100" rtlCol="0" anchor="t">
         <a:spAutoFit/>
       </a:bodyPr>
       <a:lstStyle>
@@ -5649,7 +5784,7 @@
           <a:buFontTx/>
           <a:buNone/>
           <a:tabLst/>
-          <a:defRPr b="0" baseline="0" cap="none" i="0" spc="0" strike="noStrike" sz="6900" u="none" kumimoji="0" normalizeH="0">
+          <a:defRPr kumimoji="0" sz="6900" b="0" i="0" u="none" strike="noStrike" cap="none" spc="0" normalizeH="0" baseline="0">
             <a:ln>
               <a:noFill/>
             </a:ln>
@@ -5679,7 +5814,7 @@
           <a:buFontTx/>
           <a:buNone/>
           <a:tabLst/>
-          <a:defRPr b="0" baseline="0" cap="none" i="0" spc="0" strike="noStrike" sz="1800" u="none" kumimoji="0" normalizeH="0">
+          <a:defRPr kumimoji="0" sz="1800" b="0" i="0" u="none" strike="noStrike" cap="none" spc="0" normalizeH="0" baseline="0">
             <a:ln>
               <a:noFill/>
             </a:ln>
@@ -5705,7 +5840,7 @@
           <a:buFontTx/>
           <a:buNone/>
           <a:tabLst/>
-          <a:defRPr b="0" baseline="0" cap="none" i="0" spc="0" strike="noStrike" sz="1800" u="none" kumimoji="0" normalizeH="0">
+          <a:defRPr kumimoji="0" sz="1800" b="0" i="0" u="none" strike="noStrike" cap="none" spc="0" normalizeH="0" baseline="0">
             <a:ln>
               <a:noFill/>
             </a:ln>
@@ -5731,7 +5866,7 @@
           <a:buFontTx/>
           <a:buNone/>
           <a:tabLst/>
-          <a:defRPr b="0" baseline="0" cap="none" i="0" spc="0" strike="noStrike" sz="1800" u="none" kumimoji="0" normalizeH="0">
+          <a:defRPr kumimoji="0" sz="1800" b="0" i="0" u="none" strike="noStrike" cap="none" spc="0" normalizeH="0" baseline="0">
             <a:ln>
               <a:noFill/>
             </a:ln>
@@ -5757,7 +5892,7 @@
           <a:buFontTx/>
           <a:buNone/>
           <a:tabLst/>
-          <a:defRPr b="0" baseline="0" cap="none" i="0" spc="0" strike="noStrike" sz="1800" u="none" kumimoji="0" normalizeH="0">
+          <a:defRPr kumimoji="0" sz="1800" b="0" i="0" u="none" strike="noStrike" cap="none" spc="0" normalizeH="0" baseline="0">
             <a:ln>
               <a:noFill/>
             </a:ln>
@@ -5783,7 +5918,7 @@
           <a:buFontTx/>
           <a:buNone/>
           <a:tabLst/>
-          <a:defRPr b="0" baseline="0" cap="none" i="0" spc="0" strike="noStrike" sz="1800" u="none" kumimoji="0" normalizeH="0">
+          <a:defRPr kumimoji="0" sz="1800" b="0" i="0" u="none" strike="noStrike" cap="none" spc="0" normalizeH="0" baseline="0">
             <a:ln>
               <a:noFill/>
             </a:ln>
@@ -5809,7 +5944,7 @@
           <a:buFontTx/>
           <a:buNone/>
           <a:tabLst/>
-          <a:defRPr b="0" baseline="0" cap="none" i="0" spc="0" strike="noStrike" sz="1800" u="none" kumimoji="0" normalizeH="0">
+          <a:defRPr kumimoji="0" sz="1800" b="0" i="0" u="none" strike="noStrike" cap="none" spc="0" normalizeH="0" baseline="0">
             <a:ln>
               <a:noFill/>
             </a:ln>
@@ -5835,7 +5970,7 @@
           <a:buFontTx/>
           <a:buNone/>
           <a:tabLst/>
-          <a:defRPr b="0" baseline="0" cap="none" i="0" spc="0" strike="noStrike" sz="1800" u="none" kumimoji="0" normalizeH="0">
+          <a:defRPr kumimoji="0" sz="1800" b="0" i="0" u="none" strike="noStrike" cap="none" spc="0" normalizeH="0" baseline="0">
             <a:ln>
               <a:noFill/>
             </a:ln>
@@ -5861,7 +5996,7 @@
           <a:buFontTx/>
           <a:buNone/>
           <a:tabLst/>
-          <a:defRPr b="0" baseline="0" cap="none" i="0" spc="0" strike="noStrike" sz="1800" u="none" kumimoji="0" normalizeH="0">
+          <a:defRPr kumimoji="0" sz="1800" b="0" i="0" u="none" strike="noStrike" cap="none" spc="0" normalizeH="0" baseline="0">
             <a:ln>
               <a:noFill/>
             </a:ln>
@@ -5887,7 +6022,7 @@
           <a:buFontTx/>
           <a:buNone/>
           <a:tabLst/>
-          <a:defRPr b="0" baseline="0" cap="none" i="0" spc="0" strike="noStrike" sz="1800" u="none" kumimoji="0" normalizeH="0">
+          <a:defRPr kumimoji="0" sz="1800" b="0" i="0" u="none" strike="noStrike" cap="none" spc="0" normalizeH="0" baseline="0">
             <a:ln>
               <a:noFill/>
             </a:ln>
@@ -5900,18 +6035,25 @@
         </a:lvl9pPr>
       </a:lstStyle>
       <a:style>
-        <a:lnRef idx="0"/>
-        <a:fillRef idx="0"/>
-        <a:effectRef idx="0"/>
+        <a:lnRef idx="0">
+          <a:scrgbClr r="0" g="0" b="0"/>
+        </a:lnRef>
+        <a:fillRef idx="0">
+          <a:scrgbClr r="0" g="0" b="0"/>
+        </a:fillRef>
+        <a:effectRef idx="0">
+          <a:scrgbClr r="0" g="0" b="0"/>
+        </a:effectRef>
         <a:fontRef idx="none"/>
       </a:style>
     </a:txDef>
   </a:objectDefaults>
+  <a:extraClrSchemeLst/>
 </a:theme>
 </file>
 
 <file path=ppt/theme/theme2.xml><?xml version="1.0" encoding="utf-8"?>
-<a:theme xmlns:a="http://schemas.openxmlformats.org/drawingml/2006/main" xmlns:r="http://schemas.openxmlformats.org/officeDocument/2006/relationships" name="Default">
+<a:theme xmlns:a="http://schemas.openxmlformats.org/drawingml/2006/main" name="Default">
   <a:themeElements>
     <a:clrScheme name="Default">
       <a:dk1>
@@ -6043,7 +6185,7 @@
         </a:effectStyle>
         <a:effectStyle>
           <a:effectLst>
-            <a:outerShdw sx="100000" sy="100000" kx="0" ky="0" algn="b" rotWithShape="0" blurRad="38100" dist="20000" dir="5400000">
+            <a:outerShdw blurRad="38100" dist="20000" dir="5400000" rotWithShape="0">
               <a:srgbClr val="000000">
                 <a:alpha val="38000"/>
               </a:srgbClr>
@@ -6118,7 +6260,7 @@
         </a:ln>
         <a:effectLst/>
       </a:spPr>
-      <a:bodyPr rot="0" spcFirstLastPara="1" vertOverflow="overflow" horzOverflow="overflow" vert="horz" wrap="square" lIns="45719" tIns="45719" rIns="45719" bIns="45719" numCol="1" spcCol="38100" rtlCol="0" anchor="t" upright="0">
+      <a:bodyPr rot="0" spcFirstLastPara="1" vertOverflow="overflow" horzOverflow="overflow" vert="horz" wrap="square" lIns="45719" tIns="45719" rIns="45719" bIns="45719" numCol="1" spcCol="38100" rtlCol="0" anchor="t">
         <a:spAutoFit/>
       </a:bodyPr>
       <a:lstStyle>
@@ -6137,7 +6279,7 @@
           <a:buFontTx/>
           <a:buNone/>
           <a:tabLst/>
-          <a:defRPr b="0" baseline="0" cap="none" i="0" spc="0" strike="noStrike" sz="6900" u="none" kumimoji="0" normalizeH="0">
+          <a:defRPr kumimoji="0" sz="6900" b="0" i="0" u="none" strike="noStrike" cap="none" spc="0" normalizeH="0" baseline="0">
             <a:ln>
               <a:noFill/>
             </a:ln>
@@ -6167,7 +6309,7 @@
           <a:buFontTx/>
           <a:buNone/>
           <a:tabLst/>
-          <a:defRPr b="0" baseline="0" cap="none" i="0" spc="0" strike="noStrike" sz="1800" u="none" kumimoji="0" normalizeH="0">
+          <a:defRPr kumimoji="0" sz="1800" b="0" i="0" u="none" strike="noStrike" cap="none" spc="0" normalizeH="0" baseline="0">
             <a:ln>
               <a:noFill/>
             </a:ln>
@@ -6193,7 +6335,7 @@
           <a:buFontTx/>
           <a:buNone/>
           <a:tabLst/>
-          <a:defRPr b="0" baseline="0" cap="none" i="0" spc="0" strike="noStrike" sz="1800" u="none" kumimoji="0" normalizeH="0">
+          <a:defRPr kumimoji="0" sz="1800" b="0" i="0" u="none" strike="noStrike" cap="none" spc="0" normalizeH="0" baseline="0">
             <a:ln>
               <a:noFill/>
             </a:ln>
@@ -6219,7 +6361,7 @@
           <a:buFontTx/>
           <a:buNone/>
           <a:tabLst/>
-          <a:defRPr b="0" baseline="0" cap="none" i="0" spc="0" strike="noStrike" sz="1800" u="none" kumimoji="0" normalizeH="0">
+          <a:defRPr kumimoji="0" sz="1800" b="0" i="0" u="none" strike="noStrike" cap="none" spc="0" normalizeH="0" baseline="0">
             <a:ln>
               <a:noFill/>
             </a:ln>
@@ -6245,7 +6387,7 @@
           <a:buFontTx/>
           <a:buNone/>
           <a:tabLst/>
-          <a:defRPr b="0" baseline="0" cap="none" i="0" spc="0" strike="noStrike" sz="1800" u="none" kumimoji="0" normalizeH="0">
+          <a:defRPr kumimoji="0" sz="1800" b="0" i="0" u="none" strike="noStrike" cap="none" spc="0" normalizeH="0" baseline="0">
             <a:ln>
               <a:noFill/>
             </a:ln>
@@ -6271,7 +6413,7 @@
           <a:buFontTx/>
           <a:buNone/>
           <a:tabLst/>
-          <a:defRPr b="0" baseline="0" cap="none" i="0" spc="0" strike="noStrike" sz="1800" u="none" kumimoji="0" normalizeH="0">
+          <a:defRPr kumimoji="0" sz="1800" b="0" i="0" u="none" strike="noStrike" cap="none" spc="0" normalizeH="0" baseline="0">
             <a:ln>
               <a:noFill/>
             </a:ln>
@@ -6297,7 +6439,7 @@
           <a:buFontTx/>
           <a:buNone/>
           <a:tabLst/>
-          <a:defRPr b="0" baseline="0" cap="none" i="0" spc="0" strike="noStrike" sz="1800" u="none" kumimoji="0" normalizeH="0">
+          <a:defRPr kumimoji="0" sz="1800" b="0" i="0" u="none" strike="noStrike" cap="none" spc="0" normalizeH="0" baseline="0">
             <a:ln>
               <a:noFill/>
             </a:ln>
@@ -6323,7 +6465,7 @@
           <a:buFontTx/>
           <a:buNone/>
           <a:tabLst/>
-          <a:defRPr b="0" baseline="0" cap="none" i="0" spc="0" strike="noStrike" sz="1800" u="none" kumimoji="0" normalizeH="0">
+          <a:defRPr kumimoji="0" sz="1800" b="0" i="0" u="none" strike="noStrike" cap="none" spc="0" normalizeH="0" baseline="0">
             <a:ln>
               <a:noFill/>
             </a:ln>
@@ -6349,7 +6491,7 @@
           <a:buFontTx/>
           <a:buNone/>
           <a:tabLst/>
-          <a:defRPr b="0" baseline="0" cap="none" i="0" spc="0" strike="noStrike" sz="1800" u="none" kumimoji="0" normalizeH="0">
+          <a:defRPr kumimoji="0" sz="1800" b="0" i="0" u="none" strike="noStrike" cap="none" spc="0" normalizeH="0" baseline="0">
             <a:ln>
               <a:noFill/>
             </a:ln>
@@ -6375,7 +6517,7 @@
           <a:buFontTx/>
           <a:buNone/>
           <a:tabLst/>
-          <a:defRPr b="0" baseline="0" cap="none" i="0" spc="0" strike="noStrike" sz="1800" u="none" kumimoji="0" normalizeH="0">
+          <a:defRPr kumimoji="0" sz="1800" b="0" i="0" u="none" strike="noStrike" cap="none" spc="0" normalizeH="0" baseline="0">
             <a:ln>
               <a:noFill/>
             </a:ln>
@@ -6388,9 +6530,15 @@
         </a:lvl9pPr>
       </a:lstStyle>
       <a:style>
-        <a:lnRef idx="0"/>
-        <a:fillRef idx="0"/>
-        <a:effectRef idx="0"/>
+        <a:lnRef idx="0">
+          <a:scrgbClr r="0" g="0" b="0"/>
+        </a:lnRef>
+        <a:fillRef idx="0">
+          <a:scrgbClr r="0" g="0" b="0"/>
+        </a:fillRef>
+        <a:effectRef idx="0">
+          <a:scrgbClr r="0" g="0" b="0"/>
+        </a:effectRef>
         <a:fontRef idx="none"/>
       </a:style>
     </a:spDef>
@@ -6405,14 +6553,14 @@
           <a:bevel/>
         </a:ln>
         <a:effectLst>
-          <a:outerShdw sx="100000" sy="100000" kx="0" ky="0" algn="b" rotWithShape="0" blurRad="38100" dist="20000" dir="5400000">
+          <a:outerShdw blurRad="38100" dist="20000" dir="5400000" rotWithShape="0">
             <a:srgbClr val="000000">
               <a:alpha val="38000"/>
             </a:srgbClr>
           </a:outerShdw>
         </a:effectLst>
       </a:spPr>
-      <a:bodyPr rot="0" spcFirstLastPara="1" vertOverflow="overflow" horzOverflow="overflow" vert="horz" wrap="square" lIns="91439" tIns="45719" rIns="91439" bIns="45719" numCol="1" spcCol="38100" rtlCol="0" anchor="t" upright="0">
+      <a:bodyPr rot="0" spcFirstLastPara="1" vertOverflow="overflow" horzOverflow="overflow" vert="horz" wrap="square" lIns="91439" tIns="45719" rIns="91439" bIns="45719" numCol="1" spcCol="38100" rtlCol="0" anchor="t">
         <a:noAutofit/>
       </a:bodyPr>
       <a:lstStyle>
@@ -6431,7 +6579,7 @@
           <a:buFontTx/>
           <a:buNone/>
           <a:tabLst/>
-          <a:defRPr b="0" baseline="0" cap="none" i="0" spc="0" strike="noStrike" sz="1800" u="none" kumimoji="0" normalizeH="0">
+          <a:defRPr kumimoji="0" sz="1800" b="0" i="0" u="none" strike="noStrike" cap="none" spc="0" normalizeH="0" baseline="0">
             <a:ln>
               <a:noFill/>
             </a:ln>
@@ -6457,7 +6605,7 @@
           <a:buFontTx/>
           <a:buNone/>
           <a:tabLst/>
-          <a:defRPr b="0" baseline="0" cap="none" i="0" spc="0" strike="noStrike" sz="1800" u="none" kumimoji="0" normalizeH="0">
+          <a:defRPr kumimoji="0" sz="1800" b="0" i="0" u="none" strike="noStrike" cap="none" spc="0" normalizeH="0" baseline="0">
             <a:ln>
               <a:noFill/>
             </a:ln>
@@ -6483,7 +6631,7 @@
           <a:buFontTx/>
           <a:buNone/>
           <a:tabLst/>
-          <a:defRPr b="0" baseline="0" cap="none" i="0" spc="0" strike="noStrike" sz="1800" u="none" kumimoji="0" normalizeH="0">
+          <a:defRPr kumimoji="0" sz="1800" b="0" i="0" u="none" strike="noStrike" cap="none" spc="0" normalizeH="0" baseline="0">
             <a:ln>
               <a:noFill/>
             </a:ln>
@@ -6509,7 +6657,7 @@
           <a:buFontTx/>
           <a:buNone/>
           <a:tabLst/>
-          <a:defRPr b="0" baseline="0" cap="none" i="0" spc="0" strike="noStrike" sz="1800" u="none" kumimoji="0" normalizeH="0">
+          <a:defRPr kumimoji="0" sz="1800" b="0" i="0" u="none" strike="noStrike" cap="none" spc="0" normalizeH="0" baseline="0">
             <a:ln>
               <a:noFill/>
             </a:ln>
@@ -6535,7 +6683,7 @@
           <a:buFontTx/>
           <a:buNone/>
           <a:tabLst/>
-          <a:defRPr b="0" baseline="0" cap="none" i="0" spc="0" strike="noStrike" sz="1800" u="none" kumimoji="0" normalizeH="0">
+          <a:defRPr kumimoji="0" sz="1800" b="0" i="0" u="none" strike="noStrike" cap="none" spc="0" normalizeH="0" baseline="0">
             <a:ln>
               <a:noFill/>
             </a:ln>
@@ -6561,7 +6709,7 @@
           <a:buFontTx/>
           <a:buNone/>
           <a:tabLst/>
-          <a:defRPr b="0" baseline="0" cap="none" i="0" spc="0" strike="noStrike" sz="1800" u="none" kumimoji="0" normalizeH="0">
+          <a:defRPr kumimoji="0" sz="1800" b="0" i="0" u="none" strike="noStrike" cap="none" spc="0" normalizeH="0" baseline="0">
             <a:ln>
               <a:noFill/>
             </a:ln>
@@ -6587,7 +6735,7 @@
           <a:buFontTx/>
           <a:buNone/>
           <a:tabLst/>
-          <a:defRPr b="0" baseline="0" cap="none" i="0" spc="0" strike="noStrike" sz="1800" u="none" kumimoji="0" normalizeH="0">
+          <a:defRPr kumimoji="0" sz="1800" b="0" i="0" u="none" strike="noStrike" cap="none" spc="0" normalizeH="0" baseline="0">
             <a:ln>
               <a:noFill/>
             </a:ln>
@@ -6613,7 +6761,7 @@
           <a:buFontTx/>
           <a:buNone/>
           <a:tabLst/>
-          <a:defRPr b="0" baseline="0" cap="none" i="0" spc="0" strike="noStrike" sz="1800" u="none" kumimoji="0" normalizeH="0">
+          <a:defRPr kumimoji="0" sz="1800" b="0" i="0" u="none" strike="noStrike" cap="none" spc="0" normalizeH="0" baseline="0">
             <a:ln>
               <a:noFill/>
             </a:ln>
@@ -6639,7 +6787,7 @@
           <a:buFontTx/>
           <a:buNone/>
           <a:tabLst/>
-          <a:defRPr b="0" baseline="0" cap="none" i="0" spc="0" strike="noStrike" sz="1800" u="none" kumimoji="0" normalizeH="0">
+          <a:defRPr kumimoji="0" sz="1800" b="0" i="0" u="none" strike="noStrike" cap="none" spc="0" normalizeH="0" baseline="0">
             <a:ln>
               <a:noFill/>
             </a:ln>
@@ -6665,7 +6813,7 @@
           <a:buFontTx/>
           <a:buNone/>
           <a:tabLst/>
-          <a:defRPr b="0" baseline="0" cap="none" i="0" spc="0" strike="noStrike" sz="1800" u="none" kumimoji="0" normalizeH="0">
+          <a:defRPr kumimoji="0" sz="1800" b="0" i="0" u="none" strike="noStrike" cap="none" spc="0" normalizeH="0" baseline="0">
             <a:ln>
               <a:noFill/>
             </a:ln>
@@ -6678,9 +6826,15 @@
         </a:lvl9pPr>
       </a:lstStyle>
       <a:style>
-        <a:lnRef idx="0"/>
-        <a:fillRef idx="0"/>
-        <a:effectRef idx="0"/>
+        <a:lnRef idx="0">
+          <a:scrgbClr r="0" g="0" b="0"/>
+        </a:lnRef>
+        <a:fillRef idx="0">
+          <a:scrgbClr r="0" g="0" b="0"/>
+        </a:fillRef>
+        <a:effectRef idx="0">
+          <a:scrgbClr r="0" g="0" b="0"/>
+        </a:effectRef>
         <a:fontRef idx="none"/>
       </a:style>
     </a:lnDef>
@@ -6693,7 +6847,7 @@
         </a:ln>
         <a:effectLst/>
       </a:spPr>
-      <a:bodyPr rot="0" spcFirstLastPara="1" vertOverflow="overflow" horzOverflow="overflow" vert="horz" wrap="square" lIns="45719" tIns="45719" rIns="45719" bIns="45719" numCol="1" spcCol="38100" rtlCol="0" anchor="t" upright="0">
+      <a:bodyPr rot="0" spcFirstLastPara="1" vertOverflow="overflow" horzOverflow="overflow" vert="horz" wrap="square" lIns="45719" tIns="45719" rIns="45719" bIns="45719" numCol="1" spcCol="38100" rtlCol="0" anchor="t">
         <a:spAutoFit/>
       </a:bodyPr>
       <a:lstStyle>
@@ -6712,7 +6866,7 @@
           <a:buFontTx/>
           <a:buNone/>
           <a:tabLst/>
-          <a:defRPr b="0" baseline="0" cap="none" i="0" spc="0" strike="noStrike" sz="6900" u="none" kumimoji="0" normalizeH="0">
+          <a:defRPr kumimoji="0" sz="6900" b="0" i="0" u="none" strike="noStrike" cap="none" spc="0" normalizeH="0" baseline="0">
             <a:ln>
               <a:noFill/>
             </a:ln>
@@ -6742,7 +6896,7 @@
           <a:buFontTx/>
           <a:buNone/>
           <a:tabLst/>
-          <a:defRPr b="0" baseline="0" cap="none" i="0" spc="0" strike="noStrike" sz="1800" u="none" kumimoji="0" normalizeH="0">
+          <a:defRPr kumimoji="0" sz="1800" b="0" i="0" u="none" strike="noStrike" cap="none" spc="0" normalizeH="0" baseline="0">
             <a:ln>
               <a:noFill/>
             </a:ln>
@@ -6768,7 +6922,7 @@
           <a:buFontTx/>
           <a:buNone/>
           <a:tabLst/>
-          <a:defRPr b="0" baseline="0" cap="none" i="0" spc="0" strike="noStrike" sz="1800" u="none" kumimoji="0" normalizeH="0">
+          <a:defRPr kumimoji="0" sz="1800" b="0" i="0" u="none" strike="noStrike" cap="none" spc="0" normalizeH="0" baseline="0">
             <a:ln>
               <a:noFill/>
             </a:ln>
@@ -6794,7 +6948,7 @@
           <a:buFontTx/>
           <a:buNone/>
           <a:tabLst/>
-          <a:defRPr b="0" baseline="0" cap="none" i="0" spc="0" strike="noStrike" sz="1800" u="none" kumimoji="0" normalizeH="0">
+          <a:defRPr kumimoji="0" sz="1800" b="0" i="0" u="none" strike="noStrike" cap="none" spc="0" normalizeH="0" baseline="0">
             <a:ln>
               <a:noFill/>
             </a:ln>
@@ -6820,7 +6974,7 @@
           <a:buFontTx/>
           <a:buNone/>
           <a:tabLst/>
-          <a:defRPr b="0" baseline="0" cap="none" i="0" spc="0" strike="noStrike" sz="1800" u="none" kumimoji="0" normalizeH="0">
+          <a:defRPr kumimoji="0" sz="1800" b="0" i="0" u="none" strike="noStrike" cap="none" spc="0" normalizeH="0" baseline="0">
             <a:ln>
               <a:noFill/>
             </a:ln>
@@ -6846,7 +7000,7 @@
           <a:buFontTx/>
           <a:buNone/>
           <a:tabLst/>
-          <a:defRPr b="0" baseline="0" cap="none" i="0" spc="0" strike="noStrike" sz="1800" u="none" kumimoji="0" normalizeH="0">
+          <a:defRPr kumimoji="0" sz="1800" b="0" i="0" u="none" strike="noStrike" cap="none" spc="0" normalizeH="0" baseline="0">
             <a:ln>
               <a:noFill/>
             </a:ln>
@@ -6872,7 +7026,7 @@
           <a:buFontTx/>
           <a:buNone/>
           <a:tabLst/>
-          <a:defRPr b="0" baseline="0" cap="none" i="0" spc="0" strike="noStrike" sz="1800" u="none" kumimoji="0" normalizeH="0">
+          <a:defRPr kumimoji="0" sz="1800" b="0" i="0" u="none" strike="noStrike" cap="none" spc="0" normalizeH="0" baseline="0">
             <a:ln>
               <a:noFill/>
             </a:ln>
@@ -6898,7 +7052,7 @@
           <a:buFontTx/>
           <a:buNone/>
           <a:tabLst/>
-          <a:defRPr b="0" baseline="0" cap="none" i="0" spc="0" strike="noStrike" sz="1800" u="none" kumimoji="0" normalizeH="0">
+          <a:defRPr kumimoji="0" sz="1800" b="0" i="0" u="none" strike="noStrike" cap="none" spc="0" normalizeH="0" baseline="0">
             <a:ln>
               <a:noFill/>
             </a:ln>
@@ -6924,7 +7078,7 @@
           <a:buFontTx/>
           <a:buNone/>
           <a:tabLst/>
-          <a:defRPr b="0" baseline="0" cap="none" i="0" spc="0" strike="noStrike" sz="1800" u="none" kumimoji="0" normalizeH="0">
+          <a:defRPr kumimoji="0" sz="1800" b="0" i="0" u="none" strike="noStrike" cap="none" spc="0" normalizeH="0" baseline="0">
             <a:ln>
               <a:noFill/>
             </a:ln>
@@ -6950,7 +7104,7 @@
           <a:buFontTx/>
           <a:buNone/>
           <a:tabLst/>
-          <a:defRPr b="0" baseline="0" cap="none" i="0" spc="0" strike="noStrike" sz="1800" u="none" kumimoji="0" normalizeH="0">
+          <a:defRPr kumimoji="0" sz="1800" b="0" i="0" u="none" strike="noStrike" cap="none" spc="0" normalizeH="0" baseline="0">
             <a:ln>
               <a:noFill/>
             </a:ln>
@@ -6963,12 +7117,19 @@
         </a:lvl9pPr>
       </a:lstStyle>
       <a:style>
-        <a:lnRef idx="0"/>
-        <a:fillRef idx="0"/>
-        <a:effectRef idx="0"/>
+        <a:lnRef idx="0">
+          <a:scrgbClr r="0" g="0" b="0"/>
+        </a:lnRef>
+        <a:fillRef idx="0">
+          <a:scrgbClr r="0" g="0" b="0"/>
+        </a:fillRef>
+        <a:effectRef idx="0">
+          <a:scrgbClr r="0" g="0" b="0"/>
+        </a:effectRef>
         <a:fontRef idx="none"/>
       </a:style>
     </a:txDef>
   </a:objectDefaults>
+  <a:extraClrSchemeLst/>
 </a:theme>
 </file>
--- a/Poster/poster.pptx
+++ b/Poster/poster.pptx
@@ -1221,8 +1221,8 @@
         </p:nvSpPr>
         <p:spPr>
           <a:xfrm>
-            <a:off x="10187781" y="11229420"/>
-            <a:ext cx="7964488" cy="1800778"/>
+            <a:off x="10187781" y="11193446"/>
+            <a:ext cx="7964488" cy="1872727"/>
           </a:xfrm>
           <a:prstGeom prst="rect">
             <a:avLst/>
@@ -1265,13 +1265,18 @@
               </a:defRPr>
             </a:pPr>
             <a:r>
-              <a:rPr sz="4400" b="1" dirty="0">
+              <a:rPr lang="en-US" sz="4400" b="1" dirty="0" smtClean="0">
                 <a:solidFill>
                   <a:srgbClr val="FFFFFF"/>
                 </a:solidFill>
               </a:rPr>
-              <a:t>Approach</a:t>
-            </a:r>
+              <a:t>Methods</a:t>
+            </a:r>
+            <a:endParaRPr sz="4400" b="1" dirty="0">
+              <a:solidFill>
+                <a:srgbClr val="FFFFFF"/>
+              </a:solidFill>
+            </a:endParaRPr>
           </a:p>
         </p:txBody>
       </p:sp>
@@ -1283,8 +1288,8 @@
         </p:nvSpPr>
         <p:spPr>
           <a:xfrm>
-            <a:off x="10629900" y="35666934"/>
-            <a:ext cx="7085013" cy="1518666"/>
+            <a:off x="19846628" y="21784504"/>
+            <a:ext cx="7658696" cy="1608896"/>
           </a:xfrm>
           <a:prstGeom prst="rect">
             <a:avLst/>
@@ -1299,7 +1304,7 @@
           </a:extLst>
         </p:spPr>
         <p:txBody>
-          <a:bodyPr lIns="42288" tIns="42288" rIns="42288" bIns="42288">
+          <a:bodyPr wrap="square" lIns="42288" tIns="42288" rIns="42288" bIns="42288">
             <a:spAutoFit/>
           </a:bodyPr>
           <a:lstStyle/>
@@ -1308,7 +1313,7 @@
               <a:defRPr sz="1800"/>
             </a:pPr>
             <a:r>
-              <a:rPr sz="3300" b="1">
+              <a:rPr sz="3300" b="1" dirty="0">
                 <a:latin typeface="Arial"/>
                 <a:ea typeface="Arial"/>
                 <a:cs typeface="Arial"/>
@@ -1317,7 +1322,7 @@
               <a:t>Figure 2. (a) </a:t>
             </a:r>
             <a:r>
-              <a:rPr sz="3300">
+              <a:rPr sz="3300" dirty="0">
                 <a:latin typeface="Arial"/>
                 <a:ea typeface="Arial"/>
                 <a:cs typeface="Arial"/>
@@ -1326,7 +1331,7 @@
               <a:t>Sampler values for model coefficients. </a:t>
             </a:r>
             <a:r>
-              <a:rPr sz="3300" b="1">
+              <a:rPr sz="3300" b="1" dirty="0">
                 <a:latin typeface="Arial"/>
                 <a:ea typeface="Arial"/>
                 <a:cs typeface="Arial"/>
@@ -1335,16 +1340,34 @@
               <a:t>(b)</a:t>
             </a:r>
             <a:r>
-              <a:rPr sz="3300">
+              <a:rPr sz="3300" dirty="0">
                 <a:latin typeface="Arial"/>
                 <a:ea typeface="Arial"/>
                 <a:cs typeface="Arial"/>
                 <a:sym typeface="Arial"/>
               </a:rPr>
-              <a:t> Geweke test for convergence.</a:t>
-            </a:r>
-            <a:r>
-              <a:rPr sz="3300" b="1">
+              <a:t> </a:t>
+            </a:r>
+            <a:r>
+              <a:rPr sz="3300" dirty="0" err="1">
+                <a:latin typeface="Arial"/>
+                <a:ea typeface="Arial"/>
+                <a:cs typeface="Arial"/>
+                <a:sym typeface="Arial"/>
+              </a:rPr>
+              <a:t>Geweke</a:t>
+            </a:r>
+            <a:r>
+              <a:rPr sz="3300" dirty="0">
+                <a:latin typeface="Arial"/>
+                <a:ea typeface="Arial"/>
+                <a:cs typeface="Arial"/>
+                <a:sym typeface="Arial"/>
+              </a:rPr>
+              <a:t> test for convergence.</a:t>
+            </a:r>
+            <a:r>
+              <a:rPr sz="3300" b="1" dirty="0">
                 <a:latin typeface="Arial"/>
                 <a:ea typeface="Arial"/>
                 <a:cs typeface="Arial"/>
@@ -1363,7 +1386,7 @@
         </p:nvSpPr>
         <p:spPr>
           <a:xfrm>
-            <a:off x="10164762" y="26307551"/>
+            <a:off x="19732924" y="11229422"/>
             <a:ext cx="8010526" cy="1800778"/>
           </a:xfrm>
           <a:prstGeom prst="rect">
@@ -1425,7 +1448,7 @@
         </p:nvSpPr>
         <p:spPr>
           <a:xfrm>
-            <a:off x="19129375" y="16381136"/>
+            <a:off x="19735800" y="23954822"/>
             <a:ext cx="8013700" cy="1800778"/>
           </a:xfrm>
           <a:prstGeom prst="rect">
@@ -1487,7 +1510,7 @@
         </p:nvSpPr>
         <p:spPr>
           <a:xfrm>
-            <a:off x="19129375" y="28360411"/>
+            <a:off x="19659600" y="30358195"/>
             <a:ext cx="8013700" cy="1800778"/>
           </a:xfrm>
           <a:prstGeom prst="rect">
@@ -1543,61 +1566,13 @@
       </p:sp>
       <p:sp>
         <p:nvSpPr>
-          <p:cNvPr id="23" name="Shape 23"/>
-          <p:cNvSpPr/>
-          <p:nvPr/>
-        </p:nvSpPr>
-        <p:spPr>
-          <a:xfrm>
-            <a:off x="19329400" y="18516600"/>
-            <a:ext cx="7086601" cy="592577"/>
-          </a:xfrm>
-          <a:prstGeom prst="rect">
-            <a:avLst/>
-          </a:prstGeom>
-          <a:ln w="12700">
-            <a:miter lim="400000"/>
-          </a:ln>
-          <a:extLst>
-            <a:ext uri="{C572A759-6A51-4108-AA02-DFA0A04FC94B}">
-              <ma14:wrappingTextBoxFlag xmlns:ma14="http://schemas.microsoft.com/office/mac/drawingml/2011/main" xmlns="" val="1"/>
-            </a:ext>
-          </a:extLst>
-        </p:spPr>
-        <p:txBody>
-          <a:bodyPr lIns="42288" tIns="42288" rIns="42288" bIns="42288">
-            <a:spAutoFit/>
-          </a:bodyPr>
-          <a:lstStyle>
-            <a:lvl1pPr defTabSz="1738312">
-              <a:defRPr sz="3300">
-                <a:latin typeface="Times"/>
-                <a:ea typeface="Times"/>
-                <a:cs typeface="Times"/>
-                <a:sym typeface="Times"/>
-              </a:defRPr>
-            </a:lvl1pPr>
-          </a:lstStyle>
-          <a:p>
-            <a:pPr lvl="0">
-              <a:defRPr sz="1800"/>
-            </a:pPr>
-            <a:r>
-              <a:rPr sz="3300"/>
-              <a:t>blah blah blah</a:t>
-            </a:r>
-          </a:p>
-        </p:txBody>
-      </p:sp>
-      <p:sp>
-        <p:nvSpPr>
           <p:cNvPr id="24" name="Shape 24"/>
           <p:cNvSpPr/>
           <p:nvPr/>
         </p:nvSpPr>
         <p:spPr>
           <a:xfrm>
-            <a:off x="19329400" y="30954662"/>
+            <a:off x="19859625" y="32706823"/>
             <a:ext cx="7518400" cy="2649977"/>
           </a:xfrm>
           <a:prstGeom prst="rect">
@@ -1625,33 +1600,51 @@
               <a:defRPr sz="1800"/>
             </a:pPr>
             <a:r>
-              <a:rPr sz="2600">
+              <a:rPr sz="2600" dirty="0">
                 <a:latin typeface="Times"/>
                 <a:ea typeface="Times"/>
                 <a:cs typeface="Times"/>
                 <a:sym typeface="Times"/>
               </a:rPr>
-              <a:t>[1] UN Water. 2013. World Water Day Day 2013 - Facts and Figures. </a:t>
-            </a:r>
-            <a:r>
-              <a:rPr sz="2600" i="1">
+              <a:t>[1] UN Water. 2013. World Water Day </a:t>
+            </a:r>
+            <a:r>
+              <a:rPr sz="2600" dirty="0" err="1">
                 <a:latin typeface="Times"/>
                 <a:ea typeface="Times"/>
                 <a:cs typeface="Times"/>
                 <a:sym typeface="Times"/>
               </a:rPr>
-              <a:t>www.unwater.org </a:t>
-            </a:r>
-            <a:r>
-              <a:rPr sz="2600">
+              <a:t>Day</a:t>
+            </a:r>
+            <a:r>
+              <a:rPr sz="2600" dirty="0">
                 <a:latin typeface="Times"/>
                 <a:ea typeface="Times"/>
                 <a:cs typeface="Times"/>
                 <a:sym typeface="Times"/>
               </a:rPr>
+              <a:t> 2013 - Facts and Figures. </a:t>
+            </a:r>
+            <a:r>
+              <a:rPr sz="2600" i="1" dirty="0">
+                <a:latin typeface="Times"/>
+                <a:ea typeface="Times"/>
+                <a:cs typeface="Times"/>
+                <a:sym typeface="Times"/>
+              </a:rPr>
+              <a:t>www.unwater.org </a:t>
+            </a:r>
+            <a:r>
+              <a:rPr sz="2600" dirty="0">
+                <a:latin typeface="Times"/>
+                <a:ea typeface="Times"/>
+                <a:cs typeface="Times"/>
+                <a:sym typeface="Times"/>
+              </a:rPr>
               <a:t>. Accessed 29/4/2015</a:t>
             </a:r>
-            <a:endParaRPr sz="6900"/>
+            <a:endParaRPr sz="6900" dirty="0"/>
           </a:p>
           <a:p>
             <a:pPr marL="457200" lvl="0" indent="-457200" defTabSz="1738312">
@@ -1661,25 +1654,43 @@
               <a:defRPr sz="1800"/>
             </a:pPr>
             <a:r>
-              <a:rPr sz="2600">
+              <a:rPr sz="2600" dirty="0">
                 <a:latin typeface="Times"/>
                 <a:ea typeface="Times"/>
                 <a:cs typeface="Times"/>
                 <a:sym typeface="Times"/>
               </a:rPr>
-              <a:t>[2] Morisset J., 2012. Tanzania: Water is life, but access remains a problem. </a:t>
-            </a:r>
-            <a:r>
-              <a:rPr sz="2600" i="1">
+              <a:t>[2] </a:t>
+            </a:r>
+            <a:r>
+              <a:rPr sz="2600" dirty="0" err="1">
                 <a:latin typeface="Times"/>
                 <a:ea typeface="Times"/>
                 <a:cs typeface="Times"/>
                 <a:sym typeface="Times"/>
               </a:rPr>
+              <a:t>Morisset</a:t>
+            </a:r>
+            <a:r>
+              <a:rPr sz="2600" dirty="0">
+                <a:latin typeface="Times"/>
+                <a:ea typeface="Times"/>
+                <a:cs typeface="Times"/>
+                <a:sym typeface="Times"/>
+              </a:rPr>
+              <a:t> J., 2012. Tanzania: Water is life, but access remains a problem. </a:t>
+            </a:r>
+            <a:r>
+              <a:rPr sz="2600" i="1" dirty="0">
+                <a:latin typeface="Times"/>
+                <a:ea typeface="Times"/>
+                <a:cs typeface="Times"/>
+                <a:sym typeface="Times"/>
+              </a:rPr>
               <a:t>blogs.worldbank.org </a:t>
             </a:r>
             <a:r>
-              <a:rPr sz="2600">
+              <a:rPr sz="2600" dirty="0">
                 <a:latin typeface="Times"/>
                 <a:ea typeface="Times"/>
                 <a:cs typeface="Times"/>
@@ -2301,187 +2312,6 @@
           </a:p>
         </p:txBody>
       </p:sp>
-      <mc:AlternateContent xmlns:mc="http://schemas.openxmlformats.org/markup-compatibility/2006">
-        <mc:Choice xmlns:a14="http://schemas.microsoft.com/office/drawing/2010/main" Requires="a14">
-          <p:sp>
-            <p:nvSpPr>
-              <p:cNvPr id="35" name="Shape 35"/>
-              <p:cNvSpPr/>
-              <p:nvPr/>
-            </p:nvSpPr>
-            <p:spPr>
-              <a:xfrm>
-                <a:off x="10471150" y="13607559"/>
-                <a:ext cx="7450138" cy="7702872"/>
-              </a:xfrm>
-              <a:prstGeom prst="rect">
-                <a:avLst/>
-              </a:prstGeom>
-              <a:ln w="12700">
-                <a:miter lim="400000"/>
-              </a:ln>
-              <a:extLst>
-                <a:ext uri="{C572A759-6A51-4108-AA02-DFA0A04FC94B}">
-                  <ma14:wrappingTextBoxFlag xmlns:ma14="http://schemas.microsoft.com/office/mac/drawingml/2011/main" xmlns="" val="1"/>
-                </a:ext>
-              </a:extLst>
-            </p:spPr>
-            <p:txBody>
-              <a:bodyPr lIns="42288" tIns="42288" rIns="42288" bIns="42288">
-                <a:spAutoFit/>
-              </a:bodyPr>
-              <a:lstStyle>
-                <a:lvl1pPr defTabSz="1738312">
-                  <a:defRPr sz="3300">
-                    <a:latin typeface="Arial"/>
-                    <a:ea typeface="Arial"/>
-                    <a:cs typeface="Arial"/>
-                    <a:sym typeface="Arial"/>
-                  </a:defRPr>
-                </a:lvl1pPr>
-              </a:lstStyle>
-              <a:p>
-                <a:pPr lvl="0">
-                  <a:defRPr sz="1800"/>
-                </a:pPr>
-                <a:r>
-                  <a:rPr lang="en-US" sz="3300" dirty="0" smtClean="0"/>
-                  <a:t>To make the categorical labels compatible with Bayesian methods, we assign a range for each label (</a:t>
-                </a:r>
-                <a14:m>
-                  <m:oMath xmlns:m="http://schemas.openxmlformats.org/officeDocument/2006/math">
-                    <m:r>
-                      <a:rPr lang="en-US" sz="3300" b="0" i="1" smtClean="0">
-                        <a:latin typeface="Cambria Math"/>
-                      </a:rPr>
-                      <m:t>0.67&lt;</m:t>
-                    </m:r>
-                    <m:sSub>
-                      <m:sSubPr>
-                        <m:ctrlPr>
-                          <a:rPr lang="en-US" sz="3300" b="0" i="1" smtClean="0">
-                            <a:latin typeface="Cambria Math"/>
-                          </a:rPr>
-                        </m:ctrlPr>
-                      </m:sSubPr>
-                      <m:e>
-                        <m:r>
-                          <a:rPr lang="en-US" sz="3300" b="0" i="1" smtClean="0">
-                            <a:latin typeface="Cambria Math"/>
-                          </a:rPr>
-                          <m:t>𝑦</m:t>
-                        </m:r>
-                      </m:e>
-                      <m:sub>
-                        <m:r>
-                          <a:rPr lang="en-US" sz="3300" b="0" i="1" smtClean="0">
-                            <a:latin typeface="Cambria Math"/>
-                          </a:rPr>
-                          <m:t>𝑖</m:t>
-                        </m:r>
-                      </m:sub>
-                    </m:sSub>
-                    <m:r>
-                      <a:rPr lang="en-US" sz="3300" b="0" i="1" smtClean="0">
-                        <a:latin typeface="Cambria Math"/>
-                      </a:rPr>
-                      <m:t>&lt;1</m:t>
-                    </m:r>
-                  </m:oMath>
-                </a14:m>
-                <a:r>
-                  <a:rPr lang="en-US" sz="3300" dirty="0" smtClean="0"/>
-                  <a:t> implies functional), and model </a:t>
-                </a:r>
-                <a14:m>
-                  <m:oMath xmlns:m="http://schemas.openxmlformats.org/officeDocument/2006/math">
-                    <m:sSub>
-                      <m:sSubPr>
-                        <m:ctrlPr>
-                          <a:rPr lang="en-US" sz="3300" i="1" smtClean="0">
-                            <a:latin typeface="Cambria Math"/>
-                          </a:rPr>
-                        </m:ctrlPr>
-                      </m:sSubPr>
-                      <m:e>
-                        <m:r>
-                          <a:rPr lang="en-US" sz="3300" b="0" i="1" smtClean="0">
-                            <a:latin typeface="Cambria Math"/>
-                          </a:rPr>
-                          <m:t>𝑦</m:t>
-                        </m:r>
-                      </m:e>
-                      <m:sub>
-                        <m:r>
-                          <a:rPr lang="en-US" sz="3300" b="0" i="1" smtClean="0">
-                            <a:latin typeface="Cambria Math"/>
-                          </a:rPr>
-                          <m:t>𝑖</m:t>
-                        </m:r>
-                      </m:sub>
-                    </m:sSub>
-                  </m:oMath>
-                </a14:m>
-                <a:r>
-                  <a:rPr lang="en-US" sz="3300" dirty="0" smtClean="0"/>
-                  <a:t> using a logistic function, where the parameter is controlled by the features and weights. We </a:t>
-                </a:r>
-                <a:r>
-                  <a:rPr lang="en-US" sz="3300" dirty="0"/>
-                  <a:t>then select a number of parameters which we have a prior belief to have a strong influence on functionality, choose priors on their distributions and construct a Metropolis-Hastings Sampler to select the optimum value for each parameter. New predictions of functionality can then be made from this model.</a:t>
-                </a:r>
-                <a:endParaRPr sz="3300" dirty="0"/>
-              </a:p>
-            </p:txBody>
-          </p:sp>
-        </mc:Choice>
-        <mc:Fallback>
-          <p:sp>
-            <p:nvSpPr>
-              <p:cNvPr id="35" name="Shape 35"/>
-              <p:cNvSpPr>
-                <a:spLocks noRot="1" noChangeAspect="1" noMove="1" noResize="1" noEditPoints="1" noAdjustHandles="1" noChangeArrowheads="1" noChangeShapeType="1" noTextEdit="1"/>
-              </p:cNvSpPr>
-              <p:nvPr/>
-            </p:nvSpPr>
-            <p:spPr>
-              <a:xfrm>
-                <a:off x="10471150" y="13607559"/>
-                <a:ext cx="7450138" cy="7702872"/>
-              </a:xfrm>
-              <a:prstGeom prst="rect">
-                <a:avLst/>
-              </a:prstGeom>
-              <a:blipFill rotWithShape="1">
-                <a:blip r:embed="rId4"/>
-                <a:stretch>
-                  <a:fillRect l="-2864" t="-1028" r="-3273" b="-1820"/>
-                </a:stretch>
-              </a:blipFill>
-              <a:ln w="12700">
-                <a:miter lim="400000"/>
-              </a:ln>
-              <a:extLst>
-                <a:ext uri="{C572A759-6A51-4108-AA02-DFA0A04FC94B}">
-                  <ma14:wrappingTextBoxFlag xmlns:ma14="http://schemas.microsoft.com/office/mac/drawingml/2011/main" xmlns="" val="1"/>
-                </a:ext>
-              </a:extLst>
-            </p:spPr>
-            <p:txBody>
-              <a:bodyPr/>
-              <a:lstStyle/>
-              <a:p>
-                <a:r>
-                  <a:rPr lang="en-US">
-                    <a:noFill/>
-                  </a:rPr>
-                  <a:t> </a:t>
-                </a:r>
-              </a:p>
-            </p:txBody>
-          </p:sp>
-        </mc:Fallback>
-      </mc:AlternateContent>
       <p:graphicFrame>
         <p:nvGraphicFramePr>
           <p:cNvPr id="36" name="Table 36"/>
@@ -4587,40 +4417,12 @@
       </p:graphicFrame>
       <p:pic>
         <p:nvPicPr>
-          <p:cNvPr id="37" name="CodeCogsEqn (3).png"/>
+          <p:cNvPr id="39" name="CodeCogsEqn (2).png"/>
           <p:cNvPicPr/>
           <p:nvPr/>
         </p:nvPicPr>
         <p:blipFill>
-          <a:blip r:embed="rId5">
-            <a:extLst/>
-          </a:blip>
-          <a:srcRect b="3816"/>
-          <a:stretch>
-            <a:fillRect/>
-          </a:stretch>
-        </p:blipFill>
-        <p:spPr>
-          <a:xfrm>
-            <a:off x="10678516" y="21465777"/>
-            <a:ext cx="7175501" cy="1600201"/>
-          </a:xfrm>
-          <a:prstGeom prst="rect">
-            <a:avLst/>
-          </a:prstGeom>
-          <a:ln w="12700">
-            <a:miter lim="400000"/>
-          </a:ln>
-        </p:spPr>
-      </p:pic>
-      <p:pic>
-        <p:nvPicPr>
-          <p:cNvPr id="38" name="CodeCogsEqn (1).png"/>
-          <p:cNvPicPr/>
-          <p:nvPr/>
-        </p:nvPicPr>
-        <p:blipFill>
-          <a:blip r:embed="rId6">
+          <a:blip r:embed="rId4">
             <a:extLst/>
           </a:blip>
           <a:stretch>
@@ -4629,34 +4431,7 @@
         </p:blipFill>
         <p:spPr>
           <a:xfrm>
-            <a:off x="10172699" y="23633211"/>
-            <a:ext cx="8343901" cy="647701"/>
-          </a:xfrm>
-          <a:prstGeom prst="rect">
-            <a:avLst/>
-          </a:prstGeom>
-          <a:ln w="12700">
-            <a:miter lim="400000"/>
-          </a:ln>
-        </p:spPr>
-      </p:pic>
-      <p:pic>
-        <p:nvPicPr>
-          <p:cNvPr id="39" name="CodeCogsEqn (2).png"/>
-          <p:cNvPicPr/>
-          <p:nvPr/>
-        </p:nvPicPr>
-        <p:blipFill>
-          <a:blip r:embed="rId7">
-            <a:extLst/>
-          </a:blip>
-          <a:stretch>
-            <a:fillRect/>
-          </a:stretch>
-        </p:blipFill>
-        <p:spPr>
-          <a:xfrm>
-            <a:off x="10860980" y="25018999"/>
+            <a:off x="10989864" y="30954662"/>
             <a:ext cx="6629401" cy="736601"/>
           </a:xfrm>
           <a:prstGeom prst="rect">
@@ -4674,7 +4449,7 @@
           <p:nvPr/>
         </p:nvPicPr>
         <p:blipFill>
-          <a:blip r:embed="rId8">
+          <a:blip r:embed="rId5">
             <a:extLst/>
           </a:blip>
           <a:srcRect t="781"/>
@@ -4684,7 +4459,7 @@
         </p:blipFill>
         <p:spPr>
           <a:xfrm>
-            <a:off x="9299872" y="32011715"/>
+            <a:off x="18516600" y="17983200"/>
             <a:ext cx="4953001" cy="3225801"/>
           </a:xfrm>
           <a:prstGeom prst="rect">
@@ -4702,7 +4477,7 @@
           <p:nvPr/>
         </p:nvPicPr>
         <p:blipFill>
-          <a:blip r:embed="rId9">
+          <a:blip r:embed="rId6">
             <a:extLst/>
           </a:blip>
           <a:stretch>
@@ -4711,7 +4486,7 @@
         </p:blipFill>
         <p:spPr>
           <a:xfrm>
-            <a:off x="14034095" y="32011715"/>
+            <a:off x="23250823" y="17983200"/>
             <a:ext cx="4864101" cy="3251201"/>
           </a:xfrm>
           <a:prstGeom prst="rect">
@@ -4730,7 +4505,7 @@
         </p:nvSpPr>
         <p:spPr>
           <a:xfrm>
-            <a:off x="11478369" y="35184334"/>
+            <a:off x="20695097" y="21155819"/>
             <a:ext cx="778769" cy="553466"/>
           </a:xfrm>
           <a:prstGeom prst="rect">
@@ -4778,7 +4553,7 @@
         </p:nvSpPr>
         <p:spPr>
           <a:xfrm>
-            <a:off x="16177369" y="35184334"/>
+            <a:off x="25394097" y="21155819"/>
             <a:ext cx="778769" cy="553466"/>
           </a:xfrm>
           <a:prstGeom prst="rect">
@@ -4889,7 +4664,7 @@
             <p:nvPr/>
           </p:nvPicPr>
           <p:blipFill>
-            <a:blip r:embed="rId10">
+            <a:blip r:embed="rId7">
               <a:extLst>
                 <a:ext uri="{28A0092B-C50C-407E-A947-70E740481C1C}">
                   <a14:useLocalDpi xmlns:a14="http://schemas.microsoft.com/office/drawing/2010/main" val="0"/>
@@ -4919,8 +4694,8 @@
         </p:nvSpPr>
         <p:spPr>
           <a:xfrm>
-            <a:off x="10439400" y="28270200"/>
-            <a:ext cx="7913688" cy="3640221"/>
+            <a:off x="19829762" y="13115924"/>
+            <a:ext cx="7913688" cy="4655884"/>
           </a:xfrm>
           <a:prstGeom prst="rect">
             <a:avLst/>
@@ -4950,7 +4725,565 @@
                 <a:cs typeface="Arial"/>
                 <a:sym typeface="Arial"/>
               </a:rPr>
-              <a:t>So far, results are limited. Accuracy of predictions using cross-validation are only slightly higher than randomly guessing. This implies that our model is not accurate, and that the features we chose are very weakly correlated, if at all, to the functionality of the well.</a:t>
+              <a:t>The MH sampler algorithm successfully converges for the parameters. However, so far, results are limited. Accuracy of predictions using cross-validation are only slightly higher than randomly guessing. This implies that our model is not accurate, and that the features we chose are very weakly correlated, if at all, to the functionality of the well.</a:t>
+            </a:r>
+            <a:endParaRPr sz="3300" dirty="0">
+              <a:latin typeface="Arial"/>
+              <a:ea typeface="Arial"/>
+              <a:cs typeface="Arial"/>
+              <a:sym typeface="Arial"/>
+            </a:endParaRPr>
+          </a:p>
+        </p:txBody>
+      </p:sp>
+      <p:sp>
+        <p:nvSpPr>
+          <p:cNvPr id="48" name="Shape 35"/>
+          <p:cNvSpPr/>
+          <p:nvPr/>
+        </p:nvSpPr>
+        <p:spPr>
+          <a:xfrm>
+            <a:off x="10471150" y="13607559"/>
+            <a:ext cx="7450138" cy="2116727"/>
+          </a:xfrm>
+          <a:prstGeom prst="rect">
+            <a:avLst/>
+          </a:prstGeom>
+          <a:ln w="12700">
+            <a:miter lim="400000"/>
+          </a:ln>
+          <a:extLst>
+            <a:ext uri="{C572A759-6A51-4108-AA02-DFA0A04FC94B}">
+              <ma14:wrappingTextBoxFlag xmlns:ma14="http://schemas.microsoft.com/office/mac/drawingml/2011/main" xmlns="" val="1"/>
+            </a:ext>
+          </a:extLst>
+        </p:spPr>
+        <p:txBody>
+          <a:bodyPr lIns="42288" tIns="42288" rIns="42288" bIns="42288">
+            <a:spAutoFit/>
+          </a:bodyPr>
+          <a:lstStyle>
+            <a:lvl1pPr defTabSz="1738312">
+              <a:defRPr sz="3300">
+                <a:latin typeface="Arial"/>
+                <a:ea typeface="Arial"/>
+                <a:cs typeface="Arial"/>
+                <a:sym typeface="Arial"/>
+              </a:defRPr>
+            </a:lvl1pPr>
+          </a:lstStyle>
+          <a:p>
+            <a:pPr lvl="0">
+              <a:defRPr sz="1800"/>
+            </a:pPr>
+            <a:r>
+              <a:rPr lang="en-US" sz="3300" dirty="0" smtClean="0"/>
+              <a:t>To make the categorical labels compatible with Bayesian methods, we assign a range for each label (the exact limits can be adjusted):</a:t>
+            </a:r>
+            <a:endParaRPr sz="3300" dirty="0"/>
+          </a:p>
+        </p:txBody>
+      </p:sp>
+      <mc:AlternateContent xmlns:mc="http://schemas.openxmlformats.org/markup-compatibility/2006">
+        <mc:Choice xmlns:a14="http://schemas.microsoft.com/office/drawing/2010/main" Requires="a14">
+          <p:sp>
+            <p:nvSpPr>
+              <p:cNvPr id="49" name="Shape 35"/>
+              <p:cNvSpPr/>
+              <p:nvPr/>
+            </p:nvSpPr>
+            <p:spPr>
+              <a:xfrm>
+                <a:off x="10471150" y="17678400"/>
+                <a:ext cx="7450138" cy="8210703"/>
+              </a:xfrm>
+              <a:prstGeom prst="rect">
+                <a:avLst/>
+              </a:prstGeom>
+              <a:ln w="12700">
+                <a:miter lim="400000"/>
+              </a:ln>
+              <a:extLst>
+                <a:ext uri="{C572A759-6A51-4108-AA02-DFA0A04FC94B}">
+                  <ma14:wrappingTextBoxFlag xmlns:ma14="http://schemas.microsoft.com/office/mac/drawingml/2011/main" xmlns="" val="1"/>
+                </a:ext>
+              </a:extLst>
+            </p:spPr>
+            <p:txBody>
+              <a:bodyPr lIns="42288" tIns="42288" rIns="42288" bIns="42288">
+                <a:spAutoFit/>
+              </a:bodyPr>
+              <a:lstStyle>
+                <a:lvl1pPr defTabSz="1738312">
+                  <a:defRPr sz="3300">
+                    <a:latin typeface="Arial"/>
+                    <a:ea typeface="Arial"/>
+                    <a:cs typeface="Arial"/>
+                    <a:sym typeface="Arial"/>
+                  </a:defRPr>
+                </a:lvl1pPr>
+              </a:lstStyle>
+              <a:p>
+                <a:pPr lvl="0">
+                  <a:defRPr sz="1800"/>
+                </a:pPr>
+                <a:r>
+                  <a:rPr lang="en-US" sz="3300" dirty="0" smtClean="0"/>
+                  <a:t>and model </a:t>
+                </a:r>
+                <a14:m>
+                  <m:oMath xmlns:m="http://schemas.openxmlformats.org/officeDocument/2006/math">
+                    <m:sSub>
+                      <m:sSubPr>
+                        <m:ctrlPr>
+                          <a:rPr lang="en-US" sz="3300" i="1" smtClean="0">
+                            <a:latin typeface="Cambria Math"/>
+                          </a:rPr>
+                        </m:ctrlPr>
+                      </m:sSubPr>
+                      <m:e>
+                        <m:r>
+                          <a:rPr lang="en-US" sz="3300" b="0" i="1" smtClean="0">
+                            <a:latin typeface="Cambria Math"/>
+                          </a:rPr>
+                          <m:t>𝑦</m:t>
+                        </m:r>
+                      </m:e>
+                      <m:sub>
+                        <m:r>
+                          <a:rPr lang="en-US" sz="3300" b="0" i="1" smtClean="0">
+                            <a:latin typeface="Cambria Math"/>
+                          </a:rPr>
+                          <m:t>𝑖</m:t>
+                        </m:r>
+                      </m:sub>
+                    </m:sSub>
+                  </m:oMath>
+                </a14:m>
+                <a:r>
+                  <a:rPr lang="en-US" sz="3300" dirty="0" smtClean="0"/>
+                  <a:t> using a logistic function, where the parameter is controlled by the features and weights. Our model comes from the assumption that there are certain factors impacting decay rate, and so the functionality is dependent on this decay rate.</a:t>
+                </a:r>
+              </a:p>
+              <a:p>
+                <a:pPr lvl="0">
+                  <a:defRPr sz="1800"/>
+                </a:pPr>
+                <a:r>
+                  <a:rPr lang="en-US" sz="3300" dirty="0" smtClean="0"/>
+                  <a:t>We </a:t>
+                </a:r>
+                <a:r>
+                  <a:rPr lang="en-US" sz="3300" dirty="0"/>
+                  <a:t>then select </a:t>
+                </a:r>
+                <a:r>
+                  <a:rPr lang="en-US" sz="3300" dirty="0" smtClean="0"/>
+                  <a:t>features from the data which </a:t>
+                </a:r>
+                <a:r>
+                  <a:rPr lang="en-US" sz="3300" dirty="0"/>
+                  <a:t>we have a prior belief to have a strong influence on functionality, choose priors on their distributions and construct a Metropolis-Hastings Sampler to select the optimum value for each parameter. New predictions of functionality can then be made from this model.</a:t>
+                </a:r>
+                <a:endParaRPr sz="3300" dirty="0"/>
+              </a:p>
+            </p:txBody>
+          </p:sp>
+        </mc:Choice>
+        <mc:Fallback>
+          <p:sp>
+            <p:nvSpPr>
+              <p:cNvPr id="49" name="Shape 35"/>
+              <p:cNvSpPr>
+                <a:spLocks noRot="1" noChangeAspect="1" noMove="1" noResize="1" noEditPoints="1" noAdjustHandles="1" noChangeArrowheads="1" noChangeShapeType="1" noTextEdit="1"/>
+              </p:cNvSpPr>
+              <p:nvPr/>
+            </p:nvSpPr>
+            <p:spPr>
+              <a:xfrm>
+                <a:off x="10471150" y="17678400"/>
+                <a:ext cx="7450138" cy="8210703"/>
+              </a:xfrm>
+              <a:prstGeom prst="rect">
+                <a:avLst/>
+              </a:prstGeom>
+              <a:blipFill rotWithShape="1">
+                <a:blip r:embed="rId8"/>
+                <a:stretch>
+                  <a:fillRect l="-2864" t="-1039" r="-2537" b="-1559"/>
+                </a:stretch>
+              </a:blipFill>
+              <a:ln w="12700">
+                <a:miter lim="400000"/>
+              </a:ln>
+              <a:extLst>
+                <a:ext uri="{C572A759-6A51-4108-AA02-DFA0A04FC94B}">
+                  <ma14:wrappingTextBoxFlag xmlns:ma14="http://schemas.microsoft.com/office/mac/drawingml/2011/main" xmlns="" val="1"/>
+                </a:ext>
+              </a:extLst>
+            </p:spPr>
+            <p:txBody>
+              <a:bodyPr/>
+              <a:lstStyle/>
+              <a:p>
+                <a:r>
+                  <a:rPr lang="en-US">
+                    <a:noFill/>
+                  </a:rPr>
+                  <a:t> </a:t>
+                </a:r>
+              </a:p>
+            </p:txBody>
+          </p:sp>
+        </mc:Fallback>
+      </mc:AlternateContent>
+      <p:pic>
+        <p:nvPicPr>
+          <p:cNvPr id="1030" name="Picture 6" descr="http://latex2png.com/output/latex_91c58a422ef85875ff418c5388053983.png"/>
+          <p:cNvPicPr>
+            <a:picLocks noChangeAspect="1" noChangeArrowheads="1"/>
+          </p:cNvPicPr>
+          <p:nvPr/>
+        </p:nvPicPr>
+        <p:blipFill>
+          <a:blip r:embed="rId9">
+            <a:extLst>
+              <a:ext uri="{28A0092B-C50C-407E-A947-70E740481C1C}">
+                <a14:useLocalDpi xmlns:a14="http://schemas.microsoft.com/office/drawing/2010/main" val="0"/>
+              </a:ext>
+            </a:extLst>
+          </a:blip>
+          <a:srcRect/>
+          <a:stretch>
+            <a:fillRect/>
+          </a:stretch>
+        </p:blipFill>
+        <p:spPr bwMode="auto">
+          <a:xfrm>
+            <a:off x="10363200" y="15821897"/>
+            <a:ext cx="7400925" cy="1627903"/>
+          </a:xfrm>
+          <a:prstGeom prst="rect">
+            <a:avLst/>
+          </a:prstGeom>
+          <a:noFill/>
+          <a:extLst>
+            <a:ext uri="{909E8E84-426E-40DD-AFC4-6F175D3DCCD1}">
+              <a14:hiddenFill xmlns:a14="http://schemas.microsoft.com/office/drawing/2010/main">
+                <a:solidFill>
+                  <a:srgbClr val="FFFFFF"/>
+                </a:solidFill>
+              </a14:hiddenFill>
+            </a:ext>
+          </a:extLst>
+        </p:spPr>
+      </p:pic>
+      <p:pic>
+        <p:nvPicPr>
+          <p:cNvPr id="1032" name="Picture 8" descr="http://latex2png.com/output/latex_dc52f88ef76fa8b14402ec8c2343b45b.png"/>
+          <p:cNvPicPr>
+            <a:picLocks noChangeAspect="1" noChangeArrowheads="1"/>
+          </p:cNvPicPr>
+          <p:nvPr/>
+        </p:nvPicPr>
+        <p:blipFill>
+          <a:blip r:embed="rId10">
+            <a:extLst>
+              <a:ext uri="{28A0092B-C50C-407E-A947-70E740481C1C}">
+                <a14:useLocalDpi xmlns:a14="http://schemas.microsoft.com/office/drawing/2010/main" val="0"/>
+              </a:ext>
+            </a:extLst>
+          </a:blip>
+          <a:srcRect/>
+          <a:stretch>
+            <a:fillRect/>
+          </a:stretch>
+        </p:blipFill>
+        <p:spPr bwMode="auto">
+          <a:xfrm>
+            <a:off x="11738521" y="26048134"/>
+            <a:ext cx="4645719" cy="1254631"/>
+          </a:xfrm>
+          <a:prstGeom prst="rect">
+            <a:avLst/>
+          </a:prstGeom>
+          <a:noFill/>
+          <a:extLst>
+            <a:ext uri="{909E8E84-426E-40DD-AFC4-6F175D3DCCD1}">
+              <a14:hiddenFill xmlns:a14="http://schemas.microsoft.com/office/drawing/2010/main">
+                <a:solidFill>
+                  <a:srgbClr val="FFFFFF"/>
+                </a:solidFill>
+              </a14:hiddenFill>
+            </a:ext>
+          </a:extLst>
+        </p:spPr>
+      </p:pic>
+      <p:pic>
+        <p:nvPicPr>
+          <p:cNvPr id="1036" name="Picture 12" descr="http://latex2png.com/output/latex_0fd9d9e0bf42892625df09aee7f02048.png"/>
+          <p:cNvPicPr>
+            <a:picLocks noChangeAspect="1" noChangeArrowheads="1"/>
+          </p:cNvPicPr>
+          <p:nvPr/>
+        </p:nvPicPr>
+        <p:blipFill>
+          <a:blip r:embed="rId11">
+            <a:extLst>
+              <a:ext uri="{28A0092B-C50C-407E-A947-70E740481C1C}">
+                <a14:useLocalDpi xmlns:a14="http://schemas.microsoft.com/office/drawing/2010/main" val="0"/>
+              </a:ext>
+            </a:extLst>
+          </a:blip>
+          <a:srcRect/>
+          <a:stretch>
+            <a:fillRect/>
+          </a:stretch>
+        </p:blipFill>
+        <p:spPr bwMode="auto">
+          <a:xfrm>
+            <a:off x="9982200" y="27861869"/>
+            <a:ext cx="8644731" cy="484531"/>
+          </a:xfrm>
+          <a:prstGeom prst="rect">
+            <a:avLst/>
+          </a:prstGeom>
+          <a:noFill/>
+          <a:extLst>
+            <a:ext uri="{909E8E84-426E-40DD-AFC4-6F175D3DCCD1}">
+              <a14:hiddenFill xmlns:a14="http://schemas.microsoft.com/office/drawing/2010/main">
+                <a:solidFill>
+                  <a:srgbClr val="FFFFFF"/>
+                </a:solidFill>
+              </a14:hiddenFill>
+            </a:ext>
+          </a:extLst>
+        </p:spPr>
+      </p:pic>
+      <mc:AlternateContent xmlns:mc="http://schemas.openxmlformats.org/markup-compatibility/2006">
+        <mc:Choice xmlns:a14="http://schemas.microsoft.com/office/drawing/2010/main" Requires="a14">
+          <p:sp>
+            <p:nvSpPr>
+              <p:cNvPr id="50" name="Shape 35"/>
+              <p:cNvSpPr/>
+              <p:nvPr/>
+            </p:nvSpPr>
+            <p:spPr>
+              <a:xfrm>
+                <a:off x="10579495" y="28651200"/>
+                <a:ext cx="7450138" cy="2116727"/>
+              </a:xfrm>
+              <a:prstGeom prst="rect">
+                <a:avLst/>
+              </a:prstGeom>
+              <a:ln w="12700">
+                <a:miter lim="400000"/>
+              </a:ln>
+              <a:extLst>
+                <a:ext uri="{C572A759-6A51-4108-AA02-DFA0A04FC94B}">
+                  <ma14:wrappingTextBoxFlag xmlns:ma14="http://schemas.microsoft.com/office/mac/drawingml/2011/main" xmlns="" val="1"/>
+                </a:ext>
+              </a:extLst>
+            </p:spPr>
+            <p:txBody>
+              <a:bodyPr lIns="42288" tIns="42288" rIns="42288" bIns="42288">
+                <a:spAutoFit/>
+              </a:bodyPr>
+              <a:lstStyle>
+                <a:lvl1pPr defTabSz="1738312">
+                  <a:defRPr sz="3300">
+                    <a:latin typeface="Arial"/>
+                    <a:ea typeface="Arial"/>
+                    <a:cs typeface="Arial"/>
+                    <a:sym typeface="Arial"/>
+                  </a:defRPr>
+                </a:lvl1pPr>
+              </a:lstStyle>
+              <a:p>
+                <a:pPr lvl="0">
+                  <a:defRPr sz="1800"/>
+                </a:pPr>
+                <a:r>
+                  <a:rPr lang="en-US" sz="3300" dirty="0" smtClean="0"/>
+                  <a:t>There are </a:t>
+                </a:r>
+                <a14:m>
+                  <m:oMath xmlns:m="http://schemas.openxmlformats.org/officeDocument/2006/math">
+                    <m:r>
+                      <a:rPr lang="en-US" sz="3300" b="0" i="1" smtClean="0">
+                        <a:latin typeface="Cambria Math"/>
+                      </a:rPr>
+                      <m:t>𝑛</m:t>
+                    </m:r>
+                  </m:oMath>
+                </a14:m>
+                <a:r>
+                  <a:rPr lang="en-US" sz="3300" dirty="0" smtClean="0"/>
+                  <a:t> features and </a:t>
+                </a:r>
+                <a14:m>
+                  <m:oMath xmlns:m="http://schemas.openxmlformats.org/officeDocument/2006/math">
+                    <m:r>
+                      <a:rPr lang="en-US" sz="3300" b="0" i="1" smtClean="0">
+                        <a:latin typeface="Cambria Math"/>
+                      </a:rPr>
+                      <m:t>𝑛</m:t>
+                    </m:r>
+                    <m:r>
+                      <a:rPr lang="en-US" sz="3300" b="0" i="1" smtClean="0">
+                        <a:latin typeface="Cambria Math"/>
+                      </a:rPr>
+                      <m:t>+2</m:t>
+                    </m:r>
+                  </m:oMath>
+                </a14:m>
+                <a:r>
+                  <a:rPr lang="en-US" sz="3300" dirty="0" smtClean="0"/>
+                  <a:t> parameters (</a:t>
+                </a:r>
+                <a14:m>
+                  <m:oMath xmlns:m="http://schemas.openxmlformats.org/officeDocument/2006/math">
+                    <m:r>
+                      <a:rPr lang="en-US" sz="3300" b="0" i="1" smtClean="0">
+                        <a:latin typeface="Cambria Math"/>
+                      </a:rPr>
+                      <m:t>𝑛</m:t>
+                    </m:r>
+                    <m:r>
+                      <a:rPr lang="en-US" sz="3300" b="0" i="1" smtClean="0">
+                        <a:latin typeface="Cambria Math"/>
+                      </a:rPr>
+                      <m:t>+1</m:t>
+                    </m:r>
+                  </m:oMath>
+                </a14:m>
+                <a:r>
+                  <a:rPr lang="en-US" sz="3300" dirty="0" smtClean="0"/>
+                  <a:t> </a:t>
+                </a:r>
+                <a14:m>
+                  <m:oMath xmlns:m="http://schemas.openxmlformats.org/officeDocument/2006/math">
+                    <m:r>
+                      <a:rPr lang="en-US" sz="3300" i="1" dirty="0" smtClean="0">
+                        <a:latin typeface="Cambria Math"/>
+                        <a:ea typeface="Cambria Math"/>
+                      </a:rPr>
+                      <m:t>𝛽</m:t>
+                    </m:r>
+                  </m:oMath>
+                </a14:m>
+                <a:r>
+                  <a:rPr lang="en-US" sz="3300" dirty="0" smtClean="0"/>
+                  <a:t>s and </a:t>
+                </a:r>
+                <a14:m>
+                  <m:oMath xmlns:m="http://schemas.openxmlformats.org/officeDocument/2006/math">
+                    <m:r>
+                      <a:rPr lang="en-US" sz="3300" i="1" smtClean="0">
+                        <a:latin typeface="Cambria Math"/>
+                        <a:ea typeface="Cambria Math"/>
+                      </a:rPr>
+                      <m:t>𝜎</m:t>
+                    </m:r>
+                  </m:oMath>
+                </a14:m>
+                <a:r>
+                  <a:rPr lang="en-US" sz="3300" dirty="0" smtClean="0"/>
+                  <a:t>). These are found by sampling from the posterior:</a:t>
+                </a:r>
+                <a:endParaRPr sz="3300" dirty="0"/>
+              </a:p>
+            </p:txBody>
+          </p:sp>
+        </mc:Choice>
+        <mc:Fallback>
+          <p:sp>
+            <p:nvSpPr>
+              <p:cNvPr id="50" name="Shape 35"/>
+              <p:cNvSpPr>
+                <a:spLocks noRot="1" noChangeAspect="1" noMove="1" noResize="1" noEditPoints="1" noAdjustHandles="1" noChangeArrowheads="1" noChangeShapeType="1" noTextEdit="1"/>
+              </p:cNvSpPr>
+              <p:nvPr/>
+            </p:nvSpPr>
+            <p:spPr>
+              <a:xfrm>
+                <a:off x="10579495" y="28651200"/>
+                <a:ext cx="7450138" cy="2116727"/>
+              </a:xfrm>
+              <a:prstGeom prst="rect">
+                <a:avLst/>
+              </a:prstGeom>
+              <a:blipFill rotWithShape="1">
+                <a:blip r:embed="rId12"/>
+                <a:stretch>
+                  <a:fillRect l="-2780" t="-4035" b="-8934"/>
+                </a:stretch>
+              </a:blipFill>
+              <a:ln w="12700">
+                <a:miter lim="400000"/>
+              </a:ln>
+              <a:extLst>
+                <a:ext uri="{C572A759-6A51-4108-AA02-DFA0A04FC94B}">
+                  <ma14:wrappingTextBoxFlag xmlns:ma14="http://schemas.microsoft.com/office/mac/drawingml/2011/main" xmlns="" val="1"/>
+                </a:ext>
+              </a:extLst>
+            </p:spPr>
+            <p:txBody>
+              <a:bodyPr/>
+              <a:lstStyle/>
+              <a:p>
+                <a:r>
+                  <a:rPr lang="en-US">
+                    <a:noFill/>
+                  </a:rPr>
+                  <a:t> </a:t>
+                </a:r>
+              </a:p>
+            </p:txBody>
+          </p:sp>
+        </mc:Fallback>
+      </mc:AlternateContent>
+      <p:sp>
+        <p:nvSpPr>
+          <p:cNvPr id="51" name="Shape 30"/>
+          <p:cNvSpPr/>
+          <p:nvPr/>
+        </p:nvSpPr>
+        <p:spPr>
+          <a:xfrm>
+            <a:off x="19781343" y="25889103"/>
+            <a:ext cx="7913688" cy="4148053"/>
+          </a:xfrm>
+          <a:prstGeom prst="rect">
+            <a:avLst/>
+          </a:prstGeom>
+          <a:ln w="12700">
+            <a:miter lim="400000"/>
+          </a:ln>
+          <a:extLst>
+            <a:ext uri="{C572A759-6A51-4108-AA02-DFA0A04FC94B}">
+              <ma14:wrappingTextBoxFlag xmlns:ma14="http://schemas.microsoft.com/office/mac/drawingml/2011/main" xmlns="" val="1"/>
+            </a:ext>
+          </a:extLst>
+        </p:spPr>
+        <p:txBody>
+          <a:bodyPr lIns="42288" tIns="42288" rIns="42288" bIns="42288">
+            <a:spAutoFit/>
+          </a:bodyPr>
+          <a:lstStyle/>
+          <a:p>
+            <a:pPr lvl="0" defTabSz="1738312">
+              <a:defRPr sz="1800"/>
+            </a:pPr>
+            <a:r>
+              <a:rPr lang="en-US" sz="3300" dirty="0" smtClean="0">
+                <a:latin typeface="Arial"/>
+                <a:ea typeface="Arial"/>
+                <a:cs typeface="Arial"/>
+                <a:sym typeface="Arial"/>
+              </a:rPr>
+              <a:t>We have demonstrated a Bayesian model for the functionality of water wells and found the parameters using a training data set. However, predictions are not yet accurate, suggesting that there is a lot of work to be done in fine-tuning the model as well as extracting more meaningful features from the data set.</a:t>
             </a:r>
             <a:endParaRPr sz="3300" dirty="0">
               <a:latin typeface="Arial"/>

--- a/Poster/poster.pptx
+++ b/Poster/poster.pptx
@@ -809,12 +809,28 @@
               <a:t>Predicting Water Pump Failure and </a:t>
             </a:r>
             <a:r>
-              <a:rPr sz="6600" dirty="0" err="1">
+              <a:rPr sz="6600" dirty="0" smtClean="0">
                 <a:solidFill>
                   <a:srgbClr val="FFFFFF"/>
                 </a:solidFill>
               </a:rPr>
-              <a:t>Optimising</a:t>
+              <a:t>Optimi</a:t>
+            </a:r>
+            <a:r>
+              <a:rPr lang="en-US" sz="6600" dirty="0" smtClean="0">
+                <a:solidFill>
+                  <a:srgbClr val="FFFFFF"/>
+                </a:solidFill>
+              </a:rPr>
+              <a:t>z</a:t>
+            </a:r>
+            <a:r>
+              <a:rPr sz="6600" dirty="0" smtClean="0">
+                <a:solidFill>
+                  <a:srgbClr val="FFFFFF"/>
+                </a:solidFill>
+              </a:rPr>
+              <a:t>ing </a:t>
             </a:r>
             <a:r>
               <a:rPr sz="6600" dirty="0">
@@ -822,7 +838,7 @@
                   <a:srgbClr val="FFFFFF"/>
                 </a:solidFill>
               </a:rPr>
-              <a:t> Maintenance Schedules in Tanzania</a:t>
+              <a:t>Maintenance Schedules in Tanzania</a:t>
             </a:r>
           </a:p>
         </p:txBody>
@@ -5294,6 +5310,55 @@
           </a:p>
         </p:txBody>
       </p:sp>
+      <p:sp>
+        <p:nvSpPr>
+          <p:cNvPr id="52" name="Shape 35"/>
+          <p:cNvSpPr/>
+          <p:nvPr/>
+        </p:nvSpPr>
+        <p:spPr>
+          <a:xfrm>
+            <a:off x="10579495" y="32249473"/>
+            <a:ext cx="7450138" cy="2624559"/>
+          </a:xfrm>
+          <a:prstGeom prst="rect">
+            <a:avLst/>
+          </a:prstGeom>
+          <a:ln w="12700">
+            <a:miter lim="400000"/>
+          </a:ln>
+          <a:extLst>
+            <a:ext uri="{C572A759-6A51-4108-AA02-DFA0A04FC94B}">
+              <ma14:wrappingTextBoxFlag xmlns:ma14="http://schemas.microsoft.com/office/mac/drawingml/2011/main" xmlns="" val="1"/>
+            </a:ext>
+          </a:extLst>
+        </p:spPr>
+        <p:txBody>
+          <a:bodyPr lIns="42288" tIns="42288" rIns="42288" bIns="42288">
+            <a:spAutoFit/>
+          </a:bodyPr>
+          <a:lstStyle>
+            <a:lvl1pPr defTabSz="1738312">
+              <a:defRPr sz="3300">
+                <a:latin typeface="Arial"/>
+                <a:ea typeface="Arial"/>
+                <a:cs typeface="Arial"/>
+                <a:sym typeface="Arial"/>
+              </a:defRPr>
+            </a:lvl1pPr>
+          </a:lstStyle>
+          <a:p>
+            <a:pPr lvl="0">
+              <a:defRPr sz="1800"/>
+            </a:pPr>
+            <a:r>
+              <a:rPr lang="en-US" sz="3300" dirty="0" smtClean="0"/>
+              <a:t>Additionally, because the data has a lot of missing values, we decided to impute data using the average from other data points (or mode for categorical data).</a:t>
+            </a:r>
+            <a:endParaRPr sz="3300" dirty="0"/>
+          </a:p>
+        </p:txBody>
+      </p:sp>
     </p:spTree>
   </p:cSld>
   <p:clrMapOvr>
